--- a/report/单周期datapath.pptx
+++ b/report/单周期datapath.pptx
@@ -6,6 +6,7 @@
   </p:sldMasterIdLst>
   <p:sldIdLst>
     <p:sldId id="256" r:id="rId2"/>
+    <p:sldId id="257" r:id="rId3"/>
   </p:sldIdLst>
   <p:sldSz cx="9144000" cy="5143500" type="screen16x9"/>
   <p:notesSz cx="6858000" cy="9144000"/>
@@ -104,6 +105,22 @@
       </a:defRPr>
     </a:lvl9pPr>
   </p:defaultTextStyle>
+  <p:extLst>
+    <p:ext uri="{EFAFB233-063F-42B5-8137-9DF3F51BA10A}">
+      <p15:sldGuideLst xmlns:p15="http://schemas.microsoft.com/office/powerpoint/2012/main">
+        <p15:guide id="1" orient="horz" pos="1620">
+          <p15:clr>
+            <a:srgbClr val="A4A3A4"/>
+          </p15:clr>
+        </p15:guide>
+        <p15:guide id="2" pos="2880">
+          <p15:clr>
+            <a:srgbClr val="A4A3A4"/>
+          </p15:clr>
+        </p15:guide>
+      </p15:sldGuideLst>
+    </p:ext>
+  </p:extLst>
 </p:presentation>
 </file>
 
@@ -145,10 +162,9 @@
           <a:lstStyle/>
           <a:p>
             <a:r>
-              <a:rPr lang="zh-CN" altLang="en-US" smtClean="0"/>
+              <a:rPr lang="zh-CN" altLang="en-US"/>
               <a:t>单击此处编辑母版标题样式</a:t>
             </a:r>
-            <a:endParaRPr lang="zh-CN" altLang="en-US"/>
           </a:p>
         </p:txBody>
       </p:sp>
@@ -264,10 +280,9 @@
           </a:lstStyle>
           <a:p>
             <a:r>
-              <a:rPr lang="zh-CN" altLang="en-US" smtClean="0"/>
+              <a:rPr lang="zh-CN" altLang="en-US"/>
               <a:t>单击此处编辑母版副标题样式</a:t>
             </a:r>
-            <a:endParaRPr lang="zh-CN" altLang="en-US"/>
           </a:p>
         </p:txBody>
       </p:sp>
@@ -288,7 +303,7 @@
           <a:p>
             <a:fld id="{530820CF-B880-4189-942D-D702A7CBA730}" type="datetimeFigureOut">
               <a:rPr lang="zh-CN" altLang="en-US" smtClean="0"/>
-              <a:t>2018/7/19</a:t>
+              <a:t>2018/7/30</a:t>
             </a:fld>
             <a:endParaRPr lang="zh-CN" altLang="en-US"/>
           </a:p>
@@ -377,10 +392,9 @@
           <a:lstStyle/>
           <a:p>
             <a:r>
-              <a:rPr lang="zh-CN" altLang="en-US" smtClean="0"/>
+              <a:rPr lang="zh-CN" altLang="en-US"/>
               <a:t>单击此处编辑母版标题样式</a:t>
             </a:r>
-            <a:endParaRPr lang="zh-CN" altLang="en-US"/>
           </a:p>
         </p:txBody>
       </p:sp>
@@ -401,38 +415,37 @@
           <a:p>
             <a:pPr lvl="0"/>
             <a:r>
-              <a:rPr lang="zh-CN" altLang="en-US" smtClean="0"/>
+              <a:rPr lang="zh-CN" altLang="en-US"/>
               <a:t>单击此处编辑母版文本样式</a:t>
             </a:r>
           </a:p>
           <a:p>
             <a:pPr lvl="1"/>
             <a:r>
-              <a:rPr lang="zh-CN" altLang="en-US" smtClean="0"/>
+              <a:rPr lang="zh-CN" altLang="en-US"/>
               <a:t>第二级</a:t>
             </a:r>
           </a:p>
           <a:p>
             <a:pPr lvl="2"/>
             <a:r>
-              <a:rPr lang="zh-CN" altLang="en-US" smtClean="0"/>
+              <a:rPr lang="zh-CN" altLang="en-US"/>
               <a:t>第三级</a:t>
             </a:r>
           </a:p>
           <a:p>
             <a:pPr lvl="3"/>
             <a:r>
-              <a:rPr lang="zh-CN" altLang="en-US" smtClean="0"/>
+              <a:rPr lang="zh-CN" altLang="en-US"/>
               <a:t>第四级</a:t>
             </a:r>
           </a:p>
           <a:p>
             <a:pPr lvl="4"/>
             <a:r>
-              <a:rPr lang="zh-CN" altLang="en-US" smtClean="0"/>
+              <a:rPr lang="zh-CN" altLang="en-US"/>
               <a:t>第五级</a:t>
             </a:r>
-            <a:endParaRPr lang="zh-CN" altLang="en-US"/>
           </a:p>
         </p:txBody>
       </p:sp>
@@ -453,7 +466,7 @@
           <a:p>
             <a:fld id="{530820CF-B880-4189-942D-D702A7CBA730}" type="datetimeFigureOut">
               <a:rPr lang="zh-CN" altLang="en-US" smtClean="0"/>
-              <a:t>2018/7/19</a:t>
+              <a:t>2018/7/30</a:t>
             </a:fld>
             <a:endParaRPr lang="zh-CN" altLang="en-US"/>
           </a:p>
@@ -547,10 +560,9 @@
           <a:lstStyle/>
           <a:p>
             <a:r>
-              <a:rPr lang="zh-CN" altLang="en-US" smtClean="0"/>
+              <a:rPr lang="zh-CN" altLang="en-US"/>
               <a:t>单击此处编辑母版标题样式</a:t>
             </a:r>
-            <a:endParaRPr lang="zh-CN" altLang="en-US"/>
           </a:p>
         </p:txBody>
       </p:sp>
@@ -576,38 +588,37 @@
           <a:p>
             <a:pPr lvl="0"/>
             <a:r>
-              <a:rPr lang="zh-CN" altLang="en-US" smtClean="0"/>
+              <a:rPr lang="zh-CN" altLang="en-US"/>
               <a:t>单击此处编辑母版文本样式</a:t>
             </a:r>
           </a:p>
           <a:p>
             <a:pPr lvl="1"/>
             <a:r>
-              <a:rPr lang="zh-CN" altLang="en-US" smtClean="0"/>
+              <a:rPr lang="zh-CN" altLang="en-US"/>
               <a:t>第二级</a:t>
             </a:r>
           </a:p>
           <a:p>
             <a:pPr lvl="2"/>
             <a:r>
-              <a:rPr lang="zh-CN" altLang="en-US" smtClean="0"/>
+              <a:rPr lang="zh-CN" altLang="en-US"/>
               <a:t>第三级</a:t>
             </a:r>
           </a:p>
           <a:p>
             <a:pPr lvl="3"/>
             <a:r>
-              <a:rPr lang="zh-CN" altLang="en-US" smtClean="0"/>
+              <a:rPr lang="zh-CN" altLang="en-US"/>
               <a:t>第四级</a:t>
             </a:r>
           </a:p>
           <a:p>
             <a:pPr lvl="4"/>
             <a:r>
-              <a:rPr lang="zh-CN" altLang="en-US" smtClean="0"/>
+              <a:rPr lang="zh-CN" altLang="en-US"/>
               <a:t>第五级</a:t>
             </a:r>
-            <a:endParaRPr lang="zh-CN" altLang="en-US"/>
           </a:p>
         </p:txBody>
       </p:sp>
@@ -628,7 +639,7 @@
           <a:p>
             <a:fld id="{530820CF-B880-4189-942D-D702A7CBA730}" type="datetimeFigureOut">
               <a:rPr lang="zh-CN" altLang="en-US" smtClean="0"/>
-              <a:t>2018/7/19</a:t>
+              <a:t>2018/7/30</a:t>
             </a:fld>
             <a:endParaRPr lang="zh-CN" altLang="en-US"/>
           </a:p>
@@ -717,10 +728,9 @@
           <a:lstStyle/>
           <a:p>
             <a:r>
-              <a:rPr lang="zh-CN" altLang="en-US" smtClean="0"/>
+              <a:rPr lang="zh-CN" altLang="en-US"/>
               <a:t>单击此处编辑母版标题样式</a:t>
             </a:r>
-            <a:endParaRPr lang="zh-CN" altLang="en-US"/>
           </a:p>
         </p:txBody>
       </p:sp>
@@ -741,38 +751,37 @@
           <a:p>
             <a:pPr lvl="0"/>
             <a:r>
-              <a:rPr lang="zh-CN" altLang="en-US" smtClean="0"/>
+              <a:rPr lang="zh-CN" altLang="en-US"/>
               <a:t>单击此处编辑母版文本样式</a:t>
             </a:r>
           </a:p>
           <a:p>
             <a:pPr lvl="1"/>
             <a:r>
-              <a:rPr lang="zh-CN" altLang="en-US" smtClean="0"/>
+              <a:rPr lang="zh-CN" altLang="en-US"/>
               <a:t>第二级</a:t>
             </a:r>
           </a:p>
           <a:p>
             <a:pPr lvl="2"/>
             <a:r>
-              <a:rPr lang="zh-CN" altLang="en-US" smtClean="0"/>
+              <a:rPr lang="zh-CN" altLang="en-US"/>
               <a:t>第三级</a:t>
             </a:r>
           </a:p>
           <a:p>
             <a:pPr lvl="3"/>
             <a:r>
-              <a:rPr lang="zh-CN" altLang="en-US" smtClean="0"/>
+              <a:rPr lang="zh-CN" altLang="en-US"/>
               <a:t>第四级</a:t>
             </a:r>
           </a:p>
           <a:p>
             <a:pPr lvl="4"/>
             <a:r>
-              <a:rPr lang="zh-CN" altLang="en-US" smtClean="0"/>
+              <a:rPr lang="zh-CN" altLang="en-US"/>
               <a:t>第五级</a:t>
             </a:r>
-            <a:endParaRPr lang="zh-CN" altLang="en-US"/>
           </a:p>
         </p:txBody>
       </p:sp>
@@ -793,7 +802,7 @@
           <a:p>
             <a:fld id="{530820CF-B880-4189-942D-D702A7CBA730}" type="datetimeFigureOut">
               <a:rPr lang="zh-CN" altLang="en-US" smtClean="0"/>
-              <a:t>2018/7/19</a:t>
+              <a:t>2018/7/30</a:t>
             </a:fld>
             <a:endParaRPr lang="zh-CN" altLang="en-US"/>
           </a:p>
@@ -891,10 +900,9 @@
           </a:lstStyle>
           <a:p>
             <a:r>
-              <a:rPr lang="zh-CN" altLang="en-US" smtClean="0"/>
+              <a:rPr lang="zh-CN" altLang="en-US"/>
               <a:t>单击此处编辑母版标题样式</a:t>
             </a:r>
-            <a:endParaRPr lang="zh-CN" altLang="en-US"/>
           </a:p>
         </p:txBody>
       </p:sp>
@@ -1011,7 +1019,7 @@
           <a:p>
             <a:pPr lvl="0"/>
             <a:r>
-              <a:rPr lang="zh-CN" altLang="en-US" smtClean="0"/>
+              <a:rPr lang="zh-CN" altLang="en-US"/>
               <a:t>单击此处编辑母版文本样式</a:t>
             </a:r>
           </a:p>
@@ -1034,7 +1042,7 @@
           <a:p>
             <a:fld id="{530820CF-B880-4189-942D-D702A7CBA730}" type="datetimeFigureOut">
               <a:rPr lang="zh-CN" altLang="en-US" smtClean="0"/>
-              <a:t>2018/7/19</a:t>
+              <a:t>2018/7/30</a:t>
             </a:fld>
             <a:endParaRPr lang="zh-CN" altLang="en-US"/>
           </a:p>
@@ -1123,10 +1131,9 @@
           <a:lstStyle/>
           <a:p>
             <a:r>
-              <a:rPr lang="zh-CN" altLang="en-US" smtClean="0"/>
+              <a:rPr lang="zh-CN" altLang="en-US"/>
               <a:t>单击此处编辑母版标题样式</a:t>
             </a:r>
-            <a:endParaRPr lang="zh-CN" altLang="en-US"/>
           </a:p>
         </p:txBody>
       </p:sp>
@@ -1180,38 +1187,37 @@
           <a:p>
             <a:pPr lvl="0"/>
             <a:r>
-              <a:rPr lang="zh-CN" altLang="en-US" smtClean="0"/>
+              <a:rPr lang="zh-CN" altLang="en-US"/>
               <a:t>单击此处编辑母版文本样式</a:t>
             </a:r>
           </a:p>
           <a:p>
             <a:pPr lvl="1"/>
             <a:r>
-              <a:rPr lang="zh-CN" altLang="en-US" smtClean="0"/>
+              <a:rPr lang="zh-CN" altLang="en-US"/>
               <a:t>第二级</a:t>
             </a:r>
           </a:p>
           <a:p>
             <a:pPr lvl="2"/>
             <a:r>
-              <a:rPr lang="zh-CN" altLang="en-US" smtClean="0"/>
+              <a:rPr lang="zh-CN" altLang="en-US"/>
               <a:t>第三级</a:t>
             </a:r>
           </a:p>
           <a:p>
             <a:pPr lvl="3"/>
             <a:r>
-              <a:rPr lang="zh-CN" altLang="en-US" smtClean="0"/>
+              <a:rPr lang="zh-CN" altLang="en-US"/>
               <a:t>第四级</a:t>
             </a:r>
           </a:p>
           <a:p>
             <a:pPr lvl="4"/>
             <a:r>
-              <a:rPr lang="zh-CN" altLang="en-US" smtClean="0"/>
+              <a:rPr lang="zh-CN" altLang="en-US"/>
               <a:t>第五级</a:t>
             </a:r>
-            <a:endParaRPr lang="zh-CN" altLang="en-US"/>
           </a:p>
         </p:txBody>
       </p:sp>
@@ -1265,38 +1271,37 @@
           <a:p>
             <a:pPr lvl="0"/>
             <a:r>
-              <a:rPr lang="zh-CN" altLang="en-US" smtClean="0"/>
+              <a:rPr lang="zh-CN" altLang="en-US"/>
               <a:t>单击此处编辑母版文本样式</a:t>
             </a:r>
           </a:p>
           <a:p>
             <a:pPr lvl="1"/>
             <a:r>
-              <a:rPr lang="zh-CN" altLang="en-US" smtClean="0"/>
+              <a:rPr lang="zh-CN" altLang="en-US"/>
               <a:t>第二级</a:t>
             </a:r>
           </a:p>
           <a:p>
             <a:pPr lvl="2"/>
             <a:r>
-              <a:rPr lang="zh-CN" altLang="en-US" smtClean="0"/>
+              <a:rPr lang="zh-CN" altLang="en-US"/>
               <a:t>第三级</a:t>
             </a:r>
           </a:p>
           <a:p>
             <a:pPr lvl="3"/>
             <a:r>
-              <a:rPr lang="zh-CN" altLang="en-US" smtClean="0"/>
+              <a:rPr lang="zh-CN" altLang="en-US"/>
               <a:t>第四级</a:t>
             </a:r>
           </a:p>
           <a:p>
             <a:pPr lvl="4"/>
             <a:r>
-              <a:rPr lang="zh-CN" altLang="en-US" smtClean="0"/>
+              <a:rPr lang="zh-CN" altLang="en-US"/>
               <a:t>第五级</a:t>
             </a:r>
-            <a:endParaRPr lang="zh-CN" altLang="en-US"/>
           </a:p>
         </p:txBody>
       </p:sp>
@@ -1317,7 +1322,7 @@
           <a:p>
             <a:fld id="{530820CF-B880-4189-942D-D702A7CBA730}" type="datetimeFigureOut">
               <a:rPr lang="zh-CN" altLang="en-US" smtClean="0"/>
-              <a:t>2018/7/19</a:t>
+              <a:t>2018/7/30</a:t>
             </a:fld>
             <a:endParaRPr lang="zh-CN" altLang="en-US"/>
           </a:p>
@@ -1410,10 +1415,9 @@
           </a:lstStyle>
           <a:p>
             <a:r>
-              <a:rPr lang="zh-CN" altLang="en-US" smtClean="0"/>
+              <a:rPr lang="zh-CN" altLang="en-US"/>
               <a:t>单击此处编辑母版标题样式</a:t>
             </a:r>
-            <a:endParaRPr lang="zh-CN" altLang="en-US"/>
           </a:p>
         </p:txBody>
       </p:sp>
@@ -1476,7 +1480,7 @@
           <a:p>
             <a:pPr lvl="0"/>
             <a:r>
-              <a:rPr lang="zh-CN" altLang="en-US" smtClean="0"/>
+              <a:rPr lang="zh-CN" altLang="en-US"/>
               <a:t>单击此处编辑母版文本样式</a:t>
             </a:r>
           </a:p>
@@ -1532,38 +1536,37 @@
           <a:p>
             <a:pPr lvl="0"/>
             <a:r>
-              <a:rPr lang="zh-CN" altLang="en-US" smtClean="0"/>
+              <a:rPr lang="zh-CN" altLang="en-US"/>
               <a:t>单击此处编辑母版文本样式</a:t>
             </a:r>
           </a:p>
           <a:p>
             <a:pPr lvl="1"/>
             <a:r>
-              <a:rPr lang="zh-CN" altLang="en-US" smtClean="0"/>
+              <a:rPr lang="zh-CN" altLang="en-US"/>
               <a:t>第二级</a:t>
             </a:r>
           </a:p>
           <a:p>
             <a:pPr lvl="2"/>
             <a:r>
-              <a:rPr lang="zh-CN" altLang="en-US" smtClean="0"/>
+              <a:rPr lang="zh-CN" altLang="en-US"/>
               <a:t>第三级</a:t>
             </a:r>
           </a:p>
           <a:p>
             <a:pPr lvl="3"/>
             <a:r>
-              <a:rPr lang="zh-CN" altLang="en-US" smtClean="0"/>
+              <a:rPr lang="zh-CN" altLang="en-US"/>
               <a:t>第四级</a:t>
             </a:r>
           </a:p>
           <a:p>
             <a:pPr lvl="4"/>
             <a:r>
-              <a:rPr lang="zh-CN" altLang="en-US" smtClean="0"/>
+              <a:rPr lang="zh-CN" altLang="en-US"/>
               <a:t>第五级</a:t>
             </a:r>
-            <a:endParaRPr lang="zh-CN" altLang="en-US"/>
           </a:p>
         </p:txBody>
       </p:sp>
@@ -1626,7 +1629,7 @@
           <a:p>
             <a:pPr lvl="0"/>
             <a:r>
-              <a:rPr lang="zh-CN" altLang="en-US" smtClean="0"/>
+              <a:rPr lang="zh-CN" altLang="en-US"/>
               <a:t>单击此处编辑母版文本样式</a:t>
             </a:r>
           </a:p>
@@ -1682,38 +1685,37 @@
           <a:p>
             <a:pPr lvl="0"/>
             <a:r>
-              <a:rPr lang="zh-CN" altLang="en-US" smtClean="0"/>
+              <a:rPr lang="zh-CN" altLang="en-US"/>
               <a:t>单击此处编辑母版文本样式</a:t>
             </a:r>
           </a:p>
           <a:p>
             <a:pPr lvl="1"/>
             <a:r>
-              <a:rPr lang="zh-CN" altLang="en-US" smtClean="0"/>
+              <a:rPr lang="zh-CN" altLang="en-US"/>
               <a:t>第二级</a:t>
             </a:r>
           </a:p>
           <a:p>
             <a:pPr lvl="2"/>
             <a:r>
-              <a:rPr lang="zh-CN" altLang="en-US" smtClean="0"/>
+              <a:rPr lang="zh-CN" altLang="en-US"/>
               <a:t>第三级</a:t>
             </a:r>
           </a:p>
           <a:p>
             <a:pPr lvl="3"/>
             <a:r>
-              <a:rPr lang="zh-CN" altLang="en-US" smtClean="0"/>
+              <a:rPr lang="zh-CN" altLang="en-US"/>
               <a:t>第四级</a:t>
             </a:r>
           </a:p>
           <a:p>
             <a:pPr lvl="4"/>
             <a:r>
-              <a:rPr lang="zh-CN" altLang="en-US" smtClean="0"/>
+              <a:rPr lang="zh-CN" altLang="en-US"/>
               <a:t>第五级</a:t>
             </a:r>
-            <a:endParaRPr lang="zh-CN" altLang="en-US"/>
           </a:p>
         </p:txBody>
       </p:sp>
@@ -1734,7 +1736,7 @@
           <a:p>
             <a:fld id="{530820CF-B880-4189-942D-D702A7CBA730}" type="datetimeFigureOut">
               <a:rPr lang="zh-CN" altLang="en-US" smtClean="0"/>
-              <a:t>2018/7/19</a:t>
+              <a:t>2018/7/30</a:t>
             </a:fld>
             <a:endParaRPr lang="zh-CN" altLang="en-US"/>
           </a:p>
@@ -1823,10 +1825,9 @@
           <a:lstStyle/>
           <a:p>
             <a:r>
-              <a:rPr lang="zh-CN" altLang="en-US" smtClean="0"/>
+              <a:rPr lang="zh-CN" altLang="en-US"/>
               <a:t>单击此处编辑母版标题样式</a:t>
             </a:r>
-            <a:endParaRPr lang="zh-CN" altLang="en-US"/>
           </a:p>
         </p:txBody>
       </p:sp>
@@ -1847,7 +1848,7 @@
           <a:p>
             <a:fld id="{530820CF-B880-4189-942D-D702A7CBA730}" type="datetimeFigureOut">
               <a:rPr lang="zh-CN" altLang="en-US" smtClean="0"/>
-              <a:t>2018/7/19</a:t>
+              <a:t>2018/7/30</a:t>
             </a:fld>
             <a:endParaRPr lang="zh-CN" altLang="en-US"/>
           </a:p>
@@ -1937,7 +1938,7 @@
           <a:p>
             <a:fld id="{530820CF-B880-4189-942D-D702A7CBA730}" type="datetimeFigureOut">
               <a:rPr lang="zh-CN" altLang="en-US" smtClean="0"/>
-              <a:t>2018/7/19</a:t>
+              <a:t>2018/7/30</a:t>
             </a:fld>
             <a:endParaRPr lang="zh-CN" altLang="en-US"/>
           </a:p>
@@ -2035,10 +2036,9 @@
           </a:lstStyle>
           <a:p>
             <a:r>
-              <a:rPr lang="zh-CN" altLang="en-US" smtClean="0"/>
+              <a:rPr lang="zh-CN" altLang="en-US"/>
               <a:t>单击此处编辑母版标题样式</a:t>
             </a:r>
-            <a:endParaRPr lang="zh-CN" altLang="en-US"/>
           </a:p>
         </p:txBody>
       </p:sp>
@@ -2092,38 +2092,37 @@
           <a:p>
             <a:pPr lvl="0"/>
             <a:r>
-              <a:rPr lang="zh-CN" altLang="en-US" smtClean="0"/>
+              <a:rPr lang="zh-CN" altLang="en-US"/>
               <a:t>单击此处编辑母版文本样式</a:t>
             </a:r>
           </a:p>
           <a:p>
             <a:pPr lvl="1"/>
             <a:r>
-              <a:rPr lang="zh-CN" altLang="en-US" smtClean="0"/>
+              <a:rPr lang="zh-CN" altLang="en-US"/>
               <a:t>第二级</a:t>
             </a:r>
           </a:p>
           <a:p>
             <a:pPr lvl="2"/>
             <a:r>
-              <a:rPr lang="zh-CN" altLang="en-US" smtClean="0"/>
+              <a:rPr lang="zh-CN" altLang="en-US"/>
               <a:t>第三级</a:t>
             </a:r>
           </a:p>
           <a:p>
             <a:pPr lvl="3"/>
             <a:r>
-              <a:rPr lang="zh-CN" altLang="en-US" smtClean="0"/>
+              <a:rPr lang="zh-CN" altLang="en-US"/>
               <a:t>第四级</a:t>
             </a:r>
           </a:p>
           <a:p>
             <a:pPr lvl="4"/>
             <a:r>
-              <a:rPr lang="zh-CN" altLang="en-US" smtClean="0"/>
+              <a:rPr lang="zh-CN" altLang="en-US"/>
               <a:t>第五级</a:t>
             </a:r>
-            <a:endParaRPr lang="zh-CN" altLang="en-US"/>
           </a:p>
         </p:txBody>
       </p:sp>
@@ -2186,7 +2185,7 @@
           <a:p>
             <a:pPr lvl="0"/>
             <a:r>
-              <a:rPr lang="zh-CN" altLang="en-US" smtClean="0"/>
+              <a:rPr lang="zh-CN" altLang="en-US"/>
               <a:t>单击此处编辑母版文本样式</a:t>
             </a:r>
           </a:p>
@@ -2209,7 +2208,7 @@
           <a:p>
             <a:fld id="{530820CF-B880-4189-942D-D702A7CBA730}" type="datetimeFigureOut">
               <a:rPr lang="zh-CN" altLang="en-US" smtClean="0"/>
-              <a:t>2018/7/19</a:t>
+              <a:t>2018/7/30</a:t>
             </a:fld>
             <a:endParaRPr lang="zh-CN" altLang="en-US"/>
           </a:p>
@@ -2307,10 +2306,9 @@
           </a:lstStyle>
           <a:p>
             <a:r>
-              <a:rPr lang="zh-CN" altLang="en-US" smtClean="0"/>
+              <a:rPr lang="zh-CN" altLang="en-US"/>
               <a:t>单击此处编辑母版标题样式</a:t>
             </a:r>
-            <a:endParaRPr lang="zh-CN" altLang="en-US"/>
           </a:p>
         </p:txBody>
       </p:sp>
@@ -2434,7 +2432,7 @@
           <a:p>
             <a:pPr lvl="0"/>
             <a:r>
-              <a:rPr lang="zh-CN" altLang="en-US" smtClean="0"/>
+              <a:rPr lang="zh-CN" altLang="en-US"/>
               <a:t>单击此处编辑母版文本样式</a:t>
             </a:r>
           </a:p>
@@ -2457,7 +2455,7 @@
           <a:p>
             <a:fld id="{530820CF-B880-4189-942D-D702A7CBA730}" type="datetimeFigureOut">
               <a:rPr lang="zh-CN" altLang="en-US" smtClean="0"/>
-              <a:t>2018/7/19</a:t>
+              <a:t>2018/7/30</a:t>
             </a:fld>
             <a:endParaRPr lang="zh-CN" altLang="en-US"/>
           </a:p>
@@ -2561,10 +2559,9 @@
           <a:lstStyle/>
           <a:p>
             <a:r>
-              <a:rPr lang="zh-CN" altLang="en-US" smtClean="0"/>
+              <a:rPr lang="zh-CN" altLang="en-US"/>
               <a:t>单击此处编辑母版标题样式</a:t>
             </a:r>
-            <a:endParaRPr lang="zh-CN" altLang="en-US"/>
           </a:p>
         </p:txBody>
       </p:sp>
@@ -2595,38 +2592,37 @@
           <a:p>
             <a:pPr lvl="0"/>
             <a:r>
-              <a:rPr lang="zh-CN" altLang="en-US" smtClean="0"/>
+              <a:rPr lang="zh-CN" altLang="en-US"/>
               <a:t>单击此处编辑母版文本样式</a:t>
             </a:r>
           </a:p>
           <a:p>
             <a:pPr lvl="1"/>
             <a:r>
-              <a:rPr lang="zh-CN" altLang="en-US" smtClean="0"/>
+              <a:rPr lang="zh-CN" altLang="en-US"/>
               <a:t>第二级</a:t>
             </a:r>
           </a:p>
           <a:p>
             <a:pPr lvl="2"/>
             <a:r>
-              <a:rPr lang="zh-CN" altLang="en-US" smtClean="0"/>
+              <a:rPr lang="zh-CN" altLang="en-US"/>
               <a:t>第三级</a:t>
             </a:r>
           </a:p>
           <a:p>
             <a:pPr lvl="3"/>
             <a:r>
-              <a:rPr lang="zh-CN" altLang="en-US" smtClean="0"/>
+              <a:rPr lang="zh-CN" altLang="en-US"/>
               <a:t>第四级</a:t>
             </a:r>
           </a:p>
           <a:p>
             <a:pPr lvl="4"/>
             <a:r>
-              <a:rPr lang="zh-CN" altLang="en-US" smtClean="0"/>
+              <a:rPr lang="zh-CN" altLang="en-US"/>
               <a:t>第五级</a:t>
             </a:r>
-            <a:endParaRPr lang="zh-CN" altLang="en-US"/>
           </a:p>
         </p:txBody>
       </p:sp>
@@ -2665,7 +2661,7 @@
           <a:p>
             <a:fld id="{530820CF-B880-4189-942D-D702A7CBA730}" type="datetimeFigureOut">
               <a:rPr lang="zh-CN" altLang="en-US" smtClean="0"/>
-              <a:t>2018/7/19</a:t>
+              <a:t>2018/7/30</a:t>
             </a:fld>
             <a:endParaRPr lang="zh-CN" altLang="en-US"/>
           </a:p>
@@ -3358,7 +3354,7 @@
             <a:lstStyle/>
             <a:p>
               <a:r>
-                <a:rPr lang="en-US" altLang="zh-CN" sz="800" dirty="0" err="1" smtClean="0"/>
+                <a:rPr lang="en-US" altLang="zh-CN" sz="800" dirty="0" err="1"/>
                 <a:t>clk</a:t>
               </a:r>
               <a:endParaRPr lang="zh-CN" altLang="en-US" sz="800" dirty="0"/>
@@ -3388,7 +3384,7 @@
             <a:lstStyle/>
             <a:p>
               <a:r>
-                <a:rPr lang="en-US" altLang="zh-CN" sz="800" dirty="0" smtClean="0"/>
+                <a:rPr lang="en-US" altLang="zh-CN" sz="800" dirty="0"/>
                 <a:t>reset</a:t>
               </a:r>
               <a:endParaRPr lang="zh-CN" altLang="en-US" sz="800" dirty="0"/>
@@ -3418,7 +3414,7 @@
             <a:lstStyle/>
             <a:p>
               <a:r>
-                <a:rPr lang="en-US" altLang="zh-CN" sz="800" dirty="0" err="1" smtClean="0"/>
+                <a:rPr lang="en-US" altLang="zh-CN" sz="800" dirty="0" err="1"/>
                 <a:t>MemRd</a:t>
               </a:r>
               <a:endParaRPr lang="zh-CN" altLang="en-US" sz="800" dirty="0"/>
@@ -3448,7 +3444,7 @@
             <a:lstStyle/>
             <a:p>
               <a:r>
-                <a:rPr lang="en-US" altLang="zh-CN" sz="800" dirty="0" err="1" smtClean="0"/>
+                <a:rPr lang="en-US" altLang="zh-CN" sz="800" dirty="0" err="1"/>
                 <a:t>MemWr</a:t>
               </a:r>
               <a:endParaRPr lang="zh-CN" altLang="en-US" sz="800" dirty="0"/>
@@ -3479,11 +3475,7 @@
             <a:p>
               <a:r>
                 <a:rPr lang="en-US" altLang="zh-CN" sz="800" dirty="0" err="1"/>
-                <a:t>a</a:t>
-              </a:r>
-              <a:r>
-                <a:rPr lang="en-US" altLang="zh-CN" sz="800" dirty="0" err="1" smtClean="0"/>
-                <a:t>ddr</a:t>
+                <a:t>addr</a:t>
               </a:r>
               <a:endParaRPr lang="zh-CN" altLang="en-US" sz="800" dirty="0"/>
             </a:p>
@@ -3512,7 +3504,7 @@
             <a:lstStyle/>
             <a:p>
               <a:r>
-                <a:rPr lang="en-US" altLang="zh-CN" sz="800" dirty="0" err="1" smtClean="0"/>
+                <a:rPr lang="en-US" altLang="zh-CN" sz="800" dirty="0" err="1"/>
                 <a:t>wdata</a:t>
               </a:r>
               <a:endParaRPr lang="zh-CN" altLang="en-US" sz="800" dirty="0"/>
@@ -3542,7 +3534,7 @@
             <a:lstStyle/>
             <a:p>
               <a:r>
-                <a:rPr lang="en-US" altLang="zh-CN" sz="800" dirty="0" smtClean="0"/>
+                <a:rPr lang="en-US" altLang="zh-CN" sz="800" dirty="0"/>
                 <a:t>Databus2[7:0]</a:t>
               </a:r>
               <a:endParaRPr lang="zh-CN" altLang="en-US" sz="800" dirty="0"/>
@@ -3602,7 +3594,7 @@
             <a:lstStyle/>
             <a:p>
               <a:r>
-                <a:rPr lang="en-US" altLang="zh-CN" sz="800" dirty="0" err="1" smtClean="0"/>
+                <a:rPr lang="en-US" altLang="zh-CN" sz="800" dirty="0" err="1"/>
                 <a:t>Uart_Read_data</a:t>
               </a:r>
               <a:endParaRPr lang="zh-CN" altLang="en-US" sz="800" dirty="0"/>
@@ -3632,7 +3624,7 @@
             <a:lstStyle/>
             <a:p>
               <a:r>
-                <a:rPr lang="en-US" altLang="zh-CN" sz="800" dirty="0" err="1" smtClean="0"/>
+                <a:rPr lang="en-US" altLang="zh-CN" sz="800" dirty="0" err="1"/>
                 <a:t>uart_tx</a:t>
               </a:r>
               <a:endParaRPr lang="zh-CN" altLang="en-US" sz="800" dirty="0"/>
@@ -3692,7 +3684,7 @@
             <a:lstStyle/>
             <a:p>
               <a:r>
-                <a:rPr lang="en-US" altLang="zh-CN" sz="800" dirty="0" err="1" smtClean="0"/>
+                <a:rPr lang="en-US" altLang="zh-CN" sz="800" dirty="0" err="1"/>
                 <a:t>uart_rx</a:t>
               </a:r>
               <a:endParaRPr lang="zh-CN" altLang="en-US" sz="800" dirty="0"/>
@@ -3723,7 +3715,7 @@
             <a:p>
               <a:pPr algn="ctr"/>
               <a:r>
-                <a:rPr lang="en-US" altLang="zh-CN" sz="800" b="1" dirty="0" smtClean="0">
+                <a:rPr lang="en-US" altLang="zh-CN" sz="800" b="1" dirty="0">
                   <a:latin typeface="Consolas" panose="020B0609020204030204" pitchFamily="49" charset="0"/>
                 </a:rPr>
                 <a:t>UART</a:t>
@@ -3788,7 +3780,7 @@
             <a:p>
               <a:pPr algn="ctr"/>
               <a:r>
-                <a:rPr lang="en-US" altLang="zh-CN" sz="800" dirty="0" err="1" smtClean="0"/>
+                <a:rPr lang="en-US" altLang="zh-CN" sz="800" dirty="0" err="1"/>
                 <a:t>sys_clk</a:t>
               </a:r>
               <a:endParaRPr lang="zh-CN" altLang="en-US" sz="800" dirty="0"/>
@@ -3819,11 +3811,7 @@
             <a:p>
               <a:r>
                 <a:rPr lang="en-US" altLang="zh-CN" sz="800" dirty="0" err="1"/>
-                <a:t>r</a:t>
-              </a:r>
-              <a:r>
-                <a:rPr lang="en-US" altLang="zh-CN" sz="800" dirty="0" err="1" smtClean="0"/>
-                <a:t>data</a:t>
+                <a:t>rdata</a:t>
               </a:r>
               <a:endParaRPr lang="zh-CN" altLang="en-US" sz="800" dirty="0"/>
             </a:p>
@@ -4227,7 +4215,7 @@
               <a:lstStyle/>
               <a:p>
                 <a:r>
-                  <a:rPr lang="en-US" altLang="zh-CN" sz="800" dirty="0" err="1" smtClean="0"/>
+                  <a:rPr lang="en-US" altLang="zh-CN" sz="800" dirty="0" err="1"/>
                   <a:t>clk</a:t>
                 </a:r>
                 <a:endParaRPr lang="zh-CN" altLang="en-US" sz="800" dirty="0"/>
@@ -4257,7 +4245,7 @@
               <a:lstStyle/>
               <a:p>
                 <a:r>
-                  <a:rPr lang="en-US" altLang="zh-CN" sz="800" dirty="0" smtClean="0"/>
+                  <a:rPr lang="en-US" altLang="zh-CN" sz="800" dirty="0"/>
                   <a:t>reset</a:t>
                 </a:r>
                 <a:endParaRPr lang="zh-CN" altLang="en-US" sz="800" dirty="0"/>
@@ -4287,7 +4275,7 @@
               <a:lstStyle/>
               <a:p>
                 <a:r>
-                  <a:rPr lang="en-US" altLang="zh-CN" sz="800" dirty="0" err="1" smtClean="0"/>
+                  <a:rPr lang="en-US" altLang="zh-CN" sz="800" dirty="0" err="1"/>
                   <a:t>MemRd</a:t>
                 </a:r>
                 <a:endParaRPr lang="zh-CN" altLang="en-US" sz="800" dirty="0"/>
@@ -4317,7 +4305,7 @@
               <a:lstStyle/>
               <a:p>
                 <a:r>
-                  <a:rPr lang="en-US" altLang="zh-CN" sz="800" dirty="0" err="1" smtClean="0"/>
+                  <a:rPr lang="en-US" altLang="zh-CN" sz="800" dirty="0" err="1"/>
                   <a:t>MemWr</a:t>
                 </a:r>
                 <a:endParaRPr lang="zh-CN" altLang="en-US" sz="800" dirty="0"/>
@@ -4348,11 +4336,7 @@
               <a:p>
                 <a:r>
                   <a:rPr lang="en-US" altLang="zh-CN" sz="800" dirty="0" err="1"/>
-                  <a:t>a</a:t>
-                </a:r>
-                <a:r>
-                  <a:rPr lang="en-US" altLang="zh-CN" sz="800" dirty="0" err="1" smtClean="0"/>
-                  <a:t>ddr</a:t>
+                  <a:t>addr</a:t>
                 </a:r>
                 <a:endParaRPr lang="zh-CN" altLang="en-US" sz="800" dirty="0"/>
               </a:p>
@@ -4381,7 +4365,7 @@
               <a:lstStyle/>
               <a:p>
                 <a:r>
-                  <a:rPr lang="en-US" altLang="zh-CN" sz="800" dirty="0" err="1" smtClean="0"/>
+                  <a:rPr lang="en-US" altLang="zh-CN" sz="800" dirty="0" err="1"/>
                   <a:t>wdata</a:t>
                 </a:r>
                 <a:endParaRPr lang="zh-CN" altLang="en-US" sz="800" dirty="0"/>
@@ -4411,7 +4395,7 @@
               <a:lstStyle/>
               <a:p>
                 <a:r>
-                  <a:rPr lang="en-US" altLang="zh-CN" sz="800" dirty="0" smtClean="0"/>
+                  <a:rPr lang="en-US" altLang="zh-CN" sz="800" dirty="0"/>
                   <a:t>Databus2</a:t>
                 </a:r>
                 <a:endParaRPr lang="zh-CN" altLang="en-US" sz="800" dirty="0"/>
@@ -4471,7 +4455,7 @@
               <a:lstStyle/>
               <a:p>
                 <a:r>
-                  <a:rPr lang="en-US" altLang="zh-CN" sz="800" dirty="0" err="1" smtClean="0"/>
+                  <a:rPr lang="en-US" altLang="zh-CN" sz="800" dirty="0" err="1"/>
                   <a:t>Per_Read_data</a:t>
                 </a:r>
                 <a:endParaRPr lang="zh-CN" altLang="en-US" sz="800" dirty="0"/>
@@ -4501,7 +4485,7 @@
               <a:lstStyle/>
               <a:p>
                 <a:r>
-                  <a:rPr lang="en-US" altLang="zh-CN" sz="800" dirty="0" smtClean="0"/>
+                  <a:rPr lang="en-US" altLang="zh-CN" sz="800" dirty="0"/>
                   <a:t>IRQ</a:t>
                 </a:r>
                 <a:endParaRPr lang="zh-CN" altLang="en-US" sz="800" dirty="0"/>
@@ -4531,7 +4515,7 @@
               <a:lstStyle/>
               <a:p>
                 <a:r>
-                  <a:rPr lang="en-US" altLang="zh-CN" sz="800" dirty="0" smtClean="0"/>
+                  <a:rPr lang="en-US" altLang="zh-CN" sz="800" dirty="0"/>
                   <a:t>led</a:t>
                 </a:r>
                 <a:endParaRPr lang="zh-CN" altLang="en-US" sz="800" dirty="0"/>
@@ -4561,7 +4545,7 @@
               <a:lstStyle/>
               <a:p>
                 <a:r>
-                  <a:rPr lang="en-US" altLang="zh-CN" sz="800" dirty="0" err="1" smtClean="0"/>
+                  <a:rPr lang="en-US" altLang="zh-CN" sz="800" dirty="0" err="1"/>
                   <a:t>digi</a:t>
                 </a:r>
                 <a:endParaRPr lang="zh-CN" altLang="en-US" sz="800" dirty="0"/>
@@ -4621,7 +4605,7 @@
               <a:lstStyle/>
               <a:p>
                 <a:r>
-                  <a:rPr lang="en-US" altLang="zh-CN" sz="800" dirty="0" smtClean="0"/>
+                  <a:rPr lang="en-US" altLang="zh-CN" sz="800" dirty="0"/>
                   <a:t>switch</a:t>
                 </a:r>
                 <a:endParaRPr lang="zh-CN" altLang="en-US" sz="800" dirty="0"/>
@@ -4651,7 +4635,7 @@
               <a:lstStyle/>
               <a:p>
                 <a:r>
-                  <a:rPr lang="en-US" altLang="zh-CN" sz="800" b="1" dirty="0" smtClean="0">
+                  <a:rPr lang="en-US" altLang="zh-CN" sz="800" b="1" dirty="0">
                     <a:latin typeface="Consolas" panose="020B0609020204030204" pitchFamily="49" charset="0"/>
                   </a:rPr>
                   <a:t>Peripheral</a:t>
@@ -4687,11 +4671,7 @@
             <a:p>
               <a:r>
                 <a:rPr lang="en-US" altLang="zh-CN" sz="800" dirty="0" err="1"/>
-                <a:t>r</a:t>
-              </a:r>
-              <a:r>
-                <a:rPr lang="en-US" altLang="zh-CN" sz="800" dirty="0" err="1" smtClean="0"/>
-                <a:t>data</a:t>
+                <a:t>rdata</a:t>
               </a:r>
               <a:endParaRPr lang="zh-CN" altLang="en-US" sz="800" dirty="0"/>
             </a:p>
@@ -4991,7 +4971,7 @@
             <a:lstStyle/>
             <a:p>
               <a:r>
-                <a:rPr lang="en-US" altLang="zh-CN" sz="800" dirty="0" err="1" smtClean="0"/>
+                <a:rPr lang="en-US" altLang="zh-CN" sz="800" dirty="0" err="1"/>
                 <a:t>clk</a:t>
               </a:r>
               <a:endParaRPr lang="zh-CN" altLang="en-US" sz="800" dirty="0"/>
@@ -5021,7 +5001,7 @@
             <a:lstStyle/>
             <a:p>
               <a:r>
-                <a:rPr lang="en-US" altLang="zh-CN" sz="800" dirty="0" smtClean="0"/>
+                <a:rPr lang="en-US" altLang="zh-CN" sz="800" dirty="0"/>
                 <a:t>reset</a:t>
               </a:r>
               <a:endParaRPr lang="zh-CN" altLang="en-US" sz="800" dirty="0"/>
@@ -5051,7 +5031,7 @@
             <a:lstStyle/>
             <a:p>
               <a:r>
-                <a:rPr lang="en-US" altLang="zh-CN" sz="800" dirty="0" err="1" smtClean="0"/>
+                <a:rPr lang="en-US" altLang="zh-CN" sz="800" dirty="0" err="1"/>
                 <a:t>MemRd</a:t>
               </a:r>
               <a:endParaRPr lang="zh-CN" altLang="en-US" sz="800" dirty="0"/>
@@ -5081,7 +5061,7 @@
             <a:lstStyle/>
             <a:p>
               <a:r>
-                <a:rPr lang="en-US" altLang="zh-CN" sz="800" dirty="0" err="1" smtClean="0"/>
+                <a:rPr lang="en-US" altLang="zh-CN" sz="800" dirty="0" err="1"/>
                 <a:t>MemWr</a:t>
               </a:r>
               <a:endParaRPr lang="zh-CN" altLang="en-US" sz="800" dirty="0"/>
@@ -5112,11 +5092,7 @@
             <a:p>
               <a:r>
                 <a:rPr lang="en-US" altLang="zh-CN" sz="800" dirty="0" err="1"/>
-                <a:t>a</a:t>
-              </a:r>
-              <a:r>
-                <a:rPr lang="en-US" altLang="zh-CN" sz="800" dirty="0" err="1" smtClean="0"/>
-                <a:t>ddr</a:t>
+                <a:t>addr</a:t>
               </a:r>
               <a:endParaRPr lang="zh-CN" altLang="en-US" sz="800" dirty="0"/>
             </a:p>
@@ -5145,7 +5121,7 @@
             <a:lstStyle/>
             <a:p>
               <a:r>
-                <a:rPr lang="en-US" altLang="zh-CN" sz="800" dirty="0" err="1" smtClean="0"/>
+                <a:rPr lang="en-US" altLang="zh-CN" sz="800" dirty="0" err="1"/>
                 <a:t>wdata</a:t>
               </a:r>
               <a:endParaRPr lang="zh-CN" altLang="en-US" sz="800" dirty="0"/>
@@ -5176,7 +5152,7 @@
             <a:p>
               <a:pPr algn="r"/>
               <a:r>
-                <a:rPr lang="en-US" altLang="zh-CN" sz="800" dirty="0" smtClean="0"/>
+                <a:rPr lang="en-US" altLang="zh-CN" sz="800" dirty="0"/>
                 <a:t>Databus2</a:t>
               </a:r>
               <a:endParaRPr lang="zh-CN" altLang="en-US" sz="800" dirty="0"/>
@@ -5207,7 +5183,7 @@
             <a:p>
               <a:pPr algn="r"/>
               <a:r>
-                <a:rPr lang="en-US" altLang="zh-CN" sz="800" dirty="0" smtClean="0"/>
+                <a:rPr lang="en-US" altLang="zh-CN" sz="800" dirty="0"/>
                 <a:t>Z[31:2]</a:t>
               </a:r>
               <a:endParaRPr lang="zh-CN" altLang="en-US" sz="800" dirty="0"/>
@@ -5237,7 +5213,7 @@
             <a:lstStyle/>
             <a:p>
               <a:r>
-                <a:rPr lang="en-US" altLang="zh-CN" sz="800" dirty="0" err="1" smtClean="0"/>
+                <a:rPr lang="en-US" altLang="zh-CN" sz="800" dirty="0" err="1"/>
                 <a:t>Mem_Read_data</a:t>
               </a:r>
               <a:endParaRPr lang="zh-CN" altLang="en-US" sz="800" dirty="0"/>
@@ -5268,7 +5244,7 @@
             <a:p>
               <a:pPr algn="ctr"/>
               <a:r>
-                <a:rPr lang="en-US" altLang="zh-CN" sz="800" b="1" dirty="0" err="1" smtClean="0">
+                <a:rPr lang="en-US" altLang="zh-CN" sz="800" b="1" dirty="0" err="1">
                   <a:latin typeface="Consolas" panose="020B0609020204030204" pitchFamily="49" charset="0"/>
                 </a:rPr>
                 <a:t>DataMemory</a:t>
@@ -5304,11 +5280,7 @@
               <a:pPr algn="r"/>
               <a:r>
                 <a:rPr lang="en-US" altLang="zh-CN" sz="800" dirty="0" err="1"/>
-                <a:t>r</a:t>
-              </a:r>
-              <a:r>
-                <a:rPr lang="en-US" altLang="zh-CN" sz="800" dirty="0" err="1" smtClean="0"/>
-                <a:t>data</a:t>
+                <a:t>rdata</a:t>
               </a:r>
               <a:endParaRPr lang="zh-CN" altLang="en-US" sz="800" dirty="0"/>
             </a:p>
@@ -5433,7 +5405,7 @@
             <a:p>
               <a:pPr algn="ctr"/>
               <a:r>
-                <a:rPr lang="en-US" altLang="zh-CN" sz="800" b="1" dirty="0" err="1" smtClean="0">
+                <a:rPr lang="en-US" altLang="zh-CN" sz="800" b="1" dirty="0" err="1">
                   <a:latin typeface="Consolas" panose="020B0609020204030204" pitchFamily="49" charset="0"/>
                 </a:rPr>
                 <a:t>InstructionMemory</a:t>
@@ -5528,10 +5500,9 @@
             <a:p>
               <a:pPr algn="ctr"/>
               <a:r>
-                <a:rPr lang="en-US" altLang="zh-CN" sz="800" dirty="0" smtClean="0"/>
+                <a:rPr lang="en-US" altLang="zh-CN" sz="800" dirty="0"/>
                 <a:t>Instruction</a:t>
               </a:r>
-              <a:endParaRPr lang="en-US" altLang="zh-CN" sz="800" dirty="0"/>
             </a:p>
           </p:txBody>
         </p:sp>
@@ -5799,7 +5770,7 @@
             <a:lstStyle/>
             <a:p>
               <a:r>
-                <a:rPr lang="en-US" altLang="zh-CN" sz="800" dirty="0" err="1" smtClean="0"/>
+                <a:rPr lang="en-US" altLang="zh-CN" sz="800" dirty="0" err="1"/>
                 <a:t>clk</a:t>
               </a:r>
               <a:endParaRPr lang="zh-CN" altLang="en-US" sz="800" dirty="0"/>
@@ -5829,7 +5800,7 @@
             <a:lstStyle/>
             <a:p>
               <a:r>
-                <a:rPr lang="en-US" altLang="zh-CN" sz="800" dirty="0" smtClean="0"/>
+                <a:rPr lang="en-US" altLang="zh-CN" sz="800" dirty="0"/>
                 <a:t>reset</a:t>
               </a:r>
               <a:endParaRPr lang="zh-CN" altLang="en-US" sz="800" dirty="0"/>
@@ -5860,7 +5831,7 @@
             <a:p>
               <a:pPr algn="ctr"/>
               <a:r>
-                <a:rPr lang="en-US" altLang="zh-CN" sz="800" dirty="0" err="1" smtClean="0"/>
+                <a:rPr lang="en-US" altLang="zh-CN" sz="800" dirty="0" err="1"/>
                 <a:t>Write_Register</a:t>
               </a:r>
               <a:endParaRPr lang="zh-CN" altLang="en-US" sz="800" dirty="0"/>
@@ -5891,12 +5862,8 @@
             <a:p>
               <a:pPr algn="ctr"/>
               <a:r>
-                <a:rPr lang="en-US" altLang="zh-CN" sz="800" dirty="0" err="1" smtClean="0"/>
-                <a:t>Reg</a:t>
-              </a:r>
-              <a:r>
-                <a:rPr lang="en-US" altLang="zh-CN" sz="800" dirty="0" err="1" smtClean="0"/>
-                <a:t>Wr</a:t>
+                <a:rPr lang="en-US" altLang="zh-CN" sz="800" dirty="0" err="1"/>
+                <a:t>RegWr</a:t>
               </a:r>
               <a:endParaRPr lang="zh-CN" altLang="en-US" sz="800" dirty="0"/>
             </a:p>
@@ -5925,7 +5892,7 @@
             <a:lstStyle/>
             <a:p>
               <a:r>
-                <a:rPr lang="en-US" altLang="zh-CN" sz="700" dirty="0" smtClean="0"/>
+                <a:rPr lang="en-US" altLang="zh-CN" sz="700" dirty="0"/>
                 <a:t>Read_register1</a:t>
               </a:r>
               <a:endParaRPr lang="zh-CN" altLang="en-US" sz="700" dirty="0"/>
@@ -5956,7 +5923,7 @@
             <a:p>
               <a:pPr algn="ctr"/>
               <a:r>
-                <a:rPr lang="en-US" altLang="zh-CN" sz="700" dirty="0" err="1" smtClean="0"/>
+                <a:rPr lang="en-US" altLang="zh-CN" sz="700" dirty="0" err="1"/>
                 <a:t>wdata</a:t>
               </a:r>
               <a:endParaRPr lang="zh-CN" altLang="en-US" sz="700" dirty="0"/>
@@ -5987,7 +5954,7 @@
             <a:p>
               <a:pPr algn="r"/>
               <a:r>
-                <a:rPr lang="en-US" altLang="zh-CN" sz="800" dirty="0" smtClean="0"/>
+                <a:rPr lang="en-US" altLang="zh-CN" sz="800" dirty="0"/>
                 <a:t>Databus3</a:t>
               </a:r>
               <a:endParaRPr lang="zh-CN" altLang="en-US" sz="800" dirty="0"/>
@@ -6018,12 +5985,8 @@
             <a:p>
               <a:pPr algn="r"/>
               <a:r>
-                <a:rPr lang="en-US" altLang="zh-CN" sz="800" dirty="0" smtClean="0"/>
-                <a:t>Instruction</a:t>
-              </a:r>
-              <a:r>
-                <a:rPr lang="en-US" altLang="zh-CN" sz="800" dirty="0" smtClean="0"/>
-                <a:t>[25:21]</a:t>
+                <a:rPr lang="en-US" altLang="zh-CN" sz="800" dirty="0"/>
+                <a:t>Instruction[25:21]</a:t>
               </a:r>
               <a:endParaRPr lang="zh-CN" altLang="en-US" sz="800" dirty="0"/>
             </a:p>
@@ -6052,7 +6015,7 @@
             <a:lstStyle/>
             <a:p>
               <a:r>
-                <a:rPr lang="en-US" altLang="zh-CN" sz="800" dirty="0" smtClean="0"/>
+                <a:rPr lang="en-US" altLang="zh-CN" sz="800" dirty="0"/>
                 <a:t>Databus1</a:t>
               </a:r>
               <a:endParaRPr lang="zh-CN" altLang="en-US" sz="800" dirty="0"/>
@@ -6083,7 +6046,7 @@
             <a:p>
               <a:pPr algn="ctr"/>
               <a:r>
-                <a:rPr lang="en-US" altLang="zh-CN" sz="800" b="1" dirty="0" err="1" smtClean="0">
+                <a:rPr lang="en-US" altLang="zh-CN" sz="800" b="1" dirty="0" err="1">
                   <a:latin typeface="Consolas" panose="020B0609020204030204" pitchFamily="49" charset="0"/>
                 </a:rPr>
                 <a:t>RegisterFile</a:t>
@@ -6118,12 +6081,8 @@
             <a:p>
               <a:pPr algn="r"/>
               <a:r>
-                <a:rPr lang="en-US" altLang="zh-CN" sz="700" dirty="0" smtClean="0"/>
-                <a:t>Read_</a:t>
-              </a:r>
-              <a:r>
-                <a:rPr lang="en-US" altLang="zh-CN" sz="700" dirty="0" smtClean="0"/>
-                <a:t>data1</a:t>
+                <a:rPr lang="en-US" altLang="zh-CN" sz="700" dirty="0"/>
+                <a:t>Read_data1</a:t>
               </a:r>
               <a:endParaRPr lang="zh-CN" altLang="en-US" sz="700" dirty="0"/>
             </a:p>
@@ -6182,7 +6141,7 @@
             <a:lstStyle/>
             <a:p>
               <a:r>
-                <a:rPr lang="en-US" altLang="zh-CN" sz="700" dirty="0" smtClean="0"/>
+                <a:rPr lang="en-US" altLang="zh-CN" sz="700" dirty="0"/>
                 <a:t>Read_register2</a:t>
               </a:r>
               <a:endParaRPr lang="zh-CN" altLang="en-US" sz="700" dirty="0"/>
@@ -6213,12 +6172,8 @@
             <a:p>
               <a:pPr algn="r"/>
               <a:r>
-                <a:rPr lang="en-US" altLang="zh-CN" sz="800" dirty="0" smtClean="0"/>
-                <a:t>Instruction</a:t>
-              </a:r>
-              <a:r>
-                <a:rPr lang="en-US" altLang="zh-CN" sz="800" dirty="0" smtClean="0"/>
-                <a:t>[20:16]</a:t>
+                <a:rPr lang="en-US" altLang="zh-CN" sz="800" dirty="0"/>
+                <a:t>Instruction[20:16]</a:t>
               </a:r>
               <a:endParaRPr lang="zh-CN" altLang="en-US" sz="800" dirty="0"/>
             </a:p>
@@ -6308,12 +6263,8 @@
             <a:p>
               <a:pPr algn="r"/>
               <a:r>
-                <a:rPr lang="en-US" altLang="zh-CN" sz="700" dirty="0" smtClean="0"/>
-                <a:t>Read_</a:t>
-              </a:r>
-              <a:r>
-                <a:rPr lang="en-US" altLang="zh-CN" sz="700" dirty="0" smtClean="0"/>
-                <a:t>data2</a:t>
+                <a:rPr lang="en-US" altLang="zh-CN" sz="700" dirty="0"/>
+                <a:t>Read_data2</a:t>
               </a:r>
               <a:endParaRPr lang="zh-CN" altLang="en-US" sz="700" dirty="0"/>
             </a:p>
@@ -6342,7 +6293,7 @@
             <a:lstStyle/>
             <a:p>
               <a:r>
-                <a:rPr lang="en-US" altLang="zh-CN" sz="800" dirty="0" smtClean="0"/>
+                <a:rPr lang="en-US" altLang="zh-CN" sz="800" dirty="0"/>
                 <a:t>Databus2</a:t>
               </a:r>
               <a:endParaRPr lang="zh-CN" altLang="en-US" sz="800" dirty="0"/>
@@ -6545,7 +6496,7 @@
             <a:p>
               <a:pPr algn="ctr"/>
               <a:r>
-                <a:rPr lang="en-US" altLang="zh-CN" sz="800" dirty="0" err="1" smtClean="0"/>
+                <a:rPr lang="en-US" altLang="zh-CN" sz="800" dirty="0" err="1"/>
                 <a:t>PCSrc</a:t>
               </a:r>
               <a:endParaRPr lang="zh-CN" altLang="en-US" sz="800" dirty="0"/>
@@ -6636,7 +6587,7 @@
             <a:p>
               <a:pPr algn="r"/>
               <a:r>
-                <a:rPr lang="en-US" altLang="zh-CN" sz="800" dirty="0" smtClean="0"/>
+                <a:rPr lang="en-US" altLang="zh-CN" sz="800" dirty="0"/>
                 <a:t>PC_plus_4</a:t>
               </a:r>
               <a:endParaRPr lang="zh-CN" altLang="en-US" sz="800" dirty="0"/>
@@ -6667,7 +6618,7 @@
             <a:p>
               <a:pPr algn="r"/>
               <a:r>
-                <a:rPr lang="en-US" altLang="zh-CN" sz="800" dirty="0" err="1" smtClean="0"/>
+                <a:rPr lang="en-US" altLang="zh-CN" sz="800" dirty="0" err="1"/>
                 <a:t>Branch_target</a:t>
               </a:r>
               <a:endParaRPr lang="zh-CN" altLang="en-US" sz="800" dirty="0"/>
@@ -6728,7 +6679,7 @@
             <a:p>
               <a:pPr algn="r"/>
               <a:r>
-                <a:rPr lang="en-US" altLang="zh-CN" sz="800" dirty="0" err="1" smtClean="0"/>
+                <a:rPr lang="en-US" altLang="zh-CN" sz="800" dirty="0" err="1"/>
                 <a:t>Jump_target</a:t>
               </a:r>
               <a:endParaRPr lang="zh-CN" altLang="en-US" sz="800" dirty="0"/>
@@ -6789,7 +6740,7 @@
             <a:p>
               <a:pPr algn="r"/>
               <a:r>
-                <a:rPr lang="en-US" altLang="zh-CN" sz="800" dirty="0" smtClean="0"/>
+                <a:rPr lang="en-US" altLang="zh-CN" sz="800" dirty="0"/>
                 <a:t>Databus1</a:t>
               </a:r>
               <a:endParaRPr lang="zh-CN" altLang="en-US" sz="800" dirty="0"/>
@@ -6850,7 +6801,7 @@
             <a:p>
               <a:pPr algn="r"/>
               <a:r>
-                <a:rPr lang="en-US" altLang="zh-CN" sz="800" dirty="0" smtClean="0"/>
+                <a:rPr lang="en-US" altLang="zh-CN" sz="800" dirty="0"/>
                 <a:t>0x80000004</a:t>
               </a:r>
               <a:endParaRPr lang="zh-CN" altLang="en-US" sz="800" dirty="0"/>
@@ -6911,7 +6862,7 @@
             <a:p>
               <a:pPr algn="r"/>
               <a:r>
-                <a:rPr lang="en-US" altLang="zh-CN" sz="800" dirty="0" smtClean="0"/>
+                <a:rPr lang="en-US" altLang="zh-CN" sz="800" dirty="0"/>
                 <a:t>0x80000008</a:t>
               </a:r>
               <a:endParaRPr lang="zh-CN" altLang="en-US" sz="800" dirty="0"/>
@@ -6971,7 +6922,7 @@
             <a:lstStyle/>
             <a:p>
               <a:r>
-                <a:rPr lang="en-US" altLang="zh-CN" sz="800" dirty="0" err="1" smtClean="0"/>
+                <a:rPr lang="en-US" altLang="zh-CN" sz="800" dirty="0" err="1"/>
                 <a:t>PC_next</a:t>
               </a:r>
               <a:endParaRPr lang="zh-CN" altLang="en-US" sz="800" dirty="0"/>
@@ -7033,7 +6984,7 @@
             <a:p>
               <a:pPr algn="ctr"/>
               <a:r>
-                <a:rPr lang="en-US" altLang="zh-CN" sz="800" dirty="0" smtClean="0"/>
+                <a:rPr lang="en-US" altLang="zh-CN" sz="800" dirty="0"/>
                 <a:t>1</a:t>
               </a:r>
               <a:endParaRPr lang="zh-CN" altLang="en-US" sz="800" dirty="0"/>
@@ -7095,7 +7046,7 @@
             <a:p>
               <a:pPr algn="ctr"/>
               <a:r>
-                <a:rPr lang="en-US" altLang="zh-CN" sz="800" dirty="0" smtClean="0"/>
+                <a:rPr lang="en-US" altLang="zh-CN" sz="800" dirty="0"/>
                 <a:t>3</a:t>
               </a:r>
               <a:endParaRPr lang="zh-CN" altLang="en-US" sz="800" dirty="0"/>
@@ -7157,7 +7108,7 @@
             <a:p>
               <a:pPr algn="ctr"/>
               <a:r>
-                <a:rPr lang="en-US" altLang="zh-CN" sz="800" dirty="0" smtClean="0"/>
+                <a:rPr lang="en-US" altLang="zh-CN" sz="800" dirty="0"/>
                 <a:t>5</a:t>
               </a:r>
               <a:endParaRPr lang="zh-CN" altLang="en-US" sz="800" dirty="0"/>
@@ -7249,10 +7200,9 @@
             <a:p>
               <a:pPr algn="r"/>
               <a:r>
-                <a:rPr lang="en-US" altLang="zh-CN" sz="800" dirty="0" smtClean="0"/>
+                <a:rPr lang="en-US" altLang="zh-CN" sz="800" dirty="0"/>
                 <a:t>Instruction[31:26]</a:t>
               </a:r>
-              <a:endParaRPr lang="en-US" altLang="zh-CN" sz="800" dirty="0"/>
             </a:p>
           </p:txBody>
         </p:sp>
@@ -7760,10 +7710,9 @@
             <a:p>
               <a:pPr algn="r"/>
               <a:r>
-                <a:rPr lang="en-US" altLang="zh-CN" sz="800" dirty="0" smtClean="0"/>
+                <a:rPr lang="en-US" altLang="zh-CN" sz="800" dirty="0"/>
                 <a:t>Instruction[5:0]</a:t>
               </a:r>
-              <a:endParaRPr lang="en-US" altLang="zh-CN" sz="800" dirty="0"/>
             </a:p>
           </p:txBody>
         </p:sp>
@@ -7791,10 +7740,9 @@
             <a:p>
               <a:pPr algn="r"/>
               <a:r>
-                <a:rPr lang="en-US" altLang="zh-CN" sz="800" dirty="0" smtClean="0"/>
+                <a:rPr lang="en-US" altLang="zh-CN" sz="800" dirty="0"/>
                 <a:t>IRQ</a:t>
               </a:r>
-              <a:endParaRPr lang="en-US" altLang="zh-CN" sz="800" dirty="0"/>
             </a:p>
           </p:txBody>
         </p:sp>
@@ -7822,10 +7770,9 @@
             <a:p>
               <a:pPr algn="r"/>
               <a:r>
-                <a:rPr lang="en-US" altLang="zh-CN" sz="800" dirty="0" smtClean="0"/>
+                <a:rPr lang="en-US" altLang="zh-CN" sz="800" dirty="0"/>
                 <a:t>PC[31]</a:t>
               </a:r>
-              <a:endParaRPr lang="en-US" altLang="zh-CN" sz="800" dirty="0"/>
             </a:p>
           </p:txBody>
         </p:sp>
@@ -7853,7 +7800,7 @@
             <a:p>
               <a:pPr algn="ctr"/>
               <a:r>
-                <a:rPr lang="en-US" altLang="zh-CN" sz="900" b="1" dirty="0" smtClean="0">
+                <a:rPr lang="en-US" altLang="zh-CN" sz="900" b="1" dirty="0">
                   <a:latin typeface="Consolas" panose="020B0609020204030204" pitchFamily="49" charset="0"/>
                 </a:rPr>
                 <a:t>Control</a:t>
@@ -7887,7 +7834,7 @@
             <a:lstStyle/>
             <a:p>
               <a:r>
-                <a:rPr lang="en-US" altLang="zh-CN" sz="800" dirty="0" err="1" smtClean="0"/>
+                <a:rPr lang="en-US" altLang="zh-CN" sz="800" dirty="0" err="1"/>
                 <a:t>PCSrc</a:t>
               </a:r>
               <a:endParaRPr lang="zh-CN" altLang="en-US" sz="800" dirty="0"/>
@@ -7917,7 +7864,7 @@
             <a:lstStyle/>
             <a:p>
               <a:r>
-                <a:rPr lang="en-US" altLang="zh-CN" sz="800" dirty="0" err="1" smtClean="0"/>
+                <a:rPr lang="en-US" altLang="zh-CN" sz="800" dirty="0" err="1"/>
                 <a:t>RegDst</a:t>
               </a:r>
               <a:endParaRPr lang="zh-CN" altLang="en-US" sz="800" dirty="0"/>
@@ -7947,7 +7894,7 @@
             <a:lstStyle/>
             <a:p>
               <a:r>
-                <a:rPr lang="en-US" altLang="zh-CN" sz="800" dirty="0" err="1" smtClean="0"/>
+                <a:rPr lang="en-US" altLang="zh-CN" sz="800" dirty="0" err="1"/>
                 <a:t>RegWr</a:t>
               </a:r>
               <a:endParaRPr lang="zh-CN" altLang="en-US" sz="800" dirty="0"/>
@@ -7977,7 +7924,7 @@
             <a:lstStyle/>
             <a:p>
               <a:r>
-                <a:rPr lang="en-US" altLang="zh-CN" sz="800" dirty="0" smtClean="0"/>
+                <a:rPr lang="en-US" altLang="zh-CN" sz="800" dirty="0"/>
                 <a:t>ALUSrc1</a:t>
               </a:r>
               <a:endParaRPr lang="zh-CN" altLang="en-US" sz="800" dirty="0"/>
@@ -8007,7 +7954,7 @@
             <a:lstStyle/>
             <a:p>
               <a:r>
-                <a:rPr lang="en-US" altLang="zh-CN" sz="800" dirty="0" smtClean="0"/>
+                <a:rPr lang="en-US" altLang="zh-CN" sz="800" dirty="0"/>
                 <a:t>ALUSrc2</a:t>
               </a:r>
               <a:endParaRPr lang="zh-CN" altLang="en-US" sz="800" dirty="0"/>
@@ -8037,7 +7984,7 @@
             <a:lstStyle/>
             <a:p>
               <a:r>
-                <a:rPr lang="en-US" altLang="zh-CN" sz="800" dirty="0" err="1" smtClean="0"/>
+                <a:rPr lang="en-US" altLang="zh-CN" sz="800" dirty="0" err="1"/>
                 <a:t>ALUFun</a:t>
               </a:r>
               <a:endParaRPr lang="zh-CN" altLang="en-US" sz="800" dirty="0"/>
@@ -8067,7 +8014,7 @@
             <a:lstStyle/>
             <a:p>
               <a:r>
-                <a:rPr lang="en-US" altLang="zh-CN" sz="800" dirty="0" smtClean="0"/>
+                <a:rPr lang="en-US" altLang="zh-CN" sz="800" dirty="0"/>
                 <a:t>Sign</a:t>
               </a:r>
               <a:endParaRPr lang="zh-CN" altLang="en-US" sz="800" dirty="0"/>
@@ -8097,7 +8044,7 @@
             <a:lstStyle/>
             <a:p>
               <a:r>
-                <a:rPr lang="en-US" altLang="zh-CN" sz="800" dirty="0" err="1" smtClean="0"/>
+                <a:rPr lang="en-US" altLang="zh-CN" sz="800" dirty="0" err="1"/>
                 <a:t>MemRd</a:t>
               </a:r>
               <a:endParaRPr lang="zh-CN" altLang="en-US" sz="800" dirty="0"/>
@@ -8127,7 +8074,7 @@
             <a:lstStyle/>
             <a:p>
               <a:r>
-                <a:rPr lang="en-US" altLang="zh-CN" sz="800" dirty="0" err="1" smtClean="0"/>
+                <a:rPr lang="en-US" altLang="zh-CN" sz="800" dirty="0" err="1"/>
                 <a:t>MemWr</a:t>
               </a:r>
               <a:endParaRPr lang="zh-CN" altLang="en-US" sz="800" dirty="0"/>
@@ -8157,7 +8104,7 @@
             <a:lstStyle/>
             <a:p>
               <a:r>
-                <a:rPr lang="en-US" altLang="zh-CN" sz="800" dirty="0" err="1" smtClean="0"/>
+                <a:rPr lang="en-US" altLang="zh-CN" sz="800" dirty="0" err="1"/>
                 <a:t>MemtoReg</a:t>
               </a:r>
               <a:endParaRPr lang="zh-CN" altLang="en-US" sz="800" dirty="0"/>
@@ -8187,7 +8134,7 @@
             <a:lstStyle/>
             <a:p>
               <a:r>
-                <a:rPr lang="en-US" altLang="zh-CN" sz="800" dirty="0" err="1" smtClean="0"/>
+                <a:rPr lang="en-US" altLang="zh-CN" sz="800" dirty="0" err="1"/>
                 <a:t>ExtOp</a:t>
               </a:r>
               <a:endParaRPr lang="zh-CN" altLang="en-US" sz="800" dirty="0"/>
@@ -8217,7 +8164,7 @@
             <a:lstStyle/>
             <a:p>
               <a:r>
-                <a:rPr lang="en-US" altLang="zh-CN" sz="800" dirty="0" err="1" smtClean="0"/>
+                <a:rPr lang="en-US" altLang="zh-CN" sz="800" dirty="0" err="1"/>
                 <a:t>LUOp</a:t>
               </a:r>
               <a:endParaRPr lang="zh-CN" altLang="en-US" sz="800" dirty="0"/>
@@ -8420,7 +8367,7 @@
             <a:p>
               <a:pPr algn="ctr"/>
               <a:r>
-                <a:rPr lang="en-US" altLang="zh-CN" sz="800" dirty="0" err="1" smtClean="0"/>
+                <a:rPr lang="en-US" altLang="zh-CN" sz="800" dirty="0" err="1"/>
                 <a:t>RegDst</a:t>
               </a:r>
               <a:endParaRPr lang="zh-CN" altLang="en-US" sz="800" dirty="0"/>
@@ -8511,7 +8458,7 @@
             <a:p>
               <a:pPr algn="r"/>
               <a:r>
-                <a:rPr lang="en-US" altLang="zh-CN" sz="800" dirty="0" smtClean="0"/>
+                <a:rPr lang="en-US" altLang="zh-CN" sz="800" dirty="0"/>
                 <a:t>Instruction[15:11]</a:t>
               </a:r>
               <a:endParaRPr lang="zh-CN" altLang="en-US" sz="800" dirty="0"/>
@@ -8542,7 +8489,7 @@
             <a:p>
               <a:pPr algn="r"/>
               <a:r>
-                <a:rPr lang="en-US" altLang="zh-CN" sz="800" dirty="0" smtClean="0"/>
+                <a:rPr lang="en-US" altLang="zh-CN" sz="800" dirty="0"/>
                 <a:t>Instruction[20:16]</a:t>
               </a:r>
               <a:endParaRPr lang="zh-CN" altLang="en-US" sz="800" dirty="0"/>
@@ -8603,7 +8550,7 @@
             <a:p>
               <a:pPr algn="r"/>
               <a:r>
-                <a:rPr lang="en-US" altLang="zh-CN" sz="800" dirty="0" smtClean="0"/>
+                <a:rPr lang="en-US" altLang="zh-CN" sz="800" dirty="0"/>
                 <a:t>31</a:t>
               </a:r>
               <a:endParaRPr lang="zh-CN" altLang="en-US" sz="800" dirty="0"/>
@@ -8664,7 +8611,7 @@
             <a:p>
               <a:pPr algn="r"/>
               <a:r>
-                <a:rPr lang="en-US" altLang="zh-CN" sz="800" dirty="0" smtClean="0"/>
+                <a:rPr lang="en-US" altLang="zh-CN" sz="800" dirty="0"/>
                 <a:t>26</a:t>
               </a:r>
               <a:endParaRPr lang="zh-CN" altLang="en-US" sz="800" dirty="0"/>
@@ -8724,7 +8671,7 @@
             <a:lstStyle/>
             <a:p>
               <a:r>
-                <a:rPr lang="en-US" altLang="zh-CN" sz="800" dirty="0" err="1" smtClean="0"/>
+                <a:rPr lang="en-US" altLang="zh-CN" sz="800" dirty="0" err="1"/>
                 <a:t>Write_register</a:t>
               </a:r>
               <a:endParaRPr lang="zh-CN" altLang="en-US" sz="800" dirty="0"/>
@@ -8786,7 +8733,7 @@
             <a:p>
               <a:pPr algn="ctr"/>
               <a:r>
-                <a:rPr lang="en-US" altLang="zh-CN" sz="800" dirty="0" smtClean="0"/>
+                <a:rPr lang="en-US" altLang="zh-CN" sz="800" dirty="0"/>
                 <a:t>1</a:t>
               </a:r>
               <a:endParaRPr lang="zh-CN" altLang="en-US" sz="800" dirty="0"/>
@@ -8848,7 +8795,7 @@
             <a:p>
               <a:pPr algn="ctr"/>
               <a:r>
-                <a:rPr lang="en-US" altLang="zh-CN" sz="800" dirty="0" smtClean="0"/>
+                <a:rPr lang="en-US" altLang="zh-CN" sz="800" dirty="0"/>
                 <a:t>3</a:t>
               </a:r>
               <a:endParaRPr lang="zh-CN" altLang="en-US" sz="800" dirty="0"/>
@@ -9198,7 +9145,7 @@
               <a:p>
                 <a:pPr algn="ctr"/>
                 <a:r>
-                  <a:rPr lang="en-US" altLang="zh-CN" sz="800" dirty="0" err="1" smtClean="0"/>
+                  <a:rPr lang="en-US" altLang="zh-CN" sz="800" dirty="0" err="1"/>
                   <a:t>ALUFun</a:t>
                 </a:r>
                 <a:endParaRPr lang="en-US" altLang="zh-CN" sz="800" dirty="0"/>
@@ -9259,10 +9206,9 @@
               <a:p>
                 <a:pPr algn="ctr"/>
                 <a:r>
-                  <a:rPr lang="en-US" altLang="zh-CN" sz="800" dirty="0" smtClean="0"/>
+                  <a:rPr lang="en-US" altLang="zh-CN" sz="800" dirty="0"/>
                   <a:t>Sign</a:t>
                 </a:r>
-                <a:endParaRPr lang="en-US" altLang="zh-CN" sz="800" dirty="0"/>
               </a:p>
             </p:txBody>
           </p:sp>
@@ -9350,7 +9296,7 @@
               <a:p>
                 <a:pPr algn="r"/>
                 <a:r>
-                  <a:rPr lang="en-US" altLang="zh-CN" sz="800" dirty="0" smtClean="0"/>
+                  <a:rPr lang="en-US" altLang="zh-CN" sz="800" dirty="0"/>
                   <a:t>S</a:t>
                 </a:r>
                 <a:endParaRPr lang="zh-CN" altLang="en-US" sz="800" dirty="0"/>
@@ -9381,7 +9327,7 @@
               <a:p>
                 <a:pPr algn="ctr"/>
                 <a:r>
-                  <a:rPr lang="en-US" altLang="zh-CN" sz="900" b="1" dirty="0" smtClean="0">
+                  <a:rPr lang="en-US" altLang="zh-CN" sz="900" b="1" dirty="0">
                     <a:latin typeface="Consolas" panose="020B0609020204030204" pitchFamily="49" charset="0"/>
                   </a:rPr>
                   <a:t>ALU</a:t>
@@ -9588,7 +9534,7 @@
               <a:p>
                 <a:pPr algn="ctr"/>
                 <a:r>
-                  <a:rPr lang="en-US" altLang="zh-CN" sz="800" dirty="0" smtClean="0"/>
+                  <a:rPr lang="en-US" altLang="zh-CN" sz="800" dirty="0"/>
                   <a:t>ALUSrc1</a:t>
                 </a:r>
                 <a:endParaRPr lang="zh-CN" altLang="en-US" sz="800" dirty="0"/>
@@ -9679,7 +9625,7 @@
               <a:p>
                 <a:pPr algn="r"/>
                 <a:r>
-                  <a:rPr lang="en-US" altLang="zh-CN" sz="800" dirty="0" smtClean="0"/>
+                  <a:rPr lang="en-US" altLang="zh-CN" sz="800" dirty="0"/>
                   <a:t>Instruction[10:6]</a:t>
                 </a:r>
                 <a:endParaRPr lang="zh-CN" altLang="en-US" sz="800" dirty="0"/>
@@ -9710,7 +9656,7 @@
               <a:p>
                 <a:pPr algn="r"/>
                 <a:r>
-                  <a:rPr lang="en-US" altLang="zh-CN" sz="800" dirty="0" smtClean="0"/>
+                  <a:rPr lang="en-US" altLang="zh-CN" sz="800" dirty="0"/>
                   <a:t>Databus1</a:t>
                 </a:r>
                 <a:endParaRPr lang="zh-CN" altLang="en-US" sz="800" dirty="0"/>
@@ -9802,7 +9748,7 @@
               <a:p>
                 <a:pPr algn="ctr"/>
                 <a:r>
-                  <a:rPr lang="en-US" altLang="zh-CN" sz="800" dirty="0" smtClean="0"/>
+                  <a:rPr lang="en-US" altLang="zh-CN" sz="800" dirty="0"/>
                   <a:t>1</a:t>
                 </a:r>
                 <a:endParaRPr lang="zh-CN" altLang="en-US" sz="800" dirty="0"/>
@@ -10005,7 +9951,7 @@
               <a:p>
                 <a:pPr algn="ctr"/>
                 <a:r>
-                  <a:rPr lang="en-US" altLang="zh-CN" sz="800" dirty="0" smtClean="0"/>
+                  <a:rPr lang="en-US" altLang="zh-CN" sz="800" dirty="0"/>
                   <a:t>ALUSrc2</a:t>
                 </a:r>
                 <a:endParaRPr lang="zh-CN" altLang="en-US" sz="800" dirty="0"/>
@@ -10096,7 +10042,7 @@
               <a:p>
                 <a:pPr algn="r"/>
                 <a:r>
-                  <a:rPr lang="en-US" altLang="zh-CN" sz="800" dirty="0" err="1" smtClean="0"/>
+                  <a:rPr lang="en-US" altLang="zh-CN" sz="800" dirty="0" err="1"/>
                   <a:t>LU_Out</a:t>
                 </a:r>
                 <a:endParaRPr lang="zh-CN" altLang="en-US" sz="800" dirty="0"/>
@@ -10127,7 +10073,7 @@
               <a:p>
                 <a:pPr algn="r"/>
                 <a:r>
-                  <a:rPr lang="en-US" altLang="zh-CN" sz="800" dirty="0" smtClean="0"/>
+                  <a:rPr lang="en-US" altLang="zh-CN" sz="800" dirty="0"/>
                   <a:t>Databus2</a:t>
                 </a:r>
                 <a:endParaRPr lang="zh-CN" altLang="en-US" sz="800" dirty="0"/>
@@ -10219,7 +10165,7 @@
               <a:p>
                 <a:pPr algn="ctr"/>
                 <a:r>
-                  <a:rPr lang="en-US" altLang="zh-CN" sz="800" dirty="0" smtClean="0"/>
+                  <a:rPr lang="en-US" altLang="zh-CN" sz="800" dirty="0"/>
                   <a:t>1</a:t>
                 </a:r>
                 <a:endParaRPr lang="zh-CN" altLang="en-US" sz="800" dirty="0"/>
@@ -10423,7 +10369,7 @@
             <a:p>
               <a:pPr algn="ctr"/>
               <a:r>
-                <a:rPr lang="en-US" altLang="zh-CN" sz="800" dirty="0" err="1" smtClean="0"/>
+                <a:rPr lang="en-US" altLang="zh-CN" sz="800" dirty="0" err="1"/>
                 <a:t>LUOp</a:t>
               </a:r>
               <a:endParaRPr lang="zh-CN" altLang="en-US" sz="800" dirty="0"/>
@@ -10484,7 +10430,7 @@
             <a:p>
               <a:pPr algn="r"/>
               <a:r>
-                <a:rPr lang="en-US" altLang="zh-CN" sz="800" dirty="0" smtClean="0"/>
+                <a:rPr lang="en-US" altLang="zh-CN" sz="800" dirty="0"/>
                 <a:t>{Instruction[15:0],16’b0}</a:t>
               </a:r>
               <a:endParaRPr lang="zh-CN" altLang="en-US" sz="800" dirty="0"/>
@@ -10544,7 +10490,7 @@
             <a:lstStyle/>
             <a:p>
               <a:r>
-                <a:rPr lang="en-US" altLang="zh-CN" sz="800" dirty="0" err="1" smtClean="0"/>
+                <a:rPr lang="en-US" altLang="zh-CN" sz="800" dirty="0" err="1"/>
                 <a:t>LU_out</a:t>
               </a:r>
               <a:endParaRPr lang="zh-CN" altLang="en-US" sz="800" dirty="0"/>
@@ -10606,7 +10552,7 @@
             <a:p>
               <a:pPr algn="ctr"/>
               <a:r>
-                <a:rPr lang="en-US" altLang="zh-CN" sz="800" dirty="0" smtClean="0"/>
+                <a:rPr lang="en-US" altLang="zh-CN" sz="800" dirty="0"/>
                 <a:t>1</a:t>
               </a:r>
               <a:endParaRPr lang="zh-CN" altLang="en-US" sz="800" dirty="0"/>
@@ -10794,7 +10740,7 @@
             <a:p>
               <a:pPr algn="ctr"/>
               <a:r>
-                <a:rPr lang="en-US" altLang="zh-CN" sz="800" dirty="0" err="1" smtClean="0"/>
+                <a:rPr lang="en-US" altLang="zh-CN" sz="800" dirty="0" err="1"/>
                 <a:t>ExtOp</a:t>
               </a:r>
               <a:endParaRPr lang="zh-CN" altLang="en-US" sz="800" dirty="0"/>
@@ -10885,18 +10831,9 @@
             <a:p>
               <a:pPr algn="r"/>
               <a:r>
-                <a:rPr lang="en-US" altLang="zh-CN" sz="800" dirty="0" smtClean="0"/>
-                <a:t>{{</a:t>
+                <a:rPr lang="en-US" altLang="zh-CN" sz="800" dirty="0"/>
+                <a:t>{{16{Instruction[15]}},Instruction[15:0]}</a:t>
               </a:r>
-              <a:r>
-                <a:rPr lang="en-US" altLang="zh-CN" sz="800" dirty="0"/>
-                <a:t>16{Instruction[15</a:t>
-              </a:r>
-              <a:r>
-                <a:rPr lang="en-US" altLang="zh-CN" sz="800" dirty="0" smtClean="0"/>
-                <a:t>]}},Instruction[15:0]}</a:t>
-              </a:r>
-              <a:endParaRPr lang="en-US" altLang="zh-CN" sz="800" dirty="0"/>
             </a:p>
           </p:txBody>
         </p:sp>
@@ -10924,7 +10861,7 @@
             <a:p>
               <a:pPr algn="r"/>
               <a:r>
-                <a:rPr lang="en-US" altLang="zh-CN" sz="800" dirty="0" smtClean="0"/>
+                <a:rPr lang="en-US" altLang="zh-CN" sz="800" dirty="0"/>
                 <a:t>{16’b0,Instruction[15:0]}</a:t>
               </a:r>
               <a:endParaRPr lang="zh-CN" altLang="en-US" sz="800" dirty="0"/>
@@ -11016,7 +10953,7 @@
             <a:p>
               <a:pPr algn="ctr"/>
               <a:r>
-                <a:rPr lang="en-US" altLang="zh-CN" sz="800" dirty="0" smtClean="0"/>
+                <a:rPr lang="en-US" altLang="zh-CN" sz="800" dirty="0"/>
                 <a:t>1</a:t>
               </a:r>
               <a:endParaRPr lang="zh-CN" altLang="en-US" sz="800" dirty="0"/>
@@ -11233,7 +11170,7 @@
               <a:p>
                 <a:pPr algn="ctr"/>
                 <a:r>
-                  <a:rPr lang="en-US" altLang="zh-CN" sz="800" dirty="0" err="1" smtClean="0"/>
+                  <a:rPr lang="en-US" altLang="zh-CN" sz="800" dirty="0" err="1"/>
                   <a:t>MemtoReg</a:t>
                 </a:r>
                 <a:endParaRPr lang="zh-CN" altLang="en-US" sz="800" dirty="0"/>
@@ -11294,7 +11231,7 @@
               <a:p>
                 <a:pPr algn="r"/>
                 <a:r>
-                  <a:rPr lang="en-US" altLang="zh-CN" sz="800" dirty="0" smtClean="0"/>
+                  <a:rPr lang="en-US" altLang="zh-CN" sz="800" dirty="0"/>
                   <a:t>Z</a:t>
                 </a:r>
                 <a:endParaRPr lang="zh-CN" altLang="en-US" sz="800" dirty="0"/>
@@ -11356,13 +11293,8 @@
                 <a:pPr algn="r"/>
                 <a:r>
                   <a:rPr lang="en-US" altLang="zh-CN" sz="800" dirty="0"/>
-                  <a:t>{1'b0,PC_plus_4[30:0</a:t>
+                  <a:t>{1'b0,PC_plus_4[30:0]}</a:t>
                 </a:r>
-                <a:r>
-                  <a:rPr lang="en-US" altLang="zh-CN" sz="800" dirty="0" smtClean="0"/>
-                  <a:t>]}</a:t>
-                </a:r>
-                <a:endParaRPr lang="en-US" altLang="zh-CN" sz="800" dirty="0"/>
               </a:p>
             </p:txBody>
           </p:sp>
@@ -11420,7 +11352,7 @@
               <a:p>
                 <a:pPr algn="r"/>
                 <a:r>
-                  <a:rPr lang="en-US" altLang="zh-CN" sz="800" dirty="0" smtClean="0"/>
+                  <a:rPr lang="en-US" altLang="zh-CN" sz="800" dirty="0"/>
                   <a:t>PC</a:t>
                 </a:r>
                 <a:endParaRPr lang="zh-CN" altLang="en-US" sz="800" dirty="0"/>
@@ -11480,7 +11412,7 @@
               <a:lstStyle/>
               <a:p>
                 <a:r>
-                  <a:rPr lang="en-US" altLang="zh-CN" sz="800" dirty="0" smtClean="0"/>
+                  <a:rPr lang="en-US" altLang="zh-CN" sz="800" dirty="0"/>
                   <a:t>Databus3</a:t>
                 </a:r>
                 <a:endParaRPr lang="zh-CN" altLang="en-US" sz="800" dirty="0"/>
@@ -11542,7 +11474,7 @@
               <a:p>
                 <a:pPr algn="ctr"/>
                 <a:r>
-                  <a:rPr lang="en-US" altLang="zh-CN" sz="800" dirty="0" smtClean="0"/>
+                  <a:rPr lang="en-US" altLang="zh-CN" sz="800" dirty="0"/>
                   <a:t>1</a:t>
                 </a:r>
                 <a:endParaRPr lang="zh-CN" altLang="en-US" sz="800" dirty="0"/>
@@ -11604,7 +11536,7 @@
               <a:p>
                 <a:pPr algn="ctr"/>
                 <a:r>
-                  <a:rPr lang="en-US" altLang="zh-CN" sz="800" dirty="0" smtClean="0"/>
+                  <a:rPr lang="en-US" altLang="zh-CN" sz="800" dirty="0"/>
                   <a:t>3</a:t>
                 </a:r>
                 <a:endParaRPr lang="zh-CN" altLang="en-US" sz="800" dirty="0"/>
@@ -11917,7 +11849,7 @@
               <a:p>
                 <a:pPr algn="r"/>
                 <a:r>
-                  <a:rPr lang="en-US" altLang="zh-CN" sz="800" dirty="0" err="1" smtClean="0"/>
+                  <a:rPr lang="en-US" altLang="zh-CN" sz="800" dirty="0" err="1"/>
                   <a:t>Mem_Read_data</a:t>
                 </a:r>
                 <a:endParaRPr lang="zh-CN" altLang="en-US" sz="800" dirty="0"/>
@@ -11948,7 +11880,7 @@
               <a:p>
                 <a:pPr algn="r"/>
                 <a:r>
-                  <a:rPr lang="en-US" altLang="zh-CN" sz="800" dirty="0" err="1" smtClean="0"/>
+                  <a:rPr lang="en-US" altLang="zh-CN" sz="800" dirty="0" err="1"/>
                   <a:t>Per_Read_data</a:t>
                 </a:r>
                 <a:endParaRPr lang="zh-CN" altLang="en-US" sz="800" dirty="0"/>
@@ -11979,7 +11911,7 @@
               <a:p>
                 <a:pPr algn="r"/>
                 <a:r>
-                  <a:rPr lang="en-US" altLang="zh-CN" sz="800" dirty="0" err="1" smtClean="0"/>
+                  <a:rPr lang="en-US" altLang="zh-CN" sz="800" dirty="0" err="1"/>
                   <a:t>Uart_Read_data</a:t>
                 </a:r>
                 <a:endParaRPr lang="zh-CN" altLang="en-US" sz="800" dirty="0"/>
@@ -12022,6 +11954,2331 @@
     <p:extLst>
       <p:ext uri="{BB962C8B-B14F-4D97-AF65-F5344CB8AC3E}">
         <p14:creationId xmlns:p14="http://schemas.microsoft.com/office/powerpoint/2010/main" val="916207479"/>
+      </p:ext>
+    </p:extLst>
+  </p:cSld>
+  <p:clrMapOvr>
+    <a:masterClrMapping/>
+  </p:clrMapOvr>
+</p:sld>
+</file>
+
+<file path=ppt/slides/slide2.xml><?xml version="1.0" encoding="utf-8"?>
+<p:sld xmlns:a="http://schemas.openxmlformats.org/drawingml/2006/main" xmlns:r="http://schemas.openxmlformats.org/officeDocument/2006/relationships" xmlns:p="http://schemas.openxmlformats.org/presentationml/2006/main">
+  <p:cSld>
+    <p:spTree>
+      <p:nvGrpSpPr>
+        <p:cNvPr id="1" name=""/>
+        <p:cNvGrpSpPr/>
+        <p:nvPr/>
+      </p:nvGrpSpPr>
+      <p:grpSpPr>
+        <a:xfrm>
+          <a:off x="0" y="0"/>
+          <a:ext cx="0" cy="0"/>
+          <a:chOff x="0" y="0"/>
+          <a:chExt cx="0" cy="0"/>
+        </a:xfrm>
+      </p:grpSpPr>
+      <p:grpSp>
+        <p:nvGrpSpPr>
+          <p:cNvPr id="78" name="组合 77">
+            <a:extLst>
+              <a:ext uri="{FF2B5EF4-FFF2-40B4-BE49-F238E27FC236}">
+                <a16:creationId xmlns:a16="http://schemas.microsoft.com/office/drawing/2014/main" id="{77FD1A84-DB8D-4FF7-9B0E-2ED3AFC23137}"/>
+              </a:ext>
+            </a:extLst>
+          </p:cNvPr>
+          <p:cNvGrpSpPr/>
+          <p:nvPr/>
+        </p:nvGrpSpPr>
+        <p:grpSpPr>
+          <a:xfrm>
+            <a:off x="183985" y="-1316682"/>
+            <a:ext cx="8776030" cy="7066648"/>
+            <a:chOff x="183985" y="-1316682"/>
+            <a:chExt cx="8776030" cy="7066648"/>
+          </a:xfrm>
+        </p:grpSpPr>
+        <p:grpSp>
+          <p:nvGrpSpPr>
+            <p:cNvPr id="72" name="组合 71">
+              <a:extLst>
+                <a:ext uri="{FF2B5EF4-FFF2-40B4-BE49-F238E27FC236}">
+                  <a16:creationId xmlns:a16="http://schemas.microsoft.com/office/drawing/2014/main" id="{D7D28DFF-A1E9-4347-A0F7-6F9A403393C2}"/>
+                </a:ext>
+              </a:extLst>
+            </p:cNvPr>
+            <p:cNvGrpSpPr/>
+            <p:nvPr/>
+          </p:nvGrpSpPr>
+          <p:grpSpPr>
+            <a:xfrm>
+              <a:off x="183985" y="-1316682"/>
+              <a:ext cx="8776030" cy="7066648"/>
+              <a:chOff x="-816328" y="-997292"/>
+              <a:chExt cx="8776030" cy="7066648"/>
+            </a:xfrm>
+          </p:grpSpPr>
+          <p:sp>
+            <p:nvSpPr>
+              <p:cNvPr id="4" name="矩形 3">
+                <a:extLst>
+                  <a:ext uri="{FF2B5EF4-FFF2-40B4-BE49-F238E27FC236}">
+                    <a16:creationId xmlns:a16="http://schemas.microsoft.com/office/drawing/2014/main" id="{84C17446-EA34-4FDF-9F97-212772B9A81B}"/>
+                  </a:ext>
+                </a:extLst>
+              </p:cNvPr>
+              <p:cNvSpPr/>
+              <p:nvPr/>
+            </p:nvSpPr>
+            <p:spPr>
+              <a:xfrm>
+                <a:off x="1547664" y="-308570"/>
+                <a:ext cx="1296144" cy="1152128"/>
+              </a:xfrm>
+              <a:prstGeom prst="rect">
+                <a:avLst/>
+              </a:prstGeom>
+              <a:noFill/>
+              <a:ln w="12700">
+                <a:solidFill>
+                  <a:schemeClr val="tx1"/>
+                </a:solidFill>
+              </a:ln>
+            </p:spPr>
+            <p:style>
+              <a:lnRef idx="2">
+                <a:schemeClr val="accent1">
+                  <a:shade val="50000"/>
+                </a:schemeClr>
+              </a:lnRef>
+              <a:fillRef idx="1">
+                <a:schemeClr val="accent1"/>
+              </a:fillRef>
+              <a:effectRef idx="0">
+                <a:schemeClr val="accent1"/>
+              </a:effectRef>
+              <a:fontRef idx="minor">
+                <a:schemeClr val="lt1"/>
+              </a:fontRef>
+            </p:style>
+            <p:txBody>
+              <a:bodyPr rtlCol="0" anchor="ctr"/>
+              <a:lstStyle/>
+              <a:p>
+                <a:pPr algn="ctr"/>
+                <a:r>
+                  <a:rPr lang="en-US" altLang="zh-CN" dirty="0">
+                    <a:solidFill>
+                      <a:schemeClr val="tx1"/>
+                    </a:solidFill>
+                  </a:rPr>
+                  <a:t>ADD/SUB</a:t>
+                </a:r>
+                <a:endParaRPr lang="zh-CN" altLang="en-US" dirty="0">
+                  <a:solidFill>
+                    <a:schemeClr val="tx1"/>
+                  </a:solidFill>
+                </a:endParaRPr>
+              </a:p>
+            </p:txBody>
+          </p:sp>
+          <p:sp>
+            <p:nvSpPr>
+              <p:cNvPr id="5" name="矩形 4">
+                <a:extLst>
+                  <a:ext uri="{FF2B5EF4-FFF2-40B4-BE49-F238E27FC236}">
+                    <a16:creationId xmlns:a16="http://schemas.microsoft.com/office/drawing/2014/main" id="{156CA2BF-C088-4F6A-B05A-B9C47C868226}"/>
+                  </a:ext>
+                </a:extLst>
+              </p:cNvPr>
+              <p:cNvSpPr/>
+              <p:nvPr/>
+            </p:nvSpPr>
+            <p:spPr>
+              <a:xfrm>
+                <a:off x="1547664" y="1203598"/>
+                <a:ext cx="1296144" cy="1152128"/>
+              </a:xfrm>
+              <a:prstGeom prst="rect">
+                <a:avLst/>
+              </a:prstGeom>
+              <a:noFill/>
+              <a:ln w="12700">
+                <a:solidFill>
+                  <a:schemeClr val="tx1"/>
+                </a:solidFill>
+              </a:ln>
+            </p:spPr>
+            <p:style>
+              <a:lnRef idx="2">
+                <a:schemeClr val="accent1">
+                  <a:shade val="50000"/>
+                </a:schemeClr>
+              </a:lnRef>
+              <a:fillRef idx="1">
+                <a:schemeClr val="accent1"/>
+              </a:fillRef>
+              <a:effectRef idx="0">
+                <a:schemeClr val="accent1"/>
+              </a:effectRef>
+              <a:fontRef idx="minor">
+                <a:schemeClr val="lt1"/>
+              </a:fontRef>
+            </p:style>
+            <p:txBody>
+              <a:bodyPr rtlCol="0" anchor="ctr"/>
+              <a:lstStyle/>
+              <a:p>
+                <a:pPr algn="ctr"/>
+                <a:r>
+                  <a:rPr lang="en-US" altLang="zh-CN" dirty="0">
+                    <a:solidFill>
+                      <a:schemeClr val="tx1"/>
+                    </a:solidFill>
+                  </a:rPr>
+                  <a:t>CMP</a:t>
+                </a:r>
+                <a:endParaRPr lang="zh-CN" altLang="en-US" dirty="0">
+                  <a:solidFill>
+                    <a:schemeClr val="tx1"/>
+                  </a:solidFill>
+                </a:endParaRPr>
+              </a:p>
+            </p:txBody>
+          </p:sp>
+          <p:sp>
+            <p:nvSpPr>
+              <p:cNvPr id="6" name="矩形 5">
+                <a:extLst>
+                  <a:ext uri="{FF2B5EF4-FFF2-40B4-BE49-F238E27FC236}">
+                    <a16:creationId xmlns:a16="http://schemas.microsoft.com/office/drawing/2014/main" id="{9E73211F-7E34-4232-A117-2824DEA6CA0F}"/>
+                  </a:ext>
+                </a:extLst>
+              </p:cNvPr>
+              <p:cNvSpPr/>
+              <p:nvPr/>
+            </p:nvSpPr>
+            <p:spPr>
+              <a:xfrm>
+                <a:off x="1547664" y="2715766"/>
+                <a:ext cx="1296144" cy="1152128"/>
+              </a:xfrm>
+              <a:prstGeom prst="rect">
+                <a:avLst/>
+              </a:prstGeom>
+              <a:noFill/>
+              <a:ln w="12700">
+                <a:solidFill>
+                  <a:schemeClr val="tx1"/>
+                </a:solidFill>
+              </a:ln>
+            </p:spPr>
+            <p:style>
+              <a:lnRef idx="2">
+                <a:schemeClr val="accent1">
+                  <a:shade val="50000"/>
+                </a:schemeClr>
+              </a:lnRef>
+              <a:fillRef idx="1">
+                <a:schemeClr val="accent1"/>
+              </a:fillRef>
+              <a:effectRef idx="0">
+                <a:schemeClr val="accent1"/>
+              </a:effectRef>
+              <a:fontRef idx="minor">
+                <a:schemeClr val="lt1"/>
+              </a:fontRef>
+            </p:style>
+            <p:txBody>
+              <a:bodyPr rtlCol="0" anchor="ctr"/>
+              <a:lstStyle/>
+              <a:p>
+                <a:pPr algn="ctr"/>
+                <a:r>
+                  <a:rPr lang="en-US" altLang="zh-CN" dirty="0">
+                    <a:solidFill>
+                      <a:schemeClr val="tx1"/>
+                    </a:solidFill>
+                  </a:rPr>
+                  <a:t>Logic</a:t>
+                </a:r>
+                <a:endParaRPr lang="zh-CN" altLang="en-US" dirty="0">
+                  <a:solidFill>
+                    <a:schemeClr val="tx1"/>
+                  </a:solidFill>
+                </a:endParaRPr>
+              </a:p>
+            </p:txBody>
+          </p:sp>
+          <p:sp>
+            <p:nvSpPr>
+              <p:cNvPr id="7" name="矩形 6">
+                <a:extLst>
+                  <a:ext uri="{FF2B5EF4-FFF2-40B4-BE49-F238E27FC236}">
+                    <a16:creationId xmlns:a16="http://schemas.microsoft.com/office/drawing/2014/main" id="{9C9CEB98-B5FD-4AA9-8243-FBE9D49ABF1F}"/>
+                  </a:ext>
+                </a:extLst>
+              </p:cNvPr>
+              <p:cNvSpPr/>
+              <p:nvPr/>
+            </p:nvSpPr>
+            <p:spPr>
+              <a:xfrm>
+                <a:off x="1547664" y="4227934"/>
+                <a:ext cx="1296144" cy="1152128"/>
+              </a:xfrm>
+              <a:prstGeom prst="rect">
+                <a:avLst/>
+              </a:prstGeom>
+              <a:noFill/>
+              <a:ln w="12700">
+                <a:solidFill>
+                  <a:schemeClr val="tx1"/>
+                </a:solidFill>
+              </a:ln>
+            </p:spPr>
+            <p:style>
+              <a:lnRef idx="2">
+                <a:schemeClr val="accent1">
+                  <a:shade val="50000"/>
+                </a:schemeClr>
+              </a:lnRef>
+              <a:fillRef idx="1">
+                <a:schemeClr val="accent1"/>
+              </a:fillRef>
+              <a:effectRef idx="0">
+                <a:schemeClr val="accent1"/>
+              </a:effectRef>
+              <a:fontRef idx="minor">
+                <a:schemeClr val="lt1"/>
+              </a:fontRef>
+            </p:style>
+            <p:txBody>
+              <a:bodyPr rtlCol="0" anchor="ctr"/>
+              <a:lstStyle/>
+              <a:p>
+                <a:pPr algn="ctr"/>
+                <a:r>
+                  <a:rPr lang="en-US" altLang="zh-CN" dirty="0">
+                    <a:solidFill>
+                      <a:schemeClr val="tx1"/>
+                    </a:solidFill>
+                  </a:rPr>
+                  <a:t>Shift</a:t>
+                </a:r>
+                <a:endParaRPr lang="zh-CN" altLang="en-US" dirty="0">
+                  <a:solidFill>
+                    <a:schemeClr val="tx1"/>
+                  </a:solidFill>
+                </a:endParaRPr>
+              </a:p>
+            </p:txBody>
+          </p:sp>
+          <p:cxnSp>
+            <p:nvCxnSpPr>
+              <p:cNvPr id="9" name="连接符: 肘形 8">
+                <a:extLst>
+                  <a:ext uri="{FF2B5EF4-FFF2-40B4-BE49-F238E27FC236}">
+                    <a16:creationId xmlns:a16="http://schemas.microsoft.com/office/drawing/2014/main" id="{BAB5A817-6EDC-42C9-A01E-5DF275EE5784}"/>
+                  </a:ext>
+                </a:extLst>
+              </p:cNvPr>
+              <p:cNvCxnSpPr>
+                <a:cxnSpLocks/>
+                <a:endCxn id="4" idx="0"/>
+              </p:cNvCxnSpPr>
+              <p:nvPr/>
+            </p:nvCxnSpPr>
+            <p:spPr>
+              <a:xfrm>
+                <a:off x="539552" y="-812626"/>
+                <a:ext cx="1656184" cy="504056"/>
+              </a:xfrm>
+              <a:prstGeom prst="bentConnector2">
+                <a:avLst/>
+              </a:prstGeom>
+            </p:spPr>
+            <p:style>
+              <a:lnRef idx="1">
+                <a:schemeClr val="accent1"/>
+              </a:lnRef>
+              <a:fillRef idx="0">
+                <a:schemeClr val="accent1"/>
+              </a:fillRef>
+              <a:effectRef idx="0">
+                <a:schemeClr val="accent1"/>
+              </a:effectRef>
+              <a:fontRef idx="minor">
+                <a:schemeClr val="tx1"/>
+              </a:fontRef>
+            </p:style>
+          </p:cxnSp>
+          <p:cxnSp>
+            <p:nvCxnSpPr>
+              <p:cNvPr id="12" name="直接箭头连接符 11">
+                <a:extLst>
+                  <a:ext uri="{FF2B5EF4-FFF2-40B4-BE49-F238E27FC236}">
+                    <a16:creationId xmlns:a16="http://schemas.microsoft.com/office/drawing/2014/main" id="{9828D84F-30FF-4E45-863D-FC4892F1653D}"/>
+                  </a:ext>
+                </a:extLst>
+              </p:cNvPr>
+              <p:cNvCxnSpPr>
+                <a:cxnSpLocks/>
+              </p:cNvCxnSpPr>
+              <p:nvPr/>
+            </p:nvCxnSpPr>
+            <p:spPr>
+              <a:xfrm>
+                <a:off x="539552" y="-92546"/>
+                <a:ext cx="1008112" cy="0"/>
+              </a:xfrm>
+              <a:prstGeom prst="straightConnector1">
+                <a:avLst/>
+              </a:prstGeom>
+              <a:ln>
+                <a:tailEnd type="triangle"/>
+              </a:ln>
+            </p:spPr>
+            <p:style>
+              <a:lnRef idx="1">
+                <a:schemeClr val="accent1"/>
+              </a:lnRef>
+              <a:fillRef idx="0">
+                <a:schemeClr val="accent1"/>
+              </a:fillRef>
+              <a:effectRef idx="0">
+                <a:schemeClr val="accent1"/>
+              </a:effectRef>
+              <a:fontRef idx="minor">
+                <a:schemeClr val="tx1"/>
+              </a:fontRef>
+            </p:style>
+          </p:cxnSp>
+          <p:cxnSp>
+            <p:nvCxnSpPr>
+              <p:cNvPr id="14" name="直接箭头连接符 13">
+                <a:extLst>
+                  <a:ext uri="{FF2B5EF4-FFF2-40B4-BE49-F238E27FC236}">
+                    <a16:creationId xmlns:a16="http://schemas.microsoft.com/office/drawing/2014/main" id="{E546542D-5960-44C8-B745-182E3F04B9E0}"/>
+                  </a:ext>
+                </a:extLst>
+              </p:cNvPr>
+              <p:cNvCxnSpPr>
+                <a:cxnSpLocks/>
+              </p:cNvCxnSpPr>
+              <p:nvPr/>
+            </p:nvCxnSpPr>
+            <p:spPr>
+              <a:xfrm>
+                <a:off x="539552" y="267494"/>
+                <a:ext cx="1008112" cy="0"/>
+              </a:xfrm>
+              <a:prstGeom prst="straightConnector1">
+                <a:avLst/>
+              </a:prstGeom>
+              <a:ln>
+                <a:tailEnd type="triangle"/>
+              </a:ln>
+            </p:spPr>
+            <p:style>
+              <a:lnRef idx="1">
+                <a:schemeClr val="accent1"/>
+              </a:lnRef>
+              <a:fillRef idx="0">
+                <a:schemeClr val="accent1"/>
+              </a:fillRef>
+              <a:effectRef idx="0">
+                <a:schemeClr val="accent1"/>
+              </a:effectRef>
+              <a:fontRef idx="minor">
+                <a:schemeClr val="tx1"/>
+              </a:fontRef>
+            </p:style>
+          </p:cxnSp>
+          <p:cxnSp>
+            <p:nvCxnSpPr>
+              <p:cNvPr id="16" name="直接连接符 15">
+                <a:extLst>
+                  <a:ext uri="{FF2B5EF4-FFF2-40B4-BE49-F238E27FC236}">
+                    <a16:creationId xmlns:a16="http://schemas.microsoft.com/office/drawing/2014/main" id="{BFF339D7-F04C-477D-9341-CF73FB445F79}"/>
+                  </a:ext>
+                </a:extLst>
+              </p:cNvPr>
+              <p:cNvCxnSpPr>
+                <a:cxnSpLocks/>
+              </p:cNvCxnSpPr>
+              <p:nvPr/>
+            </p:nvCxnSpPr>
+            <p:spPr>
+              <a:xfrm>
+                <a:off x="539552" y="627534"/>
+                <a:ext cx="1008112" cy="0"/>
+              </a:xfrm>
+              <a:prstGeom prst="line">
+                <a:avLst/>
+              </a:prstGeom>
+            </p:spPr>
+            <p:style>
+              <a:lnRef idx="1">
+                <a:schemeClr val="accent1"/>
+              </a:lnRef>
+              <a:fillRef idx="0">
+                <a:schemeClr val="accent1"/>
+              </a:fillRef>
+              <a:effectRef idx="0">
+                <a:schemeClr val="accent1"/>
+              </a:effectRef>
+              <a:fontRef idx="minor">
+                <a:schemeClr val="tx1"/>
+              </a:fontRef>
+            </p:style>
+          </p:cxnSp>
+          <p:sp>
+            <p:nvSpPr>
+              <p:cNvPr id="19" name="文本框 18">
+                <a:extLst>
+                  <a:ext uri="{FF2B5EF4-FFF2-40B4-BE49-F238E27FC236}">
+                    <a16:creationId xmlns:a16="http://schemas.microsoft.com/office/drawing/2014/main" id="{312580CC-DFBA-4C27-A6AC-E9F5A9789338}"/>
+                  </a:ext>
+                </a:extLst>
+              </p:cNvPr>
+              <p:cNvSpPr txBox="1"/>
+              <p:nvPr/>
+            </p:nvSpPr>
+            <p:spPr>
+              <a:xfrm>
+                <a:off x="-36512" y="-997292"/>
+                <a:ext cx="574196" cy="369332"/>
+              </a:xfrm>
+              <a:prstGeom prst="rect">
+                <a:avLst/>
+              </a:prstGeom>
+              <a:noFill/>
+            </p:spPr>
+            <p:txBody>
+              <a:bodyPr wrap="none" rtlCol="0">
+                <a:spAutoFit/>
+              </a:bodyPr>
+              <a:lstStyle/>
+              <a:p>
+                <a:r>
+                  <a:rPr lang="en-US" altLang="zh-CN" dirty="0"/>
+                  <a:t>Sign</a:t>
+                </a:r>
+                <a:endParaRPr lang="zh-CN" altLang="en-US" dirty="0"/>
+              </a:p>
+            </p:txBody>
+          </p:sp>
+          <p:sp>
+            <p:nvSpPr>
+              <p:cNvPr id="20" name="文本框 19">
+                <a:extLst>
+                  <a:ext uri="{FF2B5EF4-FFF2-40B4-BE49-F238E27FC236}">
+                    <a16:creationId xmlns:a16="http://schemas.microsoft.com/office/drawing/2014/main" id="{2427CD8F-9C78-46A3-9383-041E3BA2AA32}"/>
+                  </a:ext>
+                </a:extLst>
+              </p:cNvPr>
+              <p:cNvSpPr txBox="1"/>
+              <p:nvPr/>
+            </p:nvSpPr>
+            <p:spPr>
+              <a:xfrm>
+                <a:off x="-324544" y="-277212"/>
+                <a:ext cx="872355" cy="369332"/>
+              </a:xfrm>
+              <a:prstGeom prst="rect">
+                <a:avLst/>
+              </a:prstGeom>
+              <a:noFill/>
+            </p:spPr>
+            <p:txBody>
+              <a:bodyPr wrap="none" rtlCol="0">
+                <a:spAutoFit/>
+              </a:bodyPr>
+              <a:lstStyle/>
+              <a:p>
+                <a:r>
+                  <a:rPr lang="en-US" altLang="zh-CN" dirty="0"/>
+                  <a:t>A[31:0]</a:t>
+                </a:r>
+                <a:endParaRPr lang="zh-CN" altLang="en-US" dirty="0"/>
+              </a:p>
+            </p:txBody>
+          </p:sp>
+          <p:sp>
+            <p:nvSpPr>
+              <p:cNvPr id="21" name="文本框 20">
+                <a:extLst>
+                  <a:ext uri="{FF2B5EF4-FFF2-40B4-BE49-F238E27FC236}">
+                    <a16:creationId xmlns:a16="http://schemas.microsoft.com/office/drawing/2014/main" id="{55A33BE1-064F-4B1D-AEB5-E5807F09ADBC}"/>
+                  </a:ext>
+                </a:extLst>
+              </p:cNvPr>
+              <p:cNvSpPr txBox="1"/>
+              <p:nvPr/>
+            </p:nvSpPr>
+            <p:spPr>
+              <a:xfrm>
+                <a:off x="-332803" y="82827"/>
+                <a:ext cx="864339" cy="369332"/>
+              </a:xfrm>
+              <a:prstGeom prst="rect">
+                <a:avLst/>
+              </a:prstGeom>
+              <a:noFill/>
+            </p:spPr>
+            <p:txBody>
+              <a:bodyPr wrap="none" rtlCol="0">
+                <a:spAutoFit/>
+              </a:bodyPr>
+              <a:lstStyle/>
+              <a:p>
+                <a:r>
+                  <a:rPr lang="en-US" altLang="zh-CN" dirty="0"/>
+                  <a:t>B[31:0]</a:t>
+                </a:r>
+                <a:endParaRPr lang="zh-CN" altLang="en-US" dirty="0"/>
+              </a:p>
+            </p:txBody>
+          </p:sp>
+          <p:sp>
+            <p:nvSpPr>
+              <p:cNvPr id="22" name="文本框 21">
+                <a:extLst>
+                  <a:ext uri="{FF2B5EF4-FFF2-40B4-BE49-F238E27FC236}">
+                    <a16:creationId xmlns:a16="http://schemas.microsoft.com/office/drawing/2014/main" id="{31C383D6-0AA6-47E5-99AF-E9A018BAF0C9}"/>
+                  </a:ext>
+                </a:extLst>
+              </p:cNvPr>
+              <p:cNvSpPr txBox="1"/>
+              <p:nvPr/>
+            </p:nvSpPr>
+            <p:spPr>
+              <a:xfrm>
+                <a:off x="-612576" y="442866"/>
+                <a:ext cx="1165575" cy="369332"/>
+              </a:xfrm>
+              <a:prstGeom prst="rect">
+                <a:avLst/>
+              </a:prstGeom>
+              <a:noFill/>
+            </p:spPr>
+            <p:txBody>
+              <a:bodyPr wrap="none" rtlCol="0">
+                <a:spAutoFit/>
+              </a:bodyPr>
+              <a:lstStyle/>
+              <a:p>
+                <a:r>
+                  <a:rPr lang="en-US" altLang="zh-CN" dirty="0" err="1"/>
+                  <a:t>ALUFun</a:t>
+                </a:r>
+                <a:r>
+                  <a:rPr lang="en-US" altLang="zh-CN" dirty="0"/>
+                  <a:t>[0]</a:t>
+                </a:r>
+                <a:endParaRPr lang="zh-CN" altLang="en-US" dirty="0"/>
+              </a:p>
+            </p:txBody>
+          </p:sp>
+          <p:cxnSp>
+            <p:nvCxnSpPr>
+              <p:cNvPr id="15" name="直接连接符 14">
+                <a:extLst>
+                  <a:ext uri="{FF2B5EF4-FFF2-40B4-BE49-F238E27FC236}">
+                    <a16:creationId xmlns:a16="http://schemas.microsoft.com/office/drawing/2014/main" id="{3BC8BCB2-D9DB-47C8-B398-D6C3F6EAE664}"/>
+                  </a:ext>
+                </a:extLst>
+              </p:cNvPr>
+              <p:cNvCxnSpPr>
+                <a:cxnSpLocks/>
+              </p:cNvCxnSpPr>
+              <p:nvPr/>
+            </p:nvCxnSpPr>
+            <p:spPr>
+              <a:xfrm>
+                <a:off x="547811" y="2139702"/>
+                <a:ext cx="1008112" cy="0"/>
+              </a:xfrm>
+              <a:prstGeom prst="line">
+                <a:avLst/>
+              </a:prstGeom>
+            </p:spPr>
+            <p:style>
+              <a:lnRef idx="1">
+                <a:schemeClr val="accent1"/>
+              </a:lnRef>
+              <a:fillRef idx="0">
+                <a:schemeClr val="accent1"/>
+              </a:fillRef>
+              <a:effectRef idx="0">
+                <a:schemeClr val="accent1"/>
+              </a:effectRef>
+              <a:fontRef idx="minor">
+                <a:schemeClr val="tx1"/>
+              </a:fontRef>
+            </p:style>
+          </p:cxnSp>
+          <p:sp>
+            <p:nvSpPr>
+              <p:cNvPr id="17" name="文本框 16">
+                <a:extLst>
+                  <a:ext uri="{FF2B5EF4-FFF2-40B4-BE49-F238E27FC236}">
+                    <a16:creationId xmlns:a16="http://schemas.microsoft.com/office/drawing/2014/main" id="{0237599A-D726-44F5-9DED-0C0364E5EBEC}"/>
+                  </a:ext>
+                </a:extLst>
+              </p:cNvPr>
+              <p:cNvSpPr txBox="1"/>
+              <p:nvPr/>
+            </p:nvSpPr>
+            <p:spPr>
+              <a:xfrm>
+                <a:off x="-780465" y="1955036"/>
+                <a:ext cx="1345112" cy="369332"/>
+              </a:xfrm>
+              <a:prstGeom prst="rect">
+                <a:avLst/>
+              </a:prstGeom>
+              <a:noFill/>
+            </p:spPr>
+            <p:txBody>
+              <a:bodyPr wrap="none" rtlCol="0">
+                <a:spAutoFit/>
+              </a:bodyPr>
+              <a:lstStyle/>
+              <a:p>
+                <a:r>
+                  <a:rPr lang="en-US" altLang="zh-CN" dirty="0" err="1"/>
+                  <a:t>ALUFun</a:t>
+                </a:r>
+                <a:r>
+                  <a:rPr lang="en-US" altLang="zh-CN" dirty="0"/>
+                  <a:t>[3:1]</a:t>
+                </a:r>
+                <a:endParaRPr lang="zh-CN" altLang="en-US" dirty="0"/>
+              </a:p>
+            </p:txBody>
+          </p:sp>
+          <p:cxnSp>
+            <p:nvCxnSpPr>
+              <p:cNvPr id="18" name="直接箭头连接符 17">
+                <a:extLst>
+                  <a:ext uri="{FF2B5EF4-FFF2-40B4-BE49-F238E27FC236}">
+                    <a16:creationId xmlns:a16="http://schemas.microsoft.com/office/drawing/2014/main" id="{02F6ABD3-3D65-4F29-8F76-AB3BA8B806DB}"/>
+                  </a:ext>
+                </a:extLst>
+              </p:cNvPr>
+              <p:cNvCxnSpPr>
+                <a:cxnSpLocks/>
+              </p:cNvCxnSpPr>
+              <p:nvPr/>
+            </p:nvCxnSpPr>
+            <p:spPr>
+              <a:xfrm>
+                <a:off x="1043608" y="1347614"/>
+                <a:ext cx="504056" cy="0"/>
+              </a:xfrm>
+              <a:prstGeom prst="straightConnector1">
+                <a:avLst/>
+              </a:prstGeom>
+              <a:ln>
+                <a:tailEnd type="triangle"/>
+              </a:ln>
+            </p:spPr>
+            <p:style>
+              <a:lnRef idx="1">
+                <a:schemeClr val="accent1"/>
+              </a:lnRef>
+              <a:fillRef idx="0">
+                <a:schemeClr val="accent1"/>
+              </a:fillRef>
+              <a:effectRef idx="0">
+                <a:schemeClr val="accent1"/>
+              </a:effectRef>
+              <a:fontRef idx="minor">
+                <a:schemeClr val="tx1"/>
+              </a:fontRef>
+            </p:style>
+          </p:cxnSp>
+          <p:cxnSp>
+            <p:nvCxnSpPr>
+              <p:cNvPr id="23" name="直接箭头连接符 22">
+                <a:extLst>
+                  <a:ext uri="{FF2B5EF4-FFF2-40B4-BE49-F238E27FC236}">
+                    <a16:creationId xmlns:a16="http://schemas.microsoft.com/office/drawing/2014/main" id="{9FF88DF2-3A5E-4B5F-BFE3-B21B58FD2F65}"/>
+                  </a:ext>
+                </a:extLst>
+              </p:cNvPr>
+              <p:cNvCxnSpPr>
+                <a:cxnSpLocks/>
+              </p:cNvCxnSpPr>
+              <p:nvPr/>
+            </p:nvCxnSpPr>
+            <p:spPr>
+              <a:xfrm>
+                <a:off x="1043608" y="1563638"/>
+                <a:ext cx="504056" cy="0"/>
+              </a:xfrm>
+              <a:prstGeom prst="straightConnector1">
+                <a:avLst/>
+              </a:prstGeom>
+              <a:ln>
+                <a:tailEnd type="triangle"/>
+              </a:ln>
+            </p:spPr>
+            <p:style>
+              <a:lnRef idx="1">
+                <a:schemeClr val="accent1"/>
+              </a:lnRef>
+              <a:fillRef idx="0">
+                <a:schemeClr val="accent1"/>
+              </a:fillRef>
+              <a:effectRef idx="0">
+                <a:schemeClr val="accent1"/>
+              </a:effectRef>
+              <a:fontRef idx="minor">
+                <a:schemeClr val="tx1"/>
+              </a:fontRef>
+            </p:style>
+          </p:cxnSp>
+          <p:cxnSp>
+            <p:nvCxnSpPr>
+              <p:cNvPr id="24" name="直接箭头连接符 23">
+                <a:extLst>
+                  <a:ext uri="{FF2B5EF4-FFF2-40B4-BE49-F238E27FC236}">
+                    <a16:creationId xmlns:a16="http://schemas.microsoft.com/office/drawing/2014/main" id="{46F286AC-5737-413A-A6B7-0BA907E48233}"/>
+                  </a:ext>
+                </a:extLst>
+              </p:cNvPr>
+              <p:cNvCxnSpPr>
+                <a:cxnSpLocks/>
+              </p:cNvCxnSpPr>
+              <p:nvPr/>
+            </p:nvCxnSpPr>
+            <p:spPr>
+              <a:xfrm>
+                <a:off x="1043608" y="1779662"/>
+                <a:ext cx="514589" cy="0"/>
+              </a:xfrm>
+              <a:prstGeom prst="straightConnector1">
+                <a:avLst/>
+              </a:prstGeom>
+              <a:ln>
+                <a:tailEnd type="triangle"/>
+              </a:ln>
+            </p:spPr>
+            <p:style>
+              <a:lnRef idx="1">
+                <a:schemeClr val="accent1"/>
+              </a:lnRef>
+              <a:fillRef idx="0">
+                <a:schemeClr val="accent1"/>
+              </a:fillRef>
+              <a:effectRef idx="0">
+                <a:schemeClr val="accent1"/>
+              </a:effectRef>
+              <a:fontRef idx="minor">
+                <a:schemeClr val="tx1"/>
+              </a:fontRef>
+            </p:style>
+          </p:cxnSp>
+          <p:sp>
+            <p:nvSpPr>
+              <p:cNvPr id="25" name="文本框 24">
+                <a:extLst>
+                  <a:ext uri="{FF2B5EF4-FFF2-40B4-BE49-F238E27FC236}">
+                    <a16:creationId xmlns:a16="http://schemas.microsoft.com/office/drawing/2014/main" id="{A57C5435-07EE-4872-BFB3-E7AEB090542B}"/>
+                  </a:ext>
+                </a:extLst>
+              </p:cNvPr>
+              <p:cNvSpPr txBox="1"/>
+              <p:nvPr/>
+            </p:nvSpPr>
+            <p:spPr>
+              <a:xfrm>
+                <a:off x="646348" y="1162948"/>
+                <a:ext cx="290464" cy="369332"/>
+              </a:xfrm>
+              <a:prstGeom prst="rect">
+                <a:avLst/>
+              </a:prstGeom>
+              <a:noFill/>
+            </p:spPr>
+            <p:txBody>
+              <a:bodyPr wrap="none" rtlCol="0">
+                <a:spAutoFit/>
+              </a:bodyPr>
+              <a:lstStyle/>
+              <a:p>
+                <a:r>
+                  <a:rPr lang="en-US" altLang="zh-CN" dirty="0"/>
+                  <a:t>Z</a:t>
+                </a:r>
+                <a:endParaRPr lang="zh-CN" altLang="en-US" dirty="0"/>
+              </a:p>
+            </p:txBody>
+          </p:sp>
+          <p:sp>
+            <p:nvSpPr>
+              <p:cNvPr id="26" name="文本框 25">
+                <a:extLst>
+                  <a:ext uri="{FF2B5EF4-FFF2-40B4-BE49-F238E27FC236}">
+                    <a16:creationId xmlns:a16="http://schemas.microsoft.com/office/drawing/2014/main" id="{9FBB3D21-69A8-4BA2-B0A3-FBDB9367D371}"/>
+                  </a:ext>
+                </a:extLst>
+              </p:cNvPr>
+              <p:cNvSpPr txBox="1"/>
+              <p:nvPr/>
+            </p:nvSpPr>
+            <p:spPr>
+              <a:xfrm>
+                <a:off x="646348" y="1405685"/>
+                <a:ext cx="316112" cy="369332"/>
+              </a:xfrm>
+              <a:prstGeom prst="rect">
+                <a:avLst/>
+              </a:prstGeom>
+              <a:noFill/>
+            </p:spPr>
+            <p:txBody>
+              <a:bodyPr wrap="none" rtlCol="0">
+                <a:spAutoFit/>
+              </a:bodyPr>
+              <a:lstStyle/>
+              <a:p>
+                <a:r>
+                  <a:rPr lang="en-US" altLang="zh-CN" dirty="0"/>
+                  <a:t>V</a:t>
+                </a:r>
+                <a:endParaRPr lang="zh-CN" altLang="en-US" dirty="0"/>
+              </a:p>
+            </p:txBody>
+          </p:sp>
+          <p:sp>
+            <p:nvSpPr>
+              <p:cNvPr id="27" name="文本框 26">
+                <a:extLst>
+                  <a:ext uri="{FF2B5EF4-FFF2-40B4-BE49-F238E27FC236}">
+                    <a16:creationId xmlns:a16="http://schemas.microsoft.com/office/drawing/2014/main" id="{8820E567-2196-460C-8176-606DEB7C0B3F}"/>
+                  </a:ext>
+                </a:extLst>
+              </p:cNvPr>
+              <p:cNvSpPr txBox="1"/>
+              <p:nvPr/>
+            </p:nvSpPr>
+            <p:spPr>
+              <a:xfrm>
+                <a:off x="634653" y="1635645"/>
+                <a:ext cx="333746" cy="369332"/>
+              </a:xfrm>
+              <a:prstGeom prst="rect">
+                <a:avLst/>
+              </a:prstGeom>
+              <a:noFill/>
+            </p:spPr>
+            <p:txBody>
+              <a:bodyPr wrap="none" rtlCol="0">
+                <a:spAutoFit/>
+              </a:bodyPr>
+              <a:lstStyle/>
+              <a:p>
+                <a:r>
+                  <a:rPr lang="en-US" altLang="zh-CN" dirty="0"/>
+                  <a:t>N</a:t>
+                </a:r>
+                <a:endParaRPr lang="zh-CN" altLang="en-US" dirty="0"/>
+              </a:p>
+            </p:txBody>
+          </p:sp>
+          <p:cxnSp>
+            <p:nvCxnSpPr>
+              <p:cNvPr id="28" name="直接箭头连接符 27">
+                <a:extLst>
+                  <a:ext uri="{FF2B5EF4-FFF2-40B4-BE49-F238E27FC236}">
+                    <a16:creationId xmlns:a16="http://schemas.microsoft.com/office/drawing/2014/main" id="{17E33D7A-FE87-4938-96C8-38763D98896D}"/>
+                  </a:ext>
+                </a:extLst>
+              </p:cNvPr>
+              <p:cNvCxnSpPr>
+                <a:cxnSpLocks/>
+              </p:cNvCxnSpPr>
+              <p:nvPr/>
+            </p:nvCxnSpPr>
+            <p:spPr>
+              <a:xfrm>
+                <a:off x="531536" y="2931790"/>
+                <a:ext cx="1008112" cy="0"/>
+              </a:xfrm>
+              <a:prstGeom prst="straightConnector1">
+                <a:avLst/>
+              </a:prstGeom>
+              <a:ln>
+                <a:tailEnd type="triangle"/>
+              </a:ln>
+            </p:spPr>
+            <p:style>
+              <a:lnRef idx="1">
+                <a:schemeClr val="accent1"/>
+              </a:lnRef>
+              <a:fillRef idx="0">
+                <a:schemeClr val="accent1"/>
+              </a:fillRef>
+              <a:effectRef idx="0">
+                <a:schemeClr val="accent1"/>
+              </a:effectRef>
+              <a:fontRef idx="minor">
+                <a:schemeClr val="tx1"/>
+              </a:fontRef>
+            </p:style>
+          </p:cxnSp>
+          <p:cxnSp>
+            <p:nvCxnSpPr>
+              <p:cNvPr id="29" name="直接箭头连接符 28">
+                <a:extLst>
+                  <a:ext uri="{FF2B5EF4-FFF2-40B4-BE49-F238E27FC236}">
+                    <a16:creationId xmlns:a16="http://schemas.microsoft.com/office/drawing/2014/main" id="{BF84C4D7-6E8C-42FF-85F4-3658AAD9498E}"/>
+                  </a:ext>
+                </a:extLst>
+              </p:cNvPr>
+              <p:cNvCxnSpPr>
+                <a:cxnSpLocks/>
+              </p:cNvCxnSpPr>
+              <p:nvPr/>
+            </p:nvCxnSpPr>
+            <p:spPr>
+              <a:xfrm>
+                <a:off x="531536" y="3282273"/>
+                <a:ext cx="1008112" cy="0"/>
+              </a:xfrm>
+              <a:prstGeom prst="straightConnector1">
+                <a:avLst/>
+              </a:prstGeom>
+              <a:ln>
+                <a:tailEnd type="triangle"/>
+              </a:ln>
+            </p:spPr>
+            <p:style>
+              <a:lnRef idx="1">
+                <a:schemeClr val="accent1"/>
+              </a:lnRef>
+              <a:fillRef idx="0">
+                <a:schemeClr val="accent1"/>
+              </a:fillRef>
+              <a:effectRef idx="0">
+                <a:schemeClr val="accent1"/>
+              </a:effectRef>
+              <a:fontRef idx="minor">
+                <a:schemeClr val="tx1"/>
+              </a:fontRef>
+            </p:style>
+          </p:cxnSp>
+          <p:cxnSp>
+            <p:nvCxnSpPr>
+              <p:cNvPr id="30" name="直接连接符 29">
+                <a:extLst>
+                  <a:ext uri="{FF2B5EF4-FFF2-40B4-BE49-F238E27FC236}">
+                    <a16:creationId xmlns:a16="http://schemas.microsoft.com/office/drawing/2014/main" id="{24DD0B48-14C1-4D13-B961-0CE00A514470}"/>
+                  </a:ext>
+                </a:extLst>
+              </p:cNvPr>
+              <p:cNvCxnSpPr>
+                <a:cxnSpLocks/>
+              </p:cNvCxnSpPr>
+              <p:nvPr/>
+            </p:nvCxnSpPr>
+            <p:spPr>
+              <a:xfrm>
+                <a:off x="531536" y="3651870"/>
+                <a:ext cx="1018880" cy="0"/>
+              </a:xfrm>
+              <a:prstGeom prst="line">
+                <a:avLst/>
+              </a:prstGeom>
+            </p:spPr>
+            <p:style>
+              <a:lnRef idx="1">
+                <a:schemeClr val="accent1"/>
+              </a:lnRef>
+              <a:fillRef idx="0">
+                <a:schemeClr val="accent1"/>
+              </a:fillRef>
+              <a:effectRef idx="0">
+                <a:schemeClr val="accent1"/>
+              </a:effectRef>
+              <a:fontRef idx="minor">
+                <a:schemeClr val="tx1"/>
+              </a:fontRef>
+            </p:style>
+          </p:cxnSp>
+          <p:sp>
+            <p:nvSpPr>
+              <p:cNvPr id="31" name="文本框 30">
+                <a:extLst>
+                  <a:ext uri="{FF2B5EF4-FFF2-40B4-BE49-F238E27FC236}">
+                    <a16:creationId xmlns:a16="http://schemas.microsoft.com/office/drawing/2014/main" id="{58832F0F-7091-486C-AA92-5D04EED86E58}"/>
+                  </a:ext>
+                </a:extLst>
+              </p:cNvPr>
+              <p:cNvSpPr txBox="1"/>
+              <p:nvPr/>
+            </p:nvSpPr>
+            <p:spPr>
+              <a:xfrm>
+                <a:off x="-322519" y="2715766"/>
+                <a:ext cx="872355" cy="369332"/>
+              </a:xfrm>
+              <a:prstGeom prst="rect">
+                <a:avLst/>
+              </a:prstGeom>
+              <a:noFill/>
+            </p:spPr>
+            <p:txBody>
+              <a:bodyPr wrap="none" rtlCol="0">
+                <a:spAutoFit/>
+              </a:bodyPr>
+              <a:lstStyle/>
+              <a:p>
+                <a:r>
+                  <a:rPr lang="en-US" altLang="zh-CN" dirty="0"/>
+                  <a:t>A[31:0]</a:t>
+                </a:r>
+                <a:endParaRPr lang="zh-CN" altLang="en-US" dirty="0"/>
+              </a:p>
+            </p:txBody>
+          </p:sp>
+          <p:sp>
+            <p:nvSpPr>
+              <p:cNvPr id="32" name="文本框 31">
+                <a:extLst>
+                  <a:ext uri="{FF2B5EF4-FFF2-40B4-BE49-F238E27FC236}">
+                    <a16:creationId xmlns:a16="http://schemas.microsoft.com/office/drawing/2014/main" id="{598CCA63-944F-4BB1-8488-B93E73B42910}"/>
+                  </a:ext>
+                </a:extLst>
+              </p:cNvPr>
+              <p:cNvSpPr txBox="1"/>
+              <p:nvPr/>
+            </p:nvSpPr>
+            <p:spPr>
+              <a:xfrm>
+                <a:off x="-314503" y="3100028"/>
+                <a:ext cx="864339" cy="369332"/>
+              </a:xfrm>
+              <a:prstGeom prst="rect">
+                <a:avLst/>
+              </a:prstGeom>
+              <a:noFill/>
+            </p:spPr>
+            <p:txBody>
+              <a:bodyPr wrap="none" rtlCol="0">
+                <a:spAutoFit/>
+              </a:bodyPr>
+              <a:lstStyle/>
+              <a:p>
+                <a:r>
+                  <a:rPr lang="en-US" altLang="zh-CN" dirty="0"/>
+                  <a:t>B[31:0]</a:t>
+                </a:r>
+                <a:endParaRPr lang="zh-CN" altLang="en-US" dirty="0"/>
+              </a:p>
+            </p:txBody>
+          </p:sp>
+          <p:sp>
+            <p:nvSpPr>
+              <p:cNvPr id="34" name="文本框 33">
+                <a:extLst>
+                  <a:ext uri="{FF2B5EF4-FFF2-40B4-BE49-F238E27FC236}">
+                    <a16:creationId xmlns:a16="http://schemas.microsoft.com/office/drawing/2014/main" id="{E13FDCDC-5E65-49B3-B01F-6183CC15B05B}"/>
+                  </a:ext>
+                </a:extLst>
+              </p:cNvPr>
+              <p:cNvSpPr txBox="1"/>
+              <p:nvPr/>
+            </p:nvSpPr>
+            <p:spPr>
+              <a:xfrm>
+                <a:off x="-780465" y="3476496"/>
+                <a:ext cx="1345112" cy="369332"/>
+              </a:xfrm>
+              <a:prstGeom prst="rect">
+                <a:avLst/>
+              </a:prstGeom>
+              <a:noFill/>
+            </p:spPr>
+            <p:txBody>
+              <a:bodyPr wrap="none" rtlCol="0">
+                <a:spAutoFit/>
+              </a:bodyPr>
+              <a:lstStyle/>
+              <a:p>
+                <a:r>
+                  <a:rPr lang="en-US" altLang="zh-CN" dirty="0" err="1"/>
+                  <a:t>ALUFun</a:t>
+                </a:r>
+                <a:r>
+                  <a:rPr lang="en-US" altLang="zh-CN" dirty="0"/>
+                  <a:t>[3:0]</a:t>
+                </a:r>
+                <a:endParaRPr lang="zh-CN" altLang="en-US" dirty="0"/>
+              </a:p>
+            </p:txBody>
+          </p:sp>
+          <p:cxnSp>
+            <p:nvCxnSpPr>
+              <p:cNvPr id="35" name="直接箭头连接符 34">
+                <a:extLst>
+                  <a:ext uri="{FF2B5EF4-FFF2-40B4-BE49-F238E27FC236}">
+                    <a16:creationId xmlns:a16="http://schemas.microsoft.com/office/drawing/2014/main" id="{A00ECE83-9C97-4F0F-B29E-1F7F498424E8}"/>
+                  </a:ext>
+                </a:extLst>
+              </p:cNvPr>
+              <p:cNvCxnSpPr>
+                <a:cxnSpLocks/>
+              </p:cNvCxnSpPr>
+              <p:nvPr/>
+            </p:nvCxnSpPr>
+            <p:spPr>
+              <a:xfrm>
+                <a:off x="531536" y="4443958"/>
+                <a:ext cx="1008112" cy="0"/>
+              </a:xfrm>
+              <a:prstGeom prst="straightConnector1">
+                <a:avLst/>
+              </a:prstGeom>
+              <a:ln>
+                <a:tailEnd type="triangle"/>
+              </a:ln>
+            </p:spPr>
+            <p:style>
+              <a:lnRef idx="1">
+                <a:schemeClr val="accent1"/>
+              </a:lnRef>
+              <a:fillRef idx="0">
+                <a:schemeClr val="accent1"/>
+              </a:fillRef>
+              <a:effectRef idx="0">
+                <a:schemeClr val="accent1"/>
+              </a:effectRef>
+              <a:fontRef idx="minor">
+                <a:schemeClr val="tx1"/>
+              </a:fontRef>
+            </p:style>
+          </p:cxnSp>
+          <p:cxnSp>
+            <p:nvCxnSpPr>
+              <p:cNvPr id="36" name="直接箭头连接符 35">
+                <a:extLst>
+                  <a:ext uri="{FF2B5EF4-FFF2-40B4-BE49-F238E27FC236}">
+                    <a16:creationId xmlns:a16="http://schemas.microsoft.com/office/drawing/2014/main" id="{2070DDEF-D62E-4D58-8C2F-55481424A1AA}"/>
+                  </a:ext>
+                </a:extLst>
+              </p:cNvPr>
+              <p:cNvCxnSpPr>
+                <a:cxnSpLocks/>
+              </p:cNvCxnSpPr>
+              <p:nvPr/>
+            </p:nvCxnSpPr>
+            <p:spPr>
+              <a:xfrm>
+                <a:off x="531536" y="4803998"/>
+                <a:ext cx="1008112" cy="0"/>
+              </a:xfrm>
+              <a:prstGeom prst="straightConnector1">
+                <a:avLst/>
+              </a:prstGeom>
+              <a:ln>
+                <a:tailEnd type="triangle"/>
+              </a:ln>
+            </p:spPr>
+            <p:style>
+              <a:lnRef idx="1">
+                <a:schemeClr val="accent1"/>
+              </a:lnRef>
+              <a:fillRef idx="0">
+                <a:schemeClr val="accent1"/>
+              </a:fillRef>
+              <a:effectRef idx="0">
+                <a:schemeClr val="accent1"/>
+              </a:effectRef>
+              <a:fontRef idx="minor">
+                <a:schemeClr val="tx1"/>
+              </a:fontRef>
+            </p:style>
+          </p:cxnSp>
+          <p:cxnSp>
+            <p:nvCxnSpPr>
+              <p:cNvPr id="37" name="直接连接符 36">
+                <a:extLst>
+                  <a:ext uri="{FF2B5EF4-FFF2-40B4-BE49-F238E27FC236}">
+                    <a16:creationId xmlns:a16="http://schemas.microsoft.com/office/drawing/2014/main" id="{FE05FD31-A028-4726-838D-346CA92E542E}"/>
+                  </a:ext>
+                </a:extLst>
+              </p:cNvPr>
+              <p:cNvCxnSpPr>
+                <a:cxnSpLocks/>
+              </p:cNvCxnSpPr>
+              <p:nvPr/>
+            </p:nvCxnSpPr>
+            <p:spPr>
+              <a:xfrm>
+                <a:off x="528784" y="5143500"/>
+                <a:ext cx="1018880" cy="0"/>
+              </a:xfrm>
+              <a:prstGeom prst="line">
+                <a:avLst/>
+              </a:prstGeom>
+            </p:spPr>
+            <p:style>
+              <a:lnRef idx="1">
+                <a:schemeClr val="accent1"/>
+              </a:lnRef>
+              <a:fillRef idx="0">
+                <a:schemeClr val="accent1"/>
+              </a:fillRef>
+              <a:effectRef idx="0">
+                <a:schemeClr val="accent1"/>
+              </a:effectRef>
+              <a:fontRef idx="minor">
+                <a:schemeClr val="tx1"/>
+              </a:fontRef>
+            </p:style>
+          </p:cxnSp>
+          <p:sp>
+            <p:nvSpPr>
+              <p:cNvPr id="38" name="文本框 37">
+                <a:extLst>
+                  <a:ext uri="{FF2B5EF4-FFF2-40B4-BE49-F238E27FC236}">
+                    <a16:creationId xmlns:a16="http://schemas.microsoft.com/office/drawing/2014/main" id="{5DF46E47-41D7-4AC1-851B-A8504F1A25BB}"/>
+                  </a:ext>
+                </a:extLst>
+              </p:cNvPr>
+              <p:cNvSpPr txBox="1"/>
+              <p:nvPr/>
+            </p:nvSpPr>
+            <p:spPr>
+              <a:xfrm>
+                <a:off x="-332803" y="4259292"/>
+                <a:ext cx="872355" cy="369332"/>
+              </a:xfrm>
+              <a:prstGeom prst="rect">
+                <a:avLst/>
+              </a:prstGeom>
+              <a:noFill/>
+            </p:spPr>
+            <p:txBody>
+              <a:bodyPr wrap="none" rtlCol="0">
+                <a:spAutoFit/>
+              </a:bodyPr>
+              <a:lstStyle/>
+              <a:p>
+                <a:r>
+                  <a:rPr lang="en-US" altLang="zh-CN" dirty="0"/>
+                  <a:t>A[31:0]</a:t>
+                </a:r>
+                <a:endParaRPr lang="zh-CN" altLang="en-US" dirty="0"/>
+              </a:p>
+            </p:txBody>
+          </p:sp>
+          <p:sp>
+            <p:nvSpPr>
+              <p:cNvPr id="39" name="文本框 38">
+                <a:extLst>
+                  <a:ext uri="{FF2B5EF4-FFF2-40B4-BE49-F238E27FC236}">
+                    <a16:creationId xmlns:a16="http://schemas.microsoft.com/office/drawing/2014/main" id="{664CBB1E-FD3D-4576-9AD1-588D03DC35FE}"/>
+                  </a:ext>
+                </a:extLst>
+              </p:cNvPr>
+              <p:cNvSpPr txBox="1"/>
+              <p:nvPr/>
+            </p:nvSpPr>
+            <p:spPr>
+              <a:xfrm>
+                <a:off x="-324544" y="4619090"/>
+                <a:ext cx="864339" cy="369332"/>
+              </a:xfrm>
+              <a:prstGeom prst="rect">
+                <a:avLst/>
+              </a:prstGeom>
+              <a:noFill/>
+            </p:spPr>
+            <p:txBody>
+              <a:bodyPr wrap="none" rtlCol="0">
+                <a:spAutoFit/>
+              </a:bodyPr>
+              <a:lstStyle/>
+              <a:p>
+                <a:r>
+                  <a:rPr lang="en-US" altLang="zh-CN" dirty="0"/>
+                  <a:t>B[31:0]</a:t>
+                </a:r>
+                <a:endParaRPr lang="zh-CN" altLang="en-US" dirty="0"/>
+              </a:p>
+            </p:txBody>
+          </p:sp>
+          <p:sp>
+            <p:nvSpPr>
+              <p:cNvPr id="40" name="文本框 39">
+                <a:extLst>
+                  <a:ext uri="{FF2B5EF4-FFF2-40B4-BE49-F238E27FC236}">
+                    <a16:creationId xmlns:a16="http://schemas.microsoft.com/office/drawing/2014/main" id="{9AC7EF06-E98A-4287-AA10-224899945358}"/>
+                  </a:ext>
+                </a:extLst>
+              </p:cNvPr>
+              <p:cNvSpPr txBox="1"/>
+              <p:nvPr/>
+            </p:nvSpPr>
+            <p:spPr>
+              <a:xfrm>
+                <a:off x="-813576" y="5010730"/>
+                <a:ext cx="1345112" cy="369332"/>
+              </a:xfrm>
+              <a:prstGeom prst="rect">
+                <a:avLst/>
+              </a:prstGeom>
+              <a:noFill/>
+            </p:spPr>
+            <p:txBody>
+              <a:bodyPr wrap="none" rtlCol="0">
+                <a:spAutoFit/>
+              </a:bodyPr>
+              <a:lstStyle/>
+              <a:p>
+                <a:r>
+                  <a:rPr lang="en-US" altLang="zh-CN" dirty="0" err="1"/>
+                  <a:t>ALUFun</a:t>
+                </a:r>
+                <a:r>
+                  <a:rPr lang="en-US" altLang="zh-CN" dirty="0"/>
+                  <a:t>[1:0]</a:t>
+                </a:r>
+                <a:endParaRPr lang="zh-CN" altLang="en-US" dirty="0"/>
+              </a:p>
+            </p:txBody>
+          </p:sp>
+          <p:cxnSp>
+            <p:nvCxnSpPr>
+              <p:cNvPr id="41" name="直接箭头连接符 40">
+                <a:extLst>
+                  <a:ext uri="{FF2B5EF4-FFF2-40B4-BE49-F238E27FC236}">
+                    <a16:creationId xmlns:a16="http://schemas.microsoft.com/office/drawing/2014/main" id="{AB36B67E-57E1-4E4D-B70F-EC24B8C0264B}"/>
+                  </a:ext>
+                </a:extLst>
+              </p:cNvPr>
+              <p:cNvCxnSpPr>
+                <a:cxnSpLocks/>
+              </p:cNvCxnSpPr>
+              <p:nvPr/>
+            </p:nvCxnSpPr>
+            <p:spPr>
+              <a:xfrm>
+                <a:off x="2843808" y="-164554"/>
+                <a:ext cx="504056" cy="0"/>
+              </a:xfrm>
+              <a:prstGeom prst="straightConnector1">
+                <a:avLst/>
+              </a:prstGeom>
+              <a:ln>
+                <a:tailEnd type="triangle"/>
+              </a:ln>
+            </p:spPr>
+            <p:style>
+              <a:lnRef idx="1">
+                <a:schemeClr val="accent1"/>
+              </a:lnRef>
+              <a:fillRef idx="0">
+                <a:schemeClr val="accent1"/>
+              </a:fillRef>
+              <a:effectRef idx="0">
+                <a:schemeClr val="accent1"/>
+              </a:effectRef>
+              <a:fontRef idx="minor">
+                <a:schemeClr val="tx1"/>
+              </a:fontRef>
+            </p:style>
+          </p:cxnSp>
+          <p:cxnSp>
+            <p:nvCxnSpPr>
+              <p:cNvPr id="42" name="直接箭头连接符 41">
+                <a:extLst>
+                  <a:ext uri="{FF2B5EF4-FFF2-40B4-BE49-F238E27FC236}">
+                    <a16:creationId xmlns:a16="http://schemas.microsoft.com/office/drawing/2014/main" id="{6025A65C-EA91-4343-A735-D04FC8865E8F}"/>
+                  </a:ext>
+                </a:extLst>
+              </p:cNvPr>
+              <p:cNvCxnSpPr>
+                <a:cxnSpLocks/>
+              </p:cNvCxnSpPr>
+              <p:nvPr/>
+            </p:nvCxnSpPr>
+            <p:spPr>
+              <a:xfrm>
+                <a:off x="2843808" y="51470"/>
+                <a:ext cx="504056" cy="0"/>
+              </a:xfrm>
+              <a:prstGeom prst="straightConnector1">
+                <a:avLst/>
+              </a:prstGeom>
+              <a:ln>
+                <a:tailEnd type="triangle"/>
+              </a:ln>
+            </p:spPr>
+            <p:style>
+              <a:lnRef idx="1">
+                <a:schemeClr val="accent1"/>
+              </a:lnRef>
+              <a:fillRef idx="0">
+                <a:schemeClr val="accent1"/>
+              </a:fillRef>
+              <a:effectRef idx="0">
+                <a:schemeClr val="accent1"/>
+              </a:effectRef>
+              <a:fontRef idx="minor">
+                <a:schemeClr val="tx1"/>
+              </a:fontRef>
+            </p:style>
+          </p:cxnSp>
+          <p:cxnSp>
+            <p:nvCxnSpPr>
+              <p:cNvPr id="43" name="直接箭头连接符 42">
+                <a:extLst>
+                  <a:ext uri="{FF2B5EF4-FFF2-40B4-BE49-F238E27FC236}">
+                    <a16:creationId xmlns:a16="http://schemas.microsoft.com/office/drawing/2014/main" id="{580D2057-E6FB-425E-9C3A-C73F6FBBD2FF}"/>
+                  </a:ext>
+                </a:extLst>
+              </p:cNvPr>
+              <p:cNvCxnSpPr>
+                <a:cxnSpLocks/>
+              </p:cNvCxnSpPr>
+              <p:nvPr/>
+            </p:nvCxnSpPr>
+            <p:spPr>
+              <a:xfrm>
+                <a:off x="2843808" y="267494"/>
+                <a:ext cx="504056" cy="0"/>
+              </a:xfrm>
+              <a:prstGeom prst="straightConnector1">
+                <a:avLst/>
+              </a:prstGeom>
+              <a:ln>
+                <a:tailEnd type="triangle"/>
+              </a:ln>
+            </p:spPr>
+            <p:style>
+              <a:lnRef idx="1">
+                <a:schemeClr val="accent1"/>
+              </a:lnRef>
+              <a:fillRef idx="0">
+                <a:schemeClr val="accent1"/>
+              </a:fillRef>
+              <a:effectRef idx="0">
+                <a:schemeClr val="accent1"/>
+              </a:effectRef>
+              <a:fontRef idx="minor">
+                <a:schemeClr val="tx1"/>
+              </a:fontRef>
+            </p:style>
+          </p:cxnSp>
+          <p:sp>
+            <p:nvSpPr>
+              <p:cNvPr id="44" name="文本框 43">
+                <a:extLst>
+                  <a:ext uri="{FF2B5EF4-FFF2-40B4-BE49-F238E27FC236}">
+                    <a16:creationId xmlns:a16="http://schemas.microsoft.com/office/drawing/2014/main" id="{3E3F42EC-741F-4047-B0A1-1333096EA918}"/>
+                  </a:ext>
+                </a:extLst>
+              </p:cNvPr>
+              <p:cNvSpPr txBox="1"/>
+              <p:nvPr/>
+            </p:nvSpPr>
+            <p:spPr>
+              <a:xfrm>
+                <a:off x="3491880" y="-380578"/>
+                <a:ext cx="292068" cy="369332"/>
+              </a:xfrm>
+              <a:prstGeom prst="rect">
+                <a:avLst/>
+              </a:prstGeom>
+              <a:noFill/>
+            </p:spPr>
+            <p:txBody>
+              <a:bodyPr wrap="none" rtlCol="0">
+                <a:spAutoFit/>
+              </a:bodyPr>
+              <a:lstStyle/>
+              <a:p>
+                <a:r>
+                  <a:rPr lang="en-US" altLang="zh-CN" dirty="0"/>
+                  <a:t>Z</a:t>
+                </a:r>
+                <a:endParaRPr lang="zh-CN" altLang="en-US" dirty="0"/>
+              </a:p>
+            </p:txBody>
+          </p:sp>
+          <p:sp>
+            <p:nvSpPr>
+              <p:cNvPr id="45" name="文本框 44">
+                <a:extLst>
+                  <a:ext uri="{FF2B5EF4-FFF2-40B4-BE49-F238E27FC236}">
+                    <a16:creationId xmlns:a16="http://schemas.microsoft.com/office/drawing/2014/main" id="{15348C63-FFCF-4B93-81D3-1A3A6F17C07F}"/>
+                  </a:ext>
+                </a:extLst>
+              </p:cNvPr>
+              <p:cNvSpPr txBox="1"/>
+              <p:nvPr/>
+            </p:nvSpPr>
+            <p:spPr>
+              <a:xfrm>
+                <a:off x="3491880" y="-116283"/>
+                <a:ext cx="316112" cy="369332"/>
+              </a:xfrm>
+              <a:prstGeom prst="rect">
+                <a:avLst/>
+              </a:prstGeom>
+              <a:noFill/>
+            </p:spPr>
+            <p:txBody>
+              <a:bodyPr wrap="none" rtlCol="0">
+                <a:spAutoFit/>
+              </a:bodyPr>
+              <a:lstStyle/>
+              <a:p>
+                <a:r>
+                  <a:rPr lang="en-US" altLang="zh-CN" dirty="0"/>
+                  <a:t>V</a:t>
+                </a:r>
+                <a:endParaRPr lang="zh-CN" altLang="en-US" dirty="0"/>
+              </a:p>
+            </p:txBody>
+          </p:sp>
+          <p:sp>
+            <p:nvSpPr>
+              <p:cNvPr id="46" name="文本框 45">
+                <a:extLst>
+                  <a:ext uri="{FF2B5EF4-FFF2-40B4-BE49-F238E27FC236}">
+                    <a16:creationId xmlns:a16="http://schemas.microsoft.com/office/drawing/2014/main" id="{27F7FD0A-1E77-43F7-9C78-19B712BED89F}"/>
+                  </a:ext>
+                </a:extLst>
+              </p:cNvPr>
+              <p:cNvSpPr txBox="1"/>
+              <p:nvPr/>
+            </p:nvSpPr>
+            <p:spPr>
+              <a:xfrm>
+                <a:off x="3491880" y="123478"/>
+                <a:ext cx="333746" cy="369332"/>
+              </a:xfrm>
+              <a:prstGeom prst="rect">
+                <a:avLst/>
+              </a:prstGeom>
+              <a:noFill/>
+            </p:spPr>
+            <p:txBody>
+              <a:bodyPr wrap="none" rtlCol="0">
+                <a:spAutoFit/>
+              </a:bodyPr>
+              <a:lstStyle/>
+              <a:p>
+                <a:r>
+                  <a:rPr lang="en-US" altLang="zh-CN" dirty="0"/>
+                  <a:t>N</a:t>
+                </a:r>
+                <a:endParaRPr lang="zh-CN" altLang="en-US" dirty="0"/>
+              </a:p>
+            </p:txBody>
+          </p:sp>
+          <p:cxnSp>
+            <p:nvCxnSpPr>
+              <p:cNvPr id="47" name="直接连接符 46">
+                <a:extLst>
+                  <a:ext uri="{FF2B5EF4-FFF2-40B4-BE49-F238E27FC236}">
+                    <a16:creationId xmlns:a16="http://schemas.microsoft.com/office/drawing/2014/main" id="{C8E91577-5130-470F-BCCC-CB55880C0D0E}"/>
+                  </a:ext>
+                </a:extLst>
+              </p:cNvPr>
+              <p:cNvCxnSpPr>
+                <a:cxnSpLocks/>
+              </p:cNvCxnSpPr>
+              <p:nvPr/>
+            </p:nvCxnSpPr>
+            <p:spPr>
+              <a:xfrm>
+                <a:off x="2843808" y="627532"/>
+                <a:ext cx="3456385" cy="2"/>
+              </a:xfrm>
+              <a:prstGeom prst="line">
+                <a:avLst/>
+              </a:prstGeom>
+            </p:spPr>
+            <p:style>
+              <a:lnRef idx="1">
+                <a:schemeClr val="accent1"/>
+              </a:lnRef>
+              <a:fillRef idx="0">
+                <a:schemeClr val="accent1"/>
+              </a:fillRef>
+              <a:effectRef idx="0">
+                <a:schemeClr val="accent1"/>
+              </a:effectRef>
+              <a:fontRef idx="minor">
+                <a:schemeClr val="tx1"/>
+              </a:fontRef>
+            </p:style>
+          </p:cxnSp>
+          <p:sp>
+            <p:nvSpPr>
+              <p:cNvPr id="13" name="梯形 12">
+                <a:extLst>
+                  <a:ext uri="{FF2B5EF4-FFF2-40B4-BE49-F238E27FC236}">
+                    <a16:creationId xmlns:a16="http://schemas.microsoft.com/office/drawing/2014/main" id="{C57B3A4E-B543-4DBF-AD4E-2A059F2E44AB}"/>
+                  </a:ext>
+                </a:extLst>
+              </p:cNvPr>
+              <p:cNvSpPr/>
+              <p:nvPr/>
+            </p:nvSpPr>
+            <p:spPr>
+              <a:xfrm rot="5400000">
+                <a:off x="3967824" y="2321125"/>
+                <a:ext cx="5391300" cy="726560"/>
+              </a:xfrm>
+              <a:prstGeom prst="trapezoid">
+                <a:avLst>
+                  <a:gd name="adj" fmla="val 103233"/>
+                </a:avLst>
+              </a:prstGeom>
+              <a:noFill/>
+              <a:ln w="12700">
+                <a:solidFill>
+                  <a:schemeClr val="tx1"/>
+                </a:solidFill>
+              </a:ln>
+            </p:spPr>
+            <p:style>
+              <a:lnRef idx="2">
+                <a:schemeClr val="accent1">
+                  <a:shade val="50000"/>
+                </a:schemeClr>
+              </a:lnRef>
+              <a:fillRef idx="1">
+                <a:schemeClr val="accent1"/>
+              </a:fillRef>
+              <a:effectRef idx="0">
+                <a:schemeClr val="accent1"/>
+              </a:effectRef>
+              <a:fontRef idx="minor">
+                <a:schemeClr val="lt1"/>
+              </a:fontRef>
+            </p:style>
+            <p:txBody>
+              <a:bodyPr rtlCol="0" anchor="ctr"/>
+              <a:lstStyle/>
+              <a:p>
+                <a:pPr algn="ctr"/>
+                <a:endParaRPr lang="zh-CN" altLang="en-US"/>
+              </a:p>
+            </p:txBody>
+          </p:sp>
+          <p:cxnSp>
+            <p:nvCxnSpPr>
+              <p:cNvPr id="49" name="直接连接符 48">
+                <a:extLst>
+                  <a:ext uri="{FF2B5EF4-FFF2-40B4-BE49-F238E27FC236}">
+                    <a16:creationId xmlns:a16="http://schemas.microsoft.com/office/drawing/2014/main" id="{AC8C68E6-DF13-485B-A4DE-A6526CB716FE}"/>
+                  </a:ext>
+                </a:extLst>
+              </p:cNvPr>
+              <p:cNvCxnSpPr>
+                <a:cxnSpLocks/>
+              </p:cNvCxnSpPr>
+              <p:nvPr/>
+            </p:nvCxnSpPr>
+            <p:spPr>
+              <a:xfrm>
+                <a:off x="2836009" y="1753602"/>
+                <a:ext cx="3456385" cy="2"/>
+              </a:xfrm>
+              <a:prstGeom prst="line">
+                <a:avLst/>
+              </a:prstGeom>
+            </p:spPr>
+            <p:style>
+              <a:lnRef idx="1">
+                <a:schemeClr val="accent1"/>
+              </a:lnRef>
+              <a:fillRef idx="0">
+                <a:schemeClr val="accent1"/>
+              </a:fillRef>
+              <a:effectRef idx="0">
+                <a:schemeClr val="accent1"/>
+              </a:effectRef>
+              <a:fontRef idx="minor">
+                <a:schemeClr val="tx1"/>
+              </a:fontRef>
+            </p:style>
+          </p:cxnSp>
+          <p:cxnSp>
+            <p:nvCxnSpPr>
+              <p:cNvPr id="50" name="直接连接符 49">
+                <a:extLst>
+                  <a:ext uri="{FF2B5EF4-FFF2-40B4-BE49-F238E27FC236}">
+                    <a16:creationId xmlns:a16="http://schemas.microsoft.com/office/drawing/2014/main" id="{79EF0FF0-F5EC-474C-AB8A-7EA3CAE4CBF9}"/>
+                  </a:ext>
+                </a:extLst>
+              </p:cNvPr>
+              <p:cNvCxnSpPr>
+                <a:cxnSpLocks/>
+              </p:cNvCxnSpPr>
+              <p:nvPr/>
+            </p:nvCxnSpPr>
+            <p:spPr>
+              <a:xfrm>
+                <a:off x="2836008" y="3319212"/>
+                <a:ext cx="3456385" cy="2"/>
+              </a:xfrm>
+              <a:prstGeom prst="line">
+                <a:avLst/>
+              </a:prstGeom>
+            </p:spPr>
+            <p:style>
+              <a:lnRef idx="1">
+                <a:schemeClr val="accent1"/>
+              </a:lnRef>
+              <a:fillRef idx="0">
+                <a:schemeClr val="accent1"/>
+              </a:fillRef>
+              <a:effectRef idx="0">
+                <a:schemeClr val="accent1"/>
+              </a:effectRef>
+              <a:fontRef idx="minor">
+                <a:schemeClr val="tx1"/>
+              </a:fontRef>
+            </p:style>
+          </p:cxnSp>
+          <p:cxnSp>
+            <p:nvCxnSpPr>
+              <p:cNvPr id="51" name="直接连接符 50">
+                <a:extLst>
+                  <a:ext uri="{FF2B5EF4-FFF2-40B4-BE49-F238E27FC236}">
+                    <a16:creationId xmlns:a16="http://schemas.microsoft.com/office/drawing/2014/main" id="{8E8337F4-AA88-4C92-B916-0275F26C33C3}"/>
+                  </a:ext>
+                </a:extLst>
+              </p:cNvPr>
+              <p:cNvCxnSpPr>
+                <a:cxnSpLocks/>
+              </p:cNvCxnSpPr>
+              <p:nvPr/>
+            </p:nvCxnSpPr>
+            <p:spPr>
+              <a:xfrm>
+                <a:off x="2833767" y="4831380"/>
+                <a:ext cx="3456385" cy="2"/>
+              </a:xfrm>
+              <a:prstGeom prst="line">
+                <a:avLst/>
+              </a:prstGeom>
+            </p:spPr>
+            <p:style>
+              <a:lnRef idx="1">
+                <a:schemeClr val="accent1"/>
+              </a:lnRef>
+              <a:fillRef idx="0">
+                <a:schemeClr val="accent1"/>
+              </a:fillRef>
+              <a:effectRef idx="0">
+                <a:schemeClr val="accent1"/>
+              </a:effectRef>
+              <a:fontRef idx="minor">
+                <a:schemeClr val="tx1"/>
+              </a:fontRef>
+            </p:style>
+          </p:cxnSp>
+          <p:sp>
+            <p:nvSpPr>
+              <p:cNvPr id="52" name="文本框 51">
+                <a:extLst>
+                  <a:ext uri="{FF2B5EF4-FFF2-40B4-BE49-F238E27FC236}">
+                    <a16:creationId xmlns:a16="http://schemas.microsoft.com/office/drawing/2014/main" id="{EE2D4943-B34C-4FC4-84A7-26E668FB2753}"/>
+                  </a:ext>
+                </a:extLst>
+              </p:cNvPr>
+              <p:cNvSpPr txBox="1"/>
+              <p:nvPr/>
+            </p:nvSpPr>
+            <p:spPr>
+              <a:xfrm>
+                <a:off x="6320659" y="492810"/>
+                <a:ext cx="418704" cy="369332"/>
+              </a:xfrm>
+              <a:prstGeom prst="rect">
+                <a:avLst/>
+              </a:prstGeom>
+              <a:noFill/>
+            </p:spPr>
+            <p:txBody>
+              <a:bodyPr wrap="none" rtlCol="0">
+                <a:spAutoFit/>
+              </a:bodyPr>
+              <a:lstStyle/>
+              <a:p>
+                <a:r>
+                  <a:rPr lang="en-US" altLang="zh-CN" dirty="0"/>
+                  <a:t>00</a:t>
+                </a:r>
+                <a:endParaRPr lang="zh-CN" altLang="en-US" dirty="0"/>
+              </a:p>
+            </p:txBody>
+          </p:sp>
+          <p:sp>
+            <p:nvSpPr>
+              <p:cNvPr id="53" name="文本框 52">
+                <a:extLst>
+                  <a:ext uri="{FF2B5EF4-FFF2-40B4-BE49-F238E27FC236}">
+                    <a16:creationId xmlns:a16="http://schemas.microsoft.com/office/drawing/2014/main" id="{83D78315-C4A7-42AF-BC72-05DA92595733}"/>
+                  </a:ext>
+                </a:extLst>
+              </p:cNvPr>
+              <p:cNvSpPr txBox="1"/>
+              <p:nvPr/>
+            </p:nvSpPr>
+            <p:spPr>
+              <a:xfrm>
+                <a:off x="6331781" y="1568936"/>
+                <a:ext cx="418704" cy="369332"/>
+              </a:xfrm>
+              <a:prstGeom prst="rect">
+                <a:avLst/>
+              </a:prstGeom>
+              <a:noFill/>
+            </p:spPr>
+            <p:txBody>
+              <a:bodyPr wrap="none" rtlCol="0">
+                <a:spAutoFit/>
+              </a:bodyPr>
+              <a:lstStyle/>
+              <a:p>
+                <a:r>
+                  <a:rPr lang="en-US" altLang="zh-CN" dirty="0"/>
+                  <a:t>11</a:t>
+                </a:r>
+                <a:endParaRPr lang="zh-CN" altLang="en-US" dirty="0"/>
+              </a:p>
+            </p:txBody>
+          </p:sp>
+          <p:sp>
+            <p:nvSpPr>
+              <p:cNvPr id="54" name="文本框 53">
+                <a:extLst>
+                  <a:ext uri="{FF2B5EF4-FFF2-40B4-BE49-F238E27FC236}">
+                    <a16:creationId xmlns:a16="http://schemas.microsoft.com/office/drawing/2014/main" id="{B63BA0D2-59BD-4CA8-9E45-5997EBC2FE06}"/>
+                  </a:ext>
+                </a:extLst>
+              </p:cNvPr>
+              <p:cNvSpPr txBox="1"/>
+              <p:nvPr/>
+            </p:nvSpPr>
+            <p:spPr>
+              <a:xfrm>
+                <a:off x="6336712" y="3092699"/>
+                <a:ext cx="418704" cy="369332"/>
+              </a:xfrm>
+              <a:prstGeom prst="rect">
+                <a:avLst/>
+              </a:prstGeom>
+              <a:noFill/>
+            </p:spPr>
+            <p:txBody>
+              <a:bodyPr wrap="none" rtlCol="0">
+                <a:spAutoFit/>
+              </a:bodyPr>
+              <a:lstStyle/>
+              <a:p>
+                <a:r>
+                  <a:rPr lang="en-US" altLang="zh-CN" dirty="0"/>
+                  <a:t>01</a:t>
+                </a:r>
+                <a:endParaRPr lang="zh-CN" altLang="en-US" dirty="0"/>
+              </a:p>
+            </p:txBody>
+          </p:sp>
+          <p:sp>
+            <p:nvSpPr>
+              <p:cNvPr id="55" name="文本框 54">
+                <a:extLst>
+                  <a:ext uri="{FF2B5EF4-FFF2-40B4-BE49-F238E27FC236}">
+                    <a16:creationId xmlns:a16="http://schemas.microsoft.com/office/drawing/2014/main" id="{68BA54A8-03D9-4EA7-9DCC-ECFD21C299AC}"/>
+                  </a:ext>
+                </a:extLst>
+              </p:cNvPr>
+              <p:cNvSpPr txBox="1"/>
+              <p:nvPr/>
+            </p:nvSpPr>
+            <p:spPr>
+              <a:xfrm>
+                <a:off x="6344980" y="4616462"/>
+                <a:ext cx="418704" cy="369332"/>
+              </a:xfrm>
+              <a:prstGeom prst="rect">
+                <a:avLst/>
+              </a:prstGeom>
+              <a:noFill/>
+            </p:spPr>
+            <p:txBody>
+              <a:bodyPr wrap="none" rtlCol="0">
+                <a:spAutoFit/>
+              </a:bodyPr>
+              <a:lstStyle/>
+              <a:p>
+                <a:r>
+                  <a:rPr lang="en-US" altLang="zh-CN" dirty="0"/>
+                  <a:t>10</a:t>
+                </a:r>
+                <a:endParaRPr lang="zh-CN" altLang="en-US" dirty="0"/>
+              </a:p>
+            </p:txBody>
+          </p:sp>
+          <p:cxnSp>
+            <p:nvCxnSpPr>
+              <p:cNvPr id="60" name="连接符: 肘形 59">
+                <a:extLst>
+                  <a:ext uri="{FF2B5EF4-FFF2-40B4-BE49-F238E27FC236}">
+                    <a16:creationId xmlns:a16="http://schemas.microsoft.com/office/drawing/2014/main" id="{BB8E6B5C-6695-432D-ADD3-DF42E3114C3A}"/>
+                  </a:ext>
+                </a:extLst>
+              </p:cNvPr>
+              <p:cNvCxnSpPr>
+                <a:cxnSpLocks/>
+                <a:endCxn id="13" idx="3"/>
+              </p:cNvCxnSpPr>
+              <p:nvPr/>
+            </p:nvCxnSpPr>
+            <p:spPr>
+              <a:xfrm flipV="1">
+                <a:off x="528784" y="5005030"/>
+                <a:ext cx="6134690" cy="891610"/>
+              </a:xfrm>
+              <a:prstGeom prst="bentConnector2">
+                <a:avLst/>
+              </a:prstGeom>
+            </p:spPr>
+            <p:style>
+              <a:lnRef idx="1">
+                <a:schemeClr val="accent1"/>
+              </a:lnRef>
+              <a:fillRef idx="0">
+                <a:schemeClr val="accent1"/>
+              </a:fillRef>
+              <a:effectRef idx="0">
+                <a:schemeClr val="accent1"/>
+              </a:effectRef>
+              <a:fontRef idx="minor">
+                <a:schemeClr val="tx1"/>
+              </a:fontRef>
+            </p:style>
+          </p:cxnSp>
+          <p:sp>
+            <p:nvSpPr>
+              <p:cNvPr id="67" name="文本框 66">
+                <a:extLst>
+                  <a:ext uri="{FF2B5EF4-FFF2-40B4-BE49-F238E27FC236}">
+                    <a16:creationId xmlns:a16="http://schemas.microsoft.com/office/drawing/2014/main" id="{BB8063EC-F1BC-4637-B264-6F1B9E75993A}"/>
+                  </a:ext>
+                </a:extLst>
+              </p:cNvPr>
+              <p:cNvSpPr txBox="1"/>
+              <p:nvPr/>
+            </p:nvSpPr>
+            <p:spPr>
+              <a:xfrm>
+                <a:off x="-816328" y="5700024"/>
+                <a:ext cx="1345112" cy="369332"/>
+              </a:xfrm>
+              <a:prstGeom prst="rect">
+                <a:avLst/>
+              </a:prstGeom>
+              <a:noFill/>
+            </p:spPr>
+            <p:txBody>
+              <a:bodyPr wrap="none" rtlCol="0">
+                <a:spAutoFit/>
+              </a:bodyPr>
+              <a:lstStyle/>
+              <a:p>
+                <a:r>
+                  <a:rPr lang="en-US" altLang="zh-CN" dirty="0" err="1"/>
+                  <a:t>ALUFun</a:t>
+                </a:r>
+                <a:r>
+                  <a:rPr lang="en-US" altLang="zh-CN" dirty="0"/>
+                  <a:t>[5:4]</a:t>
+                </a:r>
+                <a:endParaRPr lang="zh-CN" altLang="en-US" dirty="0"/>
+              </a:p>
+            </p:txBody>
+          </p:sp>
+          <p:sp>
+            <p:nvSpPr>
+              <p:cNvPr id="68" name="文本框 67">
+                <a:extLst>
+                  <a:ext uri="{FF2B5EF4-FFF2-40B4-BE49-F238E27FC236}">
+                    <a16:creationId xmlns:a16="http://schemas.microsoft.com/office/drawing/2014/main" id="{AC09B932-E22C-4E72-B77A-A976FDE65317}"/>
+                  </a:ext>
+                </a:extLst>
+              </p:cNvPr>
+              <p:cNvSpPr txBox="1"/>
+              <p:nvPr/>
+            </p:nvSpPr>
+            <p:spPr>
+              <a:xfrm>
+                <a:off x="7026754" y="-997292"/>
+                <a:ext cx="932948" cy="646331"/>
+              </a:xfrm>
+              <a:prstGeom prst="rect">
+                <a:avLst/>
+              </a:prstGeom>
+              <a:noFill/>
+            </p:spPr>
+            <p:txBody>
+              <a:bodyPr wrap="none" rtlCol="0">
+                <a:spAutoFit/>
+              </a:bodyPr>
+              <a:lstStyle/>
+              <a:p>
+                <a:r>
+                  <a:rPr lang="en-US" altLang="zh-CN" sz="3600" dirty="0"/>
+                  <a:t>ALU</a:t>
+                </a:r>
+                <a:endParaRPr lang="zh-CN" altLang="en-US" sz="3600" dirty="0"/>
+              </a:p>
+            </p:txBody>
+          </p:sp>
+          <p:cxnSp>
+            <p:nvCxnSpPr>
+              <p:cNvPr id="70" name="直接箭头连接符 69">
+                <a:extLst>
+                  <a:ext uri="{FF2B5EF4-FFF2-40B4-BE49-F238E27FC236}">
+                    <a16:creationId xmlns:a16="http://schemas.microsoft.com/office/drawing/2014/main" id="{CCF042C1-80FB-4CDB-B481-07B0B2C74164}"/>
+                  </a:ext>
+                </a:extLst>
+              </p:cNvPr>
+              <p:cNvCxnSpPr>
+                <a:stCxn id="13" idx="0"/>
+              </p:cNvCxnSpPr>
+              <p:nvPr/>
+            </p:nvCxnSpPr>
+            <p:spPr>
+              <a:xfrm>
+                <a:off x="7026754" y="2684405"/>
+                <a:ext cx="932948" cy="0"/>
+              </a:xfrm>
+              <a:prstGeom prst="straightConnector1">
+                <a:avLst/>
+              </a:prstGeom>
+              <a:ln>
+                <a:tailEnd type="triangle"/>
+              </a:ln>
+            </p:spPr>
+            <p:style>
+              <a:lnRef idx="1">
+                <a:schemeClr val="accent1"/>
+              </a:lnRef>
+              <a:fillRef idx="0">
+                <a:schemeClr val="accent1"/>
+              </a:fillRef>
+              <a:effectRef idx="0">
+                <a:schemeClr val="accent1"/>
+              </a:effectRef>
+              <a:fontRef idx="minor">
+                <a:schemeClr val="tx1"/>
+              </a:fontRef>
+            </p:style>
+          </p:cxnSp>
+          <p:sp>
+            <p:nvSpPr>
+              <p:cNvPr id="71" name="文本框 70">
+                <a:extLst>
+                  <a:ext uri="{FF2B5EF4-FFF2-40B4-BE49-F238E27FC236}">
+                    <a16:creationId xmlns:a16="http://schemas.microsoft.com/office/drawing/2014/main" id="{67F82190-CA10-4C9D-80DF-C457546F9307}"/>
+                  </a:ext>
+                </a:extLst>
+              </p:cNvPr>
+              <p:cNvSpPr txBox="1"/>
+              <p:nvPr/>
+            </p:nvSpPr>
+            <p:spPr>
+              <a:xfrm>
+                <a:off x="7026754" y="2202418"/>
+                <a:ext cx="845103" cy="369332"/>
+              </a:xfrm>
+              <a:prstGeom prst="rect">
+                <a:avLst/>
+              </a:prstGeom>
+              <a:noFill/>
+            </p:spPr>
+            <p:txBody>
+              <a:bodyPr wrap="none" rtlCol="0">
+                <a:spAutoFit/>
+              </a:bodyPr>
+              <a:lstStyle/>
+              <a:p>
+                <a:r>
+                  <a:rPr lang="en-US" altLang="zh-CN" dirty="0"/>
+                  <a:t>S[31:0]</a:t>
+                </a:r>
+                <a:endParaRPr lang="zh-CN" altLang="en-US" dirty="0"/>
+              </a:p>
+            </p:txBody>
+          </p:sp>
+        </p:grpSp>
+        <p:sp>
+          <p:nvSpPr>
+            <p:cNvPr id="74" name="文本框 73">
+              <a:extLst>
+                <a:ext uri="{FF2B5EF4-FFF2-40B4-BE49-F238E27FC236}">
+                  <a16:creationId xmlns:a16="http://schemas.microsoft.com/office/drawing/2014/main" id="{6BF29B4C-EC28-4454-90D9-8521309582BA}"/>
+                </a:ext>
+              </a:extLst>
+            </p:cNvPr>
+            <p:cNvSpPr txBox="1"/>
+            <p:nvPr/>
+          </p:nvSpPr>
+          <p:spPr>
+            <a:xfrm>
+              <a:off x="4164272" y="286875"/>
+              <a:ext cx="1330814" cy="369332"/>
+            </a:xfrm>
+            <a:prstGeom prst="rect">
+              <a:avLst/>
+            </a:prstGeom>
+            <a:noFill/>
+          </p:spPr>
+          <p:txBody>
+            <a:bodyPr wrap="none" rtlCol="0">
+              <a:spAutoFit/>
+            </a:bodyPr>
+            <a:lstStyle/>
+            <a:p>
+              <a:r>
+                <a:rPr lang="en-US" altLang="zh-CN" dirty="0"/>
+                <a:t>added[31:0]</a:t>
+              </a:r>
+              <a:endParaRPr lang="zh-CN" altLang="en-US" dirty="0"/>
+            </a:p>
+          </p:txBody>
+        </p:sp>
+        <p:sp>
+          <p:nvSpPr>
+            <p:cNvPr id="75" name="文本框 74">
+              <a:extLst>
+                <a:ext uri="{FF2B5EF4-FFF2-40B4-BE49-F238E27FC236}">
+                  <a16:creationId xmlns:a16="http://schemas.microsoft.com/office/drawing/2014/main" id="{AB6E897F-18F3-40D4-A047-058632B4FE1B}"/>
+                </a:ext>
+              </a:extLst>
+            </p:cNvPr>
+            <p:cNvSpPr txBox="1"/>
+            <p:nvPr/>
+          </p:nvSpPr>
+          <p:spPr>
+            <a:xfrm>
+              <a:off x="4164272" y="1476658"/>
+              <a:ext cx="1566326" cy="369332"/>
+            </a:xfrm>
+            <a:prstGeom prst="rect">
+              <a:avLst/>
+            </a:prstGeom>
+            <a:noFill/>
+          </p:spPr>
+          <p:txBody>
+            <a:bodyPr wrap="none" rtlCol="0">
+              <a:spAutoFit/>
+            </a:bodyPr>
+            <a:lstStyle/>
+            <a:p>
+              <a:r>
+                <a:rPr lang="en-US" altLang="zh-CN" dirty="0"/>
+                <a:t>compare[31:0]</a:t>
+              </a:r>
+              <a:endParaRPr lang="zh-CN" altLang="en-US" dirty="0"/>
+            </a:p>
+          </p:txBody>
+        </p:sp>
+        <p:sp>
+          <p:nvSpPr>
+            <p:cNvPr id="76" name="文本框 75">
+              <a:extLst>
+                <a:ext uri="{FF2B5EF4-FFF2-40B4-BE49-F238E27FC236}">
+                  <a16:creationId xmlns:a16="http://schemas.microsoft.com/office/drawing/2014/main" id="{65280C14-62EB-4505-AABD-6634FF273A06}"/>
+                </a:ext>
+              </a:extLst>
+            </p:cNvPr>
+            <p:cNvSpPr txBox="1"/>
+            <p:nvPr/>
+          </p:nvSpPr>
+          <p:spPr>
+            <a:xfrm>
+              <a:off x="4221445" y="3047028"/>
+              <a:ext cx="1173719" cy="369332"/>
+            </a:xfrm>
+            <a:prstGeom prst="rect">
+              <a:avLst/>
+            </a:prstGeom>
+            <a:noFill/>
+          </p:spPr>
+          <p:txBody>
+            <a:bodyPr wrap="none" rtlCol="0">
+              <a:spAutoFit/>
+            </a:bodyPr>
+            <a:lstStyle/>
+            <a:p>
+              <a:r>
+                <a:rPr lang="en-US" altLang="zh-CN" dirty="0"/>
+                <a:t>logic[31:0]</a:t>
+              </a:r>
+              <a:endParaRPr lang="zh-CN" altLang="en-US" dirty="0"/>
+            </a:p>
+          </p:txBody>
+        </p:sp>
+        <p:sp>
+          <p:nvSpPr>
+            <p:cNvPr id="77" name="文本框 76">
+              <a:extLst>
+                <a:ext uri="{FF2B5EF4-FFF2-40B4-BE49-F238E27FC236}">
+                  <a16:creationId xmlns:a16="http://schemas.microsoft.com/office/drawing/2014/main" id="{EC238052-CAAF-42F7-98EF-8184FA1595A9}"/>
+                </a:ext>
+              </a:extLst>
+            </p:cNvPr>
+            <p:cNvSpPr txBox="1"/>
+            <p:nvPr/>
+          </p:nvSpPr>
+          <p:spPr>
+            <a:xfrm>
+              <a:off x="4250300" y="4590027"/>
+              <a:ext cx="1151277" cy="369332"/>
+            </a:xfrm>
+            <a:prstGeom prst="rect">
+              <a:avLst/>
+            </a:prstGeom>
+            <a:noFill/>
+          </p:spPr>
+          <p:txBody>
+            <a:bodyPr wrap="none" rtlCol="0">
+              <a:spAutoFit/>
+            </a:bodyPr>
+            <a:lstStyle/>
+            <a:p>
+              <a:r>
+                <a:rPr lang="en-US" altLang="zh-CN" dirty="0"/>
+                <a:t>shift[31:0]</a:t>
+              </a:r>
+              <a:endParaRPr lang="zh-CN" altLang="en-US" dirty="0"/>
+            </a:p>
+          </p:txBody>
+        </p:sp>
+      </p:grpSp>
+    </p:spTree>
+    <p:extLst>
+      <p:ext uri="{BB962C8B-B14F-4D97-AF65-F5344CB8AC3E}">
+        <p14:creationId xmlns:p14="http://schemas.microsoft.com/office/powerpoint/2010/main" val="3384900271"/>
       </p:ext>
     </p:extLst>
   </p:cSld>

--- a/report/单周期datapath.pptx
+++ b/report/单周期datapath.pptx
@@ -107,7 +107,7 @@
   </p:defaultTextStyle>
   <p:extLst>
     <p:ext uri="{EFAFB233-063F-42B5-8137-9DF3F51BA10A}">
-      <p15:sldGuideLst xmlns:p15="http://schemas.microsoft.com/office/powerpoint/2012/main">
+      <p15:sldGuideLst xmlns:p15="http://schemas.microsoft.com/office/powerpoint/2012/main" xmlns="">
         <p15:guide id="1" orient="horz" pos="1620">
           <p15:clr>
             <a:srgbClr val="A4A3A4"/>
@@ -303,7 +303,7 @@
           <a:p>
             <a:fld id="{530820CF-B880-4189-942D-D702A7CBA730}" type="datetimeFigureOut">
               <a:rPr lang="zh-CN" altLang="en-US" smtClean="0"/>
-              <a:t>2018/7/30</a:t>
+              <a:t>2018/7/31</a:t>
             </a:fld>
             <a:endParaRPr lang="zh-CN" altLang="en-US"/>
           </a:p>
@@ -466,7 +466,7 @@
           <a:p>
             <a:fld id="{530820CF-B880-4189-942D-D702A7CBA730}" type="datetimeFigureOut">
               <a:rPr lang="zh-CN" altLang="en-US" smtClean="0"/>
-              <a:t>2018/7/30</a:t>
+              <a:t>2018/7/31</a:t>
             </a:fld>
             <a:endParaRPr lang="zh-CN" altLang="en-US"/>
           </a:p>
@@ -639,7 +639,7 @@
           <a:p>
             <a:fld id="{530820CF-B880-4189-942D-D702A7CBA730}" type="datetimeFigureOut">
               <a:rPr lang="zh-CN" altLang="en-US" smtClean="0"/>
-              <a:t>2018/7/30</a:t>
+              <a:t>2018/7/31</a:t>
             </a:fld>
             <a:endParaRPr lang="zh-CN" altLang="en-US"/>
           </a:p>
@@ -802,7 +802,7 @@
           <a:p>
             <a:fld id="{530820CF-B880-4189-942D-D702A7CBA730}" type="datetimeFigureOut">
               <a:rPr lang="zh-CN" altLang="en-US" smtClean="0"/>
-              <a:t>2018/7/30</a:t>
+              <a:t>2018/7/31</a:t>
             </a:fld>
             <a:endParaRPr lang="zh-CN" altLang="en-US"/>
           </a:p>
@@ -1042,7 +1042,7 @@
           <a:p>
             <a:fld id="{530820CF-B880-4189-942D-D702A7CBA730}" type="datetimeFigureOut">
               <a:rPr lang="zh-CN" altLang="en-US" smtClean="0"/>
-              <a:t>2018/7/30</a:t>
+              <a:t>2018/7/31</a:t>
             </a:fld>
             <a:endParaRPr lang="zh-CN" altLang="en-US"/>
           </a:p>
@@ -1322,7 +1322,7 @@
           <a:p>
             <a:fld id="{530820CF-B880-4189-942D-D702A7CBA730}" type="datetimeFigureOut">
               <a:rPr lang="zh-CN" altLang="en-US" smtClean="0"/>
-              <a:t>2018/7/30</a:t>
+              <a:t>2018/7/31</a:t>
             </a:fld>
             <a:endParaRPr lang="zh-CN" altLang="en-US"/>
           </a:p>
@@ -1736,7 +1736,7 @@
           <a:p>
             <a:fld id="{530820CF-B880-4189-942D-D702A7CBA730}" type="datetimeFigureOut">
               <a:rPr lang="zh-CN" altLang="en-US" smtClean="0"/>
-              <a:t>2018/7/30</a:t>
+              <a:t>2018/7/31</a:t>
             </a:fld>
             <a:endParaRPr lang="zh-CN" altLang="en-US"/>
           </a:p>
@@ -1848,7 +1848,7 @@
           <a:p>
             <a:fld id="{530820CF-B880-4189-942D-D702A7CBA730}" type="datetimeFigureOut">
               <a:rPr lang="zh-CN" altLang="en-US" smtClean="0"/>
-              <a:t>2018/7/30</a:t>
+              <a:t>2018/7/31</a:t>
             </a:fld>
             <a:endParaRPr lang="zh-CN" altLang="en-US"/>
           </a:p>
@@ -1938,7 +1938,7 @@
           <a:p>
             <a:fld id="{530820CF-B880-4189-942D-D702A7CBA730}" type="datetimeFigureOut">
               <a:rPr lang="zh-CN" altLang="en-US" smtClean="0"/>
-              <a:t>2018/7/30</a:t>
+              <a:t>2018/7/31</a:t>
             </a:fld>
             <a:endParaRPr lang="zh-CN" altLang="en-US"/>
           </a:p>
@@ -2208,7 +2208,7 @@
           <a:p>
             <a:fld id="{530820CF-B880-4189-942D-D702A7CBA730}" type="datetimeFigureOut">
               <a:rPr lang="zh-CN" altLang="en-US" smtClean="0"/>
-              <a:t>2018/7/30</a:t>
+              <a:t>2018/7/31</a:t>
             </a:fld>
             <a:endParaRPr lang="zh-CN" altLang="en-US"/>
           </a:p>
@@ -2455,7 +2455,7 @@
           <a:p>
             <a:fld id="{530820CF-B880-4189-942D-D702A7CBA730}" type="datetimeFigureOut">
               <a:rPr lang="zh-CN" altLang="en-US" smtClean="0"/>
-              <a:t>2018/7/30</a:t>
+              <a:t>2018/7/31</a:t>
             </a:fld>
             <a:endParaRPr lang="zh-CN" altLang="en-US"/>
           </a:p>
@@ -2661,7 +2661,7 @@
           <a:p>
             <a:fld id="{530820CF-B880-4189-942D-D702A7CBA730}" type="datetimeFigureOut">
               <a:rPr lang="zh-CN" altLang="en-US" smtClean="0"/>
-              <a:t>2018/7/30</a:t>
+              <a:t>2018/7/31</a:t>
             </a:fld>
             <a:endParaRPr lang="zh-CN" altLang="en-US"/>
           </a:p>
@@ -10521,8 +10521,8 @@
             <a:p>
               <a:pPr algn="ctr"/>
               <a:r>
-                <a:rPr lang="en-US" altLang="zh-CN" sz="800" dirty="0"/>
-                <a:t>0</a:t>
+                <a:rPr lang="en-US" altLang="zh-CN" sz="800" dirty="0" smtClean="0"/>
+                <a:t>1</a:t>
               </a:r>
               <a:endParaRPr lang="zh-CN" altLang="en-US" sz="800" dirty="0"/>
             </a:p>
@@ -10552,8 +10552,8 @@
             <a:p>
               <a:pPr algn="ctr"/>
               <a:r>
-                <a:rPr lang="en-US" altLang="zh-CN" sz="800" dirty="0"/>
-                <a:t>1</a:t>
+                <a:rPr lang="en-US" altLang="zh-CN" sz="800" dirty="0" smtClean="0"/>
+                <a:t>0</a:t>
               </a:r>
               <a:endParaRPr lang="zh-CN" altLang="en-US" sz="800" dirty="0"/>
             </a:p>
@@ -10922,8 +10922,8 @@
             <a:p>
               <a:pPr algn="ctr"/>
               <a:r>
-                <a:rPr lang="en-US" altLang="zh-CN" sz="800" dirty="0"/>
-                <a:t>0</a:t>
+                <a:rPr lang="en-US" altLang="zh-CN" sz="800" dirty="0" smtClean="0"/>
+                <a:t>1</a:t>
               </a:r>
               <a:endParaRPr lang="zh-CN" altLang="en-US" sz="800" dirty="0"/>
             </a:p>
@@ -10954,7 +10954,7 @@
               <a:pPr algn="ctr"/>
               <a:r>
                 <a:rPr lang="en-US" altLang="zh-CN" sz="800" dirty="0"/>
-                <a:t>1</a:t>
+                <a:t>0</a:t>
               </a:r>
               <a:endParaRPr lang="zh-CN" altLang="en-US" sz="800" dirty="0"/>
             </a:p>
@@ -11985,7 +11985,7 @@
           <p:cNvPr id="78" name="组合 77">
             <a:extLst>
               <a:ext uri="{FF2B5EF4-FFF2-40B4-BE49-F238E27FC236}">
-                <a16:creationId xmlns:a16="http://schemas.microsoft.com/office/drawing/2014/main" id="{77FD1A84-DB8D-4FF7-9B0E-2ED3AFC23137}"/>
+                <a16:creationId xmlns:a16="http://schemas.microsoft.com/office/drawing/2014/main" xmlns="" id="{77FD1A84-DB8D-4FF7-9B0E-2ED3AFC23137}"/>
               </a:ext>
             </a:extLst>
           </p:cNvPr>
@@ -12005,7 +12005,7 @@
             <p:cNvPr id="72" name="组合 71">
               <a:extLst>
                 <a:ext uri="{FF2B5EF4-FFF2-40B4-BE49-F238E27FC236}">
-                  <a16:creationId xmlns:a16="http://schemas.microsoft.com/office/drawing/2014/main" id="{D7D28DFF-A1E9-4347-A0F7-6F9A403393C2}"/>
+                  <a16:creationId xmlns:a16="http://schemas.microsoft.com/office/drawing/2014/main" xmlns="" id="{D7D28DFF-A1E9-4347-A0F7-6F9A403393C2}"/>
                 </a:ext>
               </a:extLst>
             </p:cNvPr>
@@ -12025,7 +12025,7 @@
               <p:cNvPr id="4" name="矩形 3">
                 <a:extLst>
                   <a:ext uri="{FF2B5EF4-FFF2-40B4-BE49-F238E27FC236}">
-                    <a16:creationId xmlns:a16="http://schemas.microsoft.com/office/drawing/2014/main" id="{84C17446-EA34-4FDF-9F97-212772B9A81B}"/>
+                    <a16:creationId xmlns:a16="http://schemas.microsoft.com/office/drawing/2014/main" xmlns="" id="{84C17446-EA34-4FDF-9F97-212772B9A81B}"/>
                   </a:ext>
                 </a:extLst>
               </p:cNvPr>
@@ -12089,7 +12089,7 @@
               <p:cNvPr id="5" name="矩形 4">
                 <a:extLst>
                   <a:ext uri="{FF2B5EF4-FFF2-40B4-BE49-F238E27FC236}">
-                    <a16:creationId xmlns:a16="http://schemas.microsoft.com/office/drawing/2014/main" id="{156CA2BF-C088-4F6A-B05A-B9C47C868226}"/>
+                    <a16:creationId xmlns:a16="http://schemas.microsoft.com/office/drawing/2014/main" xmlns="" id="{156CA2BF-C088-4F6A-B05A-B9C47C868226}"/>
                   </a:ext>
                 </a:extLst>
               </p:cNvPr>
@@ -12153,7 +12153,7 @@
               <p:cNvPr id="6" name="矩形 5">
                 <a:extLst>
                   <a:ext uri="{FF2B5EF4-FFF2-40B4-BE49-F238E27FC236}">
-                    <a16:creationId xmlns:a16="http://schemas.microsoft.com/office/drawing/2014/main" id="{9E73211F-7E34-4232-A117-2824DEA6CA0F}"/>
+                    <a16:creationId xmlns:a16="http://schemas.microsoft.com/office/drawing/2014/main" xmlns="" id="{9E73211F-7E34-4232-A117-2824DEA6CA0F}"/>
                   </a:ext>
                 </a:extLst>
               </p:cNvPr>
@@ -12217,7 +12217,7 @@
               <p:cNvPr id="7" name="矩形 6">
                 <a:extLst>
                   <a:ext uri="{FF2B5EF4-FFF2-40B4-BE49-F238E27FC236}">
-                    <a16:creationId xmlns:a16="http://schemas.microsoft.com/office/drawing/2014/main" id="{9C9CEB98-B5FD-4AA9-8243-FBE9D49ABF1F}"/>
+                    <a16:creationId xmlns:a16="http://schemas.microsoft.com/office/drawing/2014/main" xmlns="" id="{9C9CEB98-B5FD-4AA9-8243-FBE9D49ABF1F}"/>
                   </a:ext>
                 </a:extLst>
               </p:cNvPr>
@@ -12281,7 +12281,7 @@
               <p:cNvPr id="9" name="连接符: 肘形 8">
                 <a:extLst>
                   <a:ext uri="{FF2B5EF4-FFF2-40B4-BE49-F238E27FC236}">
-                    <a16:creationId xmlns:a16="http://schemas.microsoft.com/office/drawing/2014/main" id="{BAB5A817-6EDC-42C9-A01E-5DF275EE5784}"/>
+                    <a16:creationId xmlns:a16="http://schemas.microsoft.com/office/drawing/2014/main" xmlns="" id="{BAB5A817-6EDC-42C9-A01E-5DF275EE5784}"/>
                   </a:ext>
                 </a:extLst>
               </p:cNvPr>
@@ -12320,7 +12320,7 @@
               <p:cNvPr id="12" name="直接箭头连接符 11">
                 <a:extLst>
                   <a:ext uri="{FF2B5EF4-FFF2-40B4-BE49-F238E27FC236}">
-                    <a16:creationId xmlns:a16="http://schemas.microsoft.com/office/drawing/2014/main" id="{9828D84F-30FF-4E45-863D-FC4892F1653D}"/>
+                    <a16:creationId xmlns:a16="http://schemas.microsoft.com/office/drawing/2014/main" xmlns="" id="{9828D84F-30FF-4E45-863D-FC4892F1653D}"/>
                   </a:ext>
                 </a:extLst>
               </p:cNvPr>
@@ -12361,7 +12361,7 @@
               <p:cNvPr id="14" name="直接箭头连接符 13">
                 <a:extLst>
                   <a:ext uri="{FF2B5EF4-FFF2-40B4-BE49-F238E27FC236}">
-                    <a16:creationId xmlns:a16="http://schemas.microsoft.com/office/drawing/2014/main" id="{E546542D-5960-44C8-B745-182E3F04B9E0}"/>
+                    <a16:creationId xmlns:a16="http://schemas.microsoft.com/office/drawing/2014/main" xmlns="" id="{E546542D-5960-44C8-B745-182E3F04B9E0}"/>
                   </a:ext>
                 </a:extLst>
               </p:cNvPr>
@@ -12402,7 +12402,7 @@
               <p:cNvPr id="16" name="直接连接符 15">
                 <a:extLst>
                   <a:ext uri="{FF2B5EF4-FFF2-40B4-BE49-F238E27FC236}">
-                    <a16:creationId xmlns:a16="http://schemas.microsoft.com/office/drawing/2014/main" id="{BFF339D7-F04C-477D-9341-CF73FB445F79}"/>
+                    <a16:creationId xmlns:a16="http://schemas.microsoft.com/office/drawing/2014/main" xmlns="" id="{BFF339D7-F04C-477D-9341-CF73FB445F79}"/>
                   </a:ext>
                 </a:extLst>
               </p:cNvPr>
@@ -12440,7 +12440,7 @@
               <p:cNvPr id="19" name="文本框 18">
                 <a:extLst>
                   <a:ext uri="{FF2B5EF4-FFF2-40B4-BE49-F238E27FC236}">
-                    <a16:creationId xmlns:a16="http://schemas.microsoft.com/office/drawing/2014/main" id="{312580CC-DFBA-4C27-A6AC-E9F5A9789338}"/>
+                    <a16:creationId xmlns:a16="http://schemas.microsoft.com/office/drawing/2014/main" xmlns="" id="{312580CC-DFBA-4C27-A6AC-E9F5A9789338}"/>
                   </a:ext>
                 </a:extLst>
               </p:cNvPr>
@@ -12476,7 +12476,7 @@
               <p:cNvPr id="20" name="文本框 19">
                 <a:extLst>
                   <a:ext uri="{FF2B5EF4-FFF2-40B4-BE49-F238E27FC236}">
-                    <a16:creationId xmlns:a16="http://schemas.microsoft.com/office/drawing/2014/main" id="{2427CD8F-9C78-46A3-9383-041E3BA2AA32}"/>
+                    <a16:creationId xmlns:a16="http://schemas.microsoft.com/office/drawing/2014/main" xmlns="" id="{2427CD8F-9C78-46A3-9383-041E3BA2AA32}"/>
                   </a:ext>
                 </a:extLst>
               </p:cNvPr>
@@ -12512,7 +12512,7 @@
               <p:cNvPr id="21" name="文本框 20">
                 <a:extLst>
                   <a:ext uri="{FF2B5EF4-FFF2-40B4-BE49-F238E27FC236}">
-                    <a16:creationId xmlns:a16="http://schemas.microsoft.com/office/drawing/2014/main" id="{55A33BE1-064F-4B1D-AEB5-E5807F09ADBC}"/>
+                    <a16:creationId xmlns:a16="http://schemas.microsoft.com/office/drawing/2014/main" xmlns="" id="{55A33BE1-064F-4B1D-AEB5-E5807F09ADBC}"/>
                   </a:ext>
                 </a:extLst>
               </p:cNvPr>
@@ -12548,7 +12548,7 @@
               <p:cNvPr id="22" name="文本框 21">
                 <a:extLst>
                   <a:ext uri="{FF2B5EF4-FFF2-40B4-BE49-F238E27FC236}">
-                    <a16:creationId xmlns:a16="http://schemas.microsoft.com/office/drawing/2014/main" id="{31C383D6-0AA6-47E5-99AF-E9A018BAF0C9}"/>
+                    <a16:creationId xmlns:a16="http://schemas.microsoft.com/office/drawing/2014/main" xmlns="" id="{31C383D6-0AA6-47E5-99AF-E9A018BAF0C9}"/>
                   </a:ext>
                 </a:extLst>
               </p:cNvPr>
@@ -12588,7 +12588,7 @@
               <p:cNvPr id="15" name="直接连接符 14">
                 <a:extLst>
                   <a:ext uri="{FF2B5EF4-FFF2-40B4-BE49-F238E27FC236}">
-                    <a16:creationId xmlns:a16="http://schemas.microsoft.com/office/drawing/2014/main" id="{3BC8BCB2-D9DB-47C8-B398-D6C3F6EAE664}"/>
+                    <a16:creationId xmlns:a16="http://schemas.microsoft.com/office/drawing/2014/main" xmlns="" id="{3BC8BCB2-D9DB-47C8-B398-D6C3F6EAE664}"/>
                   </a:ext>
                 </a:extLst>
               </p:cNvPr>
@@ -12626,7 +12626,7 @@
               <p:cNvPr id="17" name="文本框 16">
                 <a:extLst>
                   <a:ext uri="{FF2B5EF4-FFF2-40B4-BE49-F238E27FC236}">
-                    <a16:creationId xmlns:a16="http://schemas.microsoft.com/office/drawing/2014/main" id="{0237599A-D726-44F5-9DED-0C0364E5EBEC}"/>
+                    <a16:creationId xmlns:a16="http://schemas.microsoft.com/office/drawing/2014/main" xmlns="" id="{0237599A-D726-44F5-9DED-0C0364E5EBEC}"/>
                   </a:ext>
                 </a:extLst>
               </p:cNvPr>
@@ -12666,7 +12666,7 @@
               <p:cNvPr id="18" name="直接箭头连接符 17">
                 <a:extLst>
                   <a:ext uri="{FF2B5EF4-FFF2-40B4-BE49-F238E27FC236}">
-                    <a16:creationId xmlns:a16="http://schemas.microsoft.com/office/drawing/2014/main" id="{02F6ABD3-3D65-4F29-8F76-AB3BA8B806DB}"/>
+                    <a16:creationId xmlns:a16="http://schemas.microsoft.com/office/drawing/2014/main" xmlns="" id="{02F6ABD3-3D65-4F29-8F76-AB3BA8B806DB}"/>
                   </a:ext>
                 </a:extLst>
               </p:cNvPr>
@@ -12707,7 +12707,7 @@
               <p:cNvPr id="23" name="直接箭头连接符 22">
                 <a:extLst>
                   <a:ext uri="{FF2B5EF4-FFF2-40B4-BE49-F238E27FC236}">
-                    <a16:creationId xmlns:a16="http://schemas.microsoft.com/office/drawing/2014/main" id="{9FF88DF2-3A5E-4B5F-BFE3-B21B58FD2F65}"/>
+                    <a16:creationId xmlns:a16="http://schemas.microsoft.com/office/drawing/2014/main" xmlns="" id="{9FF88DF2-3A5E-4B5F-BFE3-B21B58FD2F65}"/>
                   </a:ext>
                 </a:extLst>
               </p:cNvPr>
@@ -12748,7 +12748,7 @@
               <p:cNvPr id="24" name="直接箭头连接符 23">
                 <a:extLst>
                   <a:ext uri="{FF2B5EF4-FFF2-40B4-BE49-F238E27FC236}">
-                    <a16:creationId xmlns:a16="http://schemas.microsoft.com/office/drawing/2014/main" id="{46F286AC-5737-413A-A6B7-0BA907E48233}"/>
+                    <a16:creationId xmlns:a16="http://schemas.microsoft.com/office/drawing/2014/main" xmlns="" id="{46F286AC-5737-413A-A6B7-0BA907E48233}"/>
                   </a:ext>
                 </a:extLst>
               </p:cNvPr>
@@ -12789,7 +12789,7 @@
               <p:cNvPr id="25" name="文本框 24">
                 <a:extLst>
                   <a:ext uri="{FF2B5EF4-FFF2-40B4-BE49-F238E27FC236}">
-                    <a16:creationId xmlns:a16="http://schemas.microsoft.com/office/drawing/2014/main" id="{A57C5435-07EE-4872-BFB3-E7AEB090542B}"/>
+                    <a16:creationId xmlns:a16="http://schemas.microsoft.com/office/drawing/2014/main" xmlns="" id="{A57C5435-07EE-4872-BFB3-E7AEB090542B}"/>
                   </a:ext>
                 </a:extLst>
               </p:cNvPr>
@@ -12825,7 +12825,7 @@
               <p:cNvPr id="26" name="文本框 25">
                 <a:extLst>
                   <a:ext uri="{FF2B5EF4-FFF2-40B4-BE49-F238E27FC236}">
-                    <a16:creationId xmlns:a16="http://schemas.microsoft.com/office/drawing/2014/main" id="{9FBB3D21-69A8-4BA2-B0A3-FBDB9367D371}"/>
+                    <a16:creationId xmlns:a16="http://schemas.microsoft.com/office/drawing/2014/main" xmlns="" id="{9FBB3D21-69A8-4BA2-B0A3-FBDB9367D371}"/>
                   </a:ext>
                 </a:extLst>
               </p:cNvPr>
@@ -12861,7 +12861,7 @@
               <p:cNvPr id="27" name="文本框 26">
                 <a:extLst>
                   <a:ext uri="{FF2B5EF4-FFF2-40B4-BE49-F238E27FC236}">
-                    <a16:creationId xmlns:a16="http://schemas.microsoft.com/office/drawing/2014/main" id="{8820E567-2196-460C-8176-606DEB7C0B3F}"/>
+                    <a16:creationId xmlns:a16="http://schemas.microsoft.com/office/drawing/2014/main" xmlns="" id="{8820E567-2196-460C-8176-606DEB7C0B3F}"/>
                   </a:ext>
                 </a:extLst>
               </p:cNvPr>
@@ -12897,7 +12897,7 @@
               <p:cNvPr id="28" name="直接箭头连接符 27">
                 <a:extLst>
                   <a:ext uri="{FF2B5EF4-FFF2-40B4-BE49-F238E27FC236}">
-                    <a16:creationId xmlns:a16="http://schemas.microsoft.com/office/drawing/2014/main" id="{17E33D7A-FE87-4938-96C8-38763D98896D}"/>
+                    <a16:creationId xmlns:a16="http://schemas.microsoft.com/office/drawing/2014/main" xmlns="" id="{17E33D7A-FE87-4938-96C8-38763D98896D}"/>
                   </a:ext>
                 </a:extLst>
               </p:cNvPr>
@@ -12938,7 +12938,7 @@
               <p:cNvPr id="29" name="直接箭头连接符 28">
                 <a:extLst>
                   <a:ext uri="{FF2B5EF4-FFF2-40B4-BE49-F238E27FC236}">
-                    <a16:creationId xmlns:a16="http://schemas.microsoft.com/office/drawing/2014/main" id="{BF84C4D7-6E8C-42FF-85F4-3658AAD9498E}"/>
+                    <a16:creationId xmlns:a16="http://schemas.microsoft.com/office/drawing/2014/main" xmlns="" id="{BF84C4D7-6E8C-42FF-85F4-3658AAD9498E}"/>
                   </a:ext>
                 </a:extLst>
               </p:cNvPr>
@@ -12979,7 +12979,7 @@
               <p:cNvPr id="30" name="直接连接符 29">
                 <a:extLst>
                   <a:ext uri="{FF2B5EF4-FFF2-40B4-BE49-F238E27FC236}">
-                    <a16:creationId xmlns:a16="http://schemas.microsoft.com/office/drawing/2014/main" id="{24DD0B48-14C1-4D13-B961-0CE00A514470}"/>
+                    <a16:creationId xmlns:a16="http://schemas.microsoft.com/office/drawing/2014/main" xmlns="" id="{24DD0B48-14C1-4D13-B961-0CE00A514470}"/>
                   </a:ext>
                 </a:extLst>
               </p:cNvPr>
@@ -13017,7 +13017,7 @@
               <p:cNvPr id="31" name="文本框 30">
                 <a:extLst>
                   <a:ext uri="{FF2B5EF4-FFF2-40B4-BE49-F238E27FC236}">
-                    <a16:creationId xmlns:a16="http://schemas.microsoft.com/office/drawing/2014/main" id="{58832F0F-7091-486C-AA92-5D04EED86E58}"/>
+                    <a16:creationId xmlns:a16="http://schemas.microsoft.com/office/drawing/2014/main" xmlns="" id="{58832F0F-7091-486C-AA92-5D04EED86E58}"/>
                   </a:ext>
                 </a:extLst>
               </p:cNvPr>
@@ -13053,7 +13053,7 @@
               <p:cNvPr id="32" name="文本框 31">
                 <a:extLst>
                   <a:ext uri="{FF2B5EF4-FFF2-40B4-BE49-F238E27FC236}">
-                    <a16:creationId xmlns:a16="http://schemas.microsoft.com/office/drawing/2014/main" id="{598CCA63-944F-4BB1-8488-B93E73B42910}"/>
+                    <a16:creationId xmlns:a16="http://schemas.microsoft.com/office/drawing/2014/main" xmlns="" id="{598CCA63-944F-4BB1-8488-B93E73B42910}"/>
                   </a:ext>
                 </a:extLst>
               </p:cNvPr>
@@ -13089,7 +13089,7 @@
               <p:cNvPr id="34" name="文本框 33">
                 <a:extLst>
                   <a:ext uri="{FF2B5EF4-FFF2-40B4-BE49-F238E27FC236}">
-                    <a16:creationId xmlns:a16="http://schemas.microsoft.com/office/drawing/2014/main" id="{E13FDCDC-5E65-49B3-B01F-6183CC15B05B}"/>
+                    <a16:creationId xmlns:a16="http://schemas.microsoft.com/office/drawing/2014/main" xmlns="" id="{E13FDCDC-5E65-49B3-B01F-6183CC15B05B}"/>
                   </a:ext>
                 </a:extLst>
               </p:cNvPr>
@@ -13129,7 +13129,7 @@
               <p:cNvPr id="35" name="直接箭头连接符 34">
                 <a:extLst>
                   <a:ext uri="{FF2B5EF4-FFF2-40B4-BE49-F238E27FC236}">
-                    <a16:creationId xmlns:a16="http://schemas.microsoft.com/office/drawing/2014/main" id="{A00ECE83-9C97-4F0F-B29E-1F7F498424E8}"/>
+                    <a16:creationId xmlns:a16="http://schemas.microsoft.com/office/drawing/2014/main" xmlns="" id="{A00ECE83-9C97-4F0F-B29E-1F7F498424E8}"/>
                   </a:ext>
                 </a:extLst>
               </p:cNvPr>
@@ -13170,7 +13170,7 @@
               <p:cNvPr id="36" name="直接箭头连接符 35">
                 <a:extLst>
                   <a:ext uri="{FF2B5EF4-FFF2-40B4-BE49-F238E27FC236}">
-                    <a16:creationId xmlns:a16="http://schemas.microsoft.com/office/drawing/2014/main" id="{2070DDEF-D62E-4D58-8C2F-55481424A1AA}"/>
+                    <a16:creationId xmlns:a16="http://schemas.microsoft.com/office/drawing/2014/main" xmlns="" id="{2070DDEF-D62E-4D58-8C2F-55481424A1AA}"/>
                   </a:ext>
                 </a:extLst>
               </p:cNvPr>
@@ -13211,7 +13211,7 @@
               <p:cNvPr id="37" name="直接连接符 36">
                 <a:extLst>
                   <a:ext uri="{FF2B5EF4-FFF2-40B4-BE49-F238E27FC236}">
-                    <a16:creationId xmlns:a16="http://schemas.microsoft.com/office/drawing/2014/main" id="{FE05FD31-A028-4726-838D-346CA92E542E}"/>
+                    <a16:creationId xmlns:a16="http://schemas.microsoft.com/office/drawing/2014/main" xmlns="" id="{FE05FD31-A028-4726-838D-346CA92E542E}"/>
                   </a:ext>
                 </a:extLst>
               </p:cNvPr>
@@ -13249,7 +13249,7 @@
               <p:cNvPr id="38" name="文本框 37">
                 <a:extLst>
                   <a:ext uri="{FF2B5EF4-FFF2-40B4-BE49-F238E27FC236}">
-                    <a16:creationId xmlns:a16="http://schemas.microsoft.com/office/drawing/2014/main" id="{5DF46E47-41D7-4AC1-851B-A8504F1A25BB}"/>
+                    <a16:creationId xmlns:a16="http://schemas.microsoft.com/office/drawing/2014/main" xmlns="" id="{5DF46E47-41D7-4AC1-851B-A8504F1A25BB}"/>
                   </a:ext>
                 </a:extLst>
               </p:cNvPr>
@@ -13285,7 +13285,7 @@
               <p:cNvPr id="39" name="文本框 38">
                 <a:extLst>
                   <a:ext uri="{FF2B5EF4-FFF2-40B4-BE49-F238E27FC236}">
-                    <a16:creationId xmlns:a16="http://schemas.microsoft.com/office/drawing/2014/main" id="{664CBB1E-FD3D-4576-9AD1-588D03DC35FE}"/>
+                    <a16:creationId xmlns:a16="http://schemas.microsoft.com/office/drawing/2014/main" xmlns="" id="{664CBB1E-FD3D-4576-9AD1-588D03DC35FE}"/>
                   </a:ext>
                 </a:extLst>
               </p:cNvPr>
@@ -13321,7 +13321,7 @@
               <p:cNvPr id="40" name="文本框 39">
                 <a:extLst>
                   <a:ext uri="{FF2B5EF4-FFF2-40B4-BE49-F238E27FC236}">
-                    <a16:creationId xmlns:a16="http://schemas.microsoft.com/office/drawing/2014/main" id="{9AC7EF06-E98A-4287-AA10-224899945358}"/>
+                    <a16:creationId xmlns:a16="http://schemas.microsoft.com/office/drawing/2014/main" xmlns="" id="{9AC7EF06-E98A-4287-AA10-224899945358}"/>
                   </a:ext>
                 </a:extLst>
               </p:cNvPr>
@@ -13361,7 +13361,7 @@
               <p:cNvPr id="41" name="直接箭头连接符 40">
                 <a:extLst>
                   <a:ext uri="{FF2B5EF4-FFF2-40B4-BE49-F238E27FC236}">
-                    <a16:creationId xmlns:a16="http://schemas.microsoft.com/office/drawing/2014/main" id="{AB36B67E-57E1-4E4D-B70F-EC24B8C0264B}"/>
+                    <a16:creationId xmlns:a16="http://schemas.microsoft.com/office/drawing/2014/main" xmlns="" id="{AB36B67E-57E1-4E4D-B70F-EC24B8C0264B}"/>
                   </a:ext>
                 </a:extLst>
               </p:cNvPr>
@@ -13402,7 +13402,7 @@
               <p:cNvPr id="42" name="直接箭头连接符 41">
                 <a:extLst>
                   <a:ext uri="{FF2B5EF4-FFF2-40B4-BE49-F238E27FC236}">
-                    <a16:creationId xmlns:a16="http://schemas.microsoft.com/office/drawing/2014/main" id="{6025A65C-EA91-4343-A735-D04FC8865E8F}"/>
+                    <a16:creationId xmlns:a16="http://schemas.microsoft.com/office/drawing/2014/main" xmlns="" id="{6025A65C-EA91-4343-A735-D04FC8865E8F}"/>
                   </a:ext>
                 </a:extLst>
               </p:cNvPr>
@@ -13443,7 +13443,7 @@
               <p:cNvPr id="43" name="直接箭头连接符 42">
                 <a:extLst>
                   <a:ext uri="{FF2B5EF4-FFF2-40B4-BE49-F238E27FC236}">
-                    <a16:creationId xmlns:a16="http://schemas.microsoft.com/office/drawing/2014/main" id="{580D2057-E6FB-425E-9C3A-C73F6FBBD2FF}"/>
+                    <a16:creationId xmlns:a16="http://schemas.microsoft.com/office/drawing/2014/main" xmlns="" id="{580D2057-E6FB-425E-9C3A-C73F6FBBD2FF}"/>
                   </a:ext>
                 </a:extLst>
               </p:cNvPr>
@@ -13484,7 +13484,7 @@
               <p:cNvPr id="44" name="文本框 43">
                 <a:extLst>
                   <a:ext uri="{FF2B5EF4-FFF2-40B4-BE49-F238E27FC236}">
-                    <a16:creationId xmlns:a16="http://schemas.microsoft.com/office/drawing/2014/main" id="{3E3F42EC-741F-4047-B0A1-1333096EA918}"/>
+                    <a16:creationId xmlns:a16="http://schemas.microsoft.com/office/drawing/2014/main" xmlns="" id="{3E3F42EC-741F-4047-B0A1-1333096EA918}"/>
                   </a:ext>
                 </a:extLst>
               </p:cNvPr>
@@ -13520,7 +13520,7 @@
               <p:cNvPr id="45" name="文本框 44">
                 <a:extLst>
                   <a:ext uri="{FF2B5EF4-FFF2-40B4-BE49-F238E27FC236}">
-                    <a16:creationId xmlns:a16="http://schemas.microsoft.com/office/drawing/2014/main" id="{15348C63-FFCF-4B93-81D3-1A3A6F17C07F}"/>
+                    <a16:creationId xmlns:a16="http://schemas.microsoft.com/office/drawing/2014/main" xmlns="" id="{15348C63-FFCF-4B93-81D3-1A3A6F17C07F}"/>
                   </a:ext>
                 </a:extLst>
               </p:cNvPr>
@@ -13556,7 +13556,7 @@
               <p:cNvPr id="46" name="文本框 45">
                 <a:extLst>
                   <a:ext uri="{FF2B5EF4-FFF2-40B4-BE49-F238E27FC236}">
-                    <a16:creationId xmlns:a16="http://schemas.microsoft.com/office/drawing/2014/main" id="{27F7FD0A-1E77-43F7-9C78-19B712BED89F}"/>
+                    <a16:creationId xmlns:a16="http://schemas.microsoft.com/office/drawing/2014/main" xmlns="" id="{27F7FD0A-1E77-43F7-9C78-19B712BED89F}"/>
                   </a:ext>
                 </a:extLst>
               </p:cNvPr>
@@ -13592,7 +13592,7 @@
               <p:cNvPr id="47" name="直接连接符 46">
                 <a:extLst>
                   <a:ext uri="{FF2B5EF4-FFF2-40B4-BE49-F238E27FC236}">
-                    <a16:creationId xmlns:a16="http://schemas.microsoft.com/office/drawing/2014/main" id="{C8E91577-5130-470F-BCCC-CB55880C0D0E}"/>
+                    <a16:creationId xmlns:a16="http://schemas.microsoft.com/office/drawing/2014/main" xmlns="" id="{C8E91577-5130-470F-BCCC-CB55880C0D0E}"/>
                   </a:ext>
                 </a:extLst>
               </p:cNvPr>
@@ -13630,7 +13630,7 @@
               <p:cNvPr id="13" name="梯形 12">
                 <a:extLst>
                   <a:ext uri="{FF2B5EF4-FFF2-40B4-BE49-F238E27FC236}">
-                    <a16:creationId xmlns:a16="http://schemas.microsoft.com/office/drawing/2014/main" id="{C57B3A4E-B543-4DBF-AD4E-2A059F2E44AB}"/>
+                    <a16:creationId xmlns:a16="http://schemas.microsoft.com/office/drawing/2014/main" xmlns="" id="{C57B3A4E-B543-4DBF-AD4E-2A059F2E44AB}"/>
                   </a:ext>
                 </a:extLst>
               </p:cNvPr>
@@ -13684,7 +13684,7 @@
               <p:cNvPr id="49" name="直接连接符 48">
                 <a:extLst>
                   <a:ext uri="{FF2B5EF4-FFF2-40B4-BE49-F238E27FC236}">
-                    <a16:creationId xmlns:a16="http://schemas.microsoft.com/office/drawing/2014/main" id="{AC8C68E6-DF13-485B-A4DE-A6526CB716FE}"/>
+                    <a16:creationId xmlns:a16="http://schemas.microsoft.com/office/drawing/2014/main" xmlns="" id="{AC8C68E6-DF13-485B-A4DE-A6526CB716FE}"/>
                   </a:ext>
                 </a:extLst>
               </p:cNvPr>
@@ -13722,7 +13722,7 @@
               <p:cNvPr id="50" name="直接连接符 49">
                 <a:extLst>
                   <a:ext uri="{FF2B5EF4-FFF2-40B4-BE49-F238E27FC236}">
-                    <a16:creationId xmlns:a16="http://schemas.microsoft.com/office/drawing/2014/main" id="{79EF0FF0-F5EC-474C-AB8A-7EA3CAE4CBF9}"/>
+                    <a16:creationId xmlns:a16="http://schemas.microsoft.com/office/drawing/2014/main" xmlns="" id="{79EF0FF0-F5EC-474C-AB8A-7EA3CAE4CBF9}"/>
                   </a:ext>
                 </a:extLst>
               </p:cNvPr>
@@ -13760,7 +13760,7 @@
               <p:cNvPr id="51" name="直接连接符 50">
                 <a:extLst>
                   <a:ext uri="{FF2B5EF4-FFF2-40B4-BE49-F238E27FC236}">
-                    <a16:creationId xmlns:a16="http://schemas.microsoft.com/office/drawing/2014/main" id="{8E8337F4-AA88-4C92-B916-0275F26C33C3}"/>
+                    <a16:creationId xmlns:a16="http://schemas.microsoft.com/office/drawing/2014/main" xmlns="" id="{8E8337F4-AA88-4C92-B916-0275F26C33C3}"/>
                   </a:ext>
                 </a:extLst>
               </p:cNvPr>
@@ -13798,7 +13798,7 @@
               <p:cNvPr id="52" name="文本框 51">
                 <a:extLst>
                   <a:ext uri="{FF2B5EF4-FFF2-40B4-BE49-F238E27FC236}">
-                    <a16:creationId xmlns:a16="http://schemas.microsoft.com/office/drawing/2014/main" id="{EE2D4943-B34C-4FC4-84A7-26E668FB2753}"/>
+                    <a16:creationId xmlns:a16="http://schemas.microsoft.com/office/drawing/2014/main" xmlns="" id="{EE2D4943-B34C-4FC4-84A7-26E668FB2753}"/>
                   </a:ext>
                 </a:extLst>
               </p:cNvPr>
@@ -13834,7 +13834,7 @@
               <p:cNvPr id="53" name="文本框 52">
                 <a:extLst>
                   <a:ext uri="{FF2B5EF4-FFF2-40B4-BE49-F238E27FC236}">
-                    <a16:creationId xmlns:a16="http://schemas.microsoft.com/office/drawing/2014/main" id="{83D78315-C4A7-42AF-BC72-05DA92595733}"/>
+                    <a16:creationId xmlns:a16="http://schemas.microsoft.com/office/drawing/2014/main" xmlns="" id="{83D78315-C4A7-42AF-BC72-05DA92595733}"/>
                   </a:ext>
                 </a:extLst>
               </p:cNvPr>
@@ -13870,7 +13870,7 @@
               <p:cNvPr id="54" name="文本框 53">
                 <a:extLst>
                   <a:ext uri="{FF2B5EF4-FFF2-40B4-BE49-F238E27FC236}">
-                    <a16:creationId xmlns:a16="http://schemas.microsoft.com/office/drawing/2014/main" id="{B63BA0D2-59BD-4CA8-9E45-5997EBC2FE06}"/>
+                    <a16:creationId xmlns:a16="http://schemas.microsoft.com/office/drawing/2014/main" xmlns="" id="{B63BA0D2-59BD-4CA8-9E45-5997EBC2FE06}"/>
                   </a:ext>
                 </a:extLst>
               </p:cNvPr>
@@ -13906,7 +13906,7 @@
               <p:cNvPr id="55" name="文本框 54">
                 <a:extLst>
                   <a:ext uri="{FF2B5EF4-FFF2-40B4-BE49-F238E27FC236}">
-                    <a16:creationId xmlns:a16="http://schemas.microsoft.com/office/drawing/2014/main" id="{68BA54A8-03D9-4EA7-9DCC-ECFD21C299AC}"/>
+                    <a16:creationId xmlns:a16="http://schemas.microsoft.com/office/drawing/2014/main" xmlns="" id="{68BA54A8-03D9-4EA7-9DCC-ECFD21C299AC}"/>
                   </a:ext>
                 </a:extLst>
               </p:cNvPr>
@@ -13942,7 +13942,7 @@
               <p:cNvPr id="60" name="连接符: 肘形 59">
                 <a:extLst>
                   <a:ext uri="{FF2B5EF4-FFF2-40B4-BE49-F238E27FC236}">
-                    <a16:creationId xmlns:a16="http://schemas.microsoft.com/office/drawing/2014/main" id="{BB8E6B5C-6695-432D-ADD3-DF42E3114C3A}"/>
+                    <a16:creationId xmlns:a16="http://schemas.microsoft.com/office/drawing/2014/main" xmlns="" id="{BB8E6B5C-6695-432D-ADD3-DF42E3114C3A}"/>
                   </a:ext>
                 </a:extLst>
               </p:cNvPr>
@@ -13981,7 +13981,7 @@
               <p:cNvPr id="67" name="文本框 66">
                 <a:extLst>
                   <a:ext uri="{FF2B5EF4-FFF2-40B4-BE49-F238E27FC236}">
-                    <a16:creationId xmlns:a16="http://schemas.microsoft.com/office/drawing/2014/main" id="{BB8063EC-F1BC-4637-B264-6F1B9E75993A}"/>
+                    <a16:creationId xmlns:a16="http://schemas.microsoft.com/office/drawing/2014/main" xmlns="" id="{BB8063EC-F1BC-4637-B264-6F1B9E75993A}"/>
                   </a:ext>
                 </a:extLst>
               </p:cNvPr>
@@ -14021,7 +14021,7 @@
               <p:cNvPr id="68" name="文本框 67">
                 <a:extLst>
                   <a:ext uri="{FF2B5EF4-FFF2-40B4-BE49-F238E27FC236}">
-                    <a16:creationId xmlns:a16="http://schemas.microsoft.com/office/drawing/2014/main" id="{AC09B932-E22C-4E72-B77A-A976FDE65317}"/>
+                    <a16:creationId xmlns:a16="http://schemas.microsoft.com/office/drawing/2014/main" xmlns="" id="{AC09B932-E22C-4E72-B77A-A976FDE65317}"/>
                   </a:ext>
                 </a:extLst>
               </p:cNvPr>
@@ -14057,7 +14057,7 @@
               <p:cNvPr id="70" name="直接箭头连接符 69">
                 <a:extLst>
                   <a:ext uri="{FF2B5EF4-FFF2-40B4-BE49-F238E27FC236}">
-                    <a16:creationId xmlns:a16="http://schemas.microsoft.com/office/drawing/2014/main" id="{CCF042C1-80FB-4CDB-B481-07B0B2C74164}"/>
+                    <a16:creationId xmlns:a16="http://schemas.microsoft.com/office/drawing/2014/main" xmlns="" id="{CCF042C1-80FB-4CDB-B481-07B0B2C74164}"/>
                   </a:ext>
                 </a:extLst>
               </p:cNvPr>
@@ -14098,7 +14098,7 @@
               <p:cNvPr id="71" name="文本框 70">
                 <a:extLst>
                   <a:ext uri="{FF2B5EF4-FFF2-40B4-BE49-F238E27FC236}">
-                    <a16:creationId xmlns:a16="http://schemas.microsoft.com/office/drawing/2014/main" id="{67F82190-CA10-4C9D-80DF-C457546F9307}"/>
+                    <a16:creationId xmlns:a16="http://schemas.microsoft.com/office/drawing/2014/main" xmlns="" id="{67F82190-CA10-4C9D-80DF-C457546F9307}"/>
                   </a:ext>
                 </a:extLst>
               </p:cNvPr>
@@ -14135,7 +14135,7 @@
             <p:cNvPr id="74" name="文本框 73">
               <a:extLst>
                 <a:ext uri="{FF2B5EF4-FFF2-40B4-BE49-F238E27FC236}">
-                  <a16:creationId xmlns:a16="http://schemas.microsoft.com/office/drawing/2014/main" id="{6BF29B4C-EC28-4454-90D9-8521309582BA}"/>
+                  <a16:creationId xmlns:a16="http://schemas.microsoft.com/office/drawing/2014/main" xmlns="" id="{6BF29B4C-EC28-4454-90D9-8521309582BA}"/>
                 </a:ext>
               </a:extLst>
             </p:cNvPr>
@@ -14171,7 +14171,7 @@
             <p:cNvPr id="75" name="文本框 74">
               <a:extLst>
                 <a:ext uri="{FF2B5EF4-FFF2-40B4-BE49-F238E27FC236}">
-                  <a16:creationId xmlns:a16="http://schemas.microsoft.com/office/drawing/2014/main" id="{AB6E897F-18F3-40D4-A047-058632B4FE1B}"/>
+                  <a16:creationId xmlns:a16="http://schemas.microsoft.com/office/drawing/2014/main" xmlns="" id="{AB6E897F-18F3-40D4-A047-058632B4FE1B}"/>
                 </a:ext>
               </a:extLst>
             </p:cNvPr>
@@ -14207,7 +14207,7 @@
             <p:cNvPr id="76" name="文本框 75">
               <a:extLst>
                 <a:ext uri="{FF2B5EF4-FFF2-40B4-BE49-F238E27FC236}">
-                  <a16:creationId xmlns:a16="http://schemas.microsoft.com/office/drawing/2014/main" id="{65280C14-62EB-4505-AABD-6634FF273A06}"/>
+                  <a16:creationId xmlns:a16="http://schemas.microsoft.com/office/drawing/2014/main" xmlns="" id="{65280C14-62EB-4505-AABD-6634FF273A06}"/>
                 </a:ext>
               </a:extLst>
             </p:cNvPr>
@@ -14243,7 +14243,7 @@
             <p:cNvPr id="77" name="文本框 76">
               <a:extLst>
                 <a:ext uri="{FF2B5EF4-FFF2-40B4-BE49-F238E27FC236}">
-                  <a16:creationId xmlns:a16="http://schemas.microsoft.com/office/drawing/2014/main" id="{EC238052-CAAF-42F7-98EF-8184FA1595A9}"/>
+                  <a16:creationId xmlns:a16="http://schemas.microsoft.com/office/drawing/2014/main" xmlns="" id="{EC238052-CAAF-42F7-98EF-8184FA1595A9}"/>
                 </a:ext>
               </a:extLst>
             </p:cNvPr>
